--- a/Documents/Requirements/service_order_client/raw/학과 커뮤니티 웹사이트 및 모바일 앱 개발 시스템 개념도.pptx
+++ b/Documents/Requirements/service_order_client/raw/학과 커뮤니티 웹사이트 및 모바일 앱 개발 시스템 개념도.pptx
@@ -13,8 +13,8 @@
     <p:sldId id="257" r:id="rId4"/>
     <p:sldId id="259" r:id="rId5"/>
     <p:sldId id="263" r:id="rId6"/>
-    <p:sldId id="262" r:id="rId7"/>
-    <p:sldId id="264" r:id="rId8"/>
+    <p:sldId id="264" r:id="rId7"/>
+    <p:sldId id="262" r:id="rId8"/>
     <p:sldId id="260" r:id="rId9"/>
     <p:sldId id="261" r:id="rId10"/>
   </p:sldIdLst>
@@ -11808,7 +11808,7 @@
           <a:p>
             <a:fld id="{5FD11E5E-6B83-48CE-87F4-BDB1482CC128}" type="datetimeFigureOut">
               <a:rPr lang="ko-KR" altLang="en-US" smtClean="0"/>
-              <a:t>2023-02-08</a:t>
+              <a:t>2023-02-10</a:t>
             </a:fld>
             <a:endParaRPr lang="ko-KR" altLang="en-US"/>
           </a:p>
@@ -12306,7 +12306,7 @@
           <a:p>
             <a:fld id="{21996FC7-77FA-4C93-9E1A-1E9D9417BEE4}" type="datetimeFigureOut">
               <a:rPr lang="ko-KR" altLang="en-US" smtClean="0"/>
-              <a:t>2023-02-08</a:t>
+              <a:t>2023-02-10</a:t>
             </a:fld>
             <a:endParaRPr lang="ko-KR" altLang="en-US"/>
           </a:p>
@@ -12504,7 +12504,7 @@
           <a:p>
             <a:fld id="{21996FC7-77FA-4C93-9E1A-1E9D9417BEE4}" type="datetimeFigureOut">
               <a:rPr lang="ko-KR" altLang="en-US" smtClean="0"/>
-              <a:t>2023-02-08</a:t>
+              <a:t>2023-02-10</a:t>
             </a:fld>
             <a:endParaRPr lang="ko-KR" altLang="en-US"/>
           </a:p>
@@ -12712,7 +12712,7 @@
           <a:p>
             <a:fld id="{21996FC7-77FA-4C93-9E1A-1E9D9417BEE4}" type="datetimeFigureOut">
               <a:rPr lang="ko-KR" altLang="en-US" smtClean="0"/>
-              <a:t>2023-02-08</a:t>
+              <a:t>2023-02-10</a:t>
             </a:fld>
             <a:endParaRPr lang="ko-KR" altLang="en-US"/>
           </a:p>
@@ -12910,7 +12910,7 @@
           <a:p>
             <a:fld id="{21996FC7-77FA-4C93-9E1A-1E9D9417BEE4}" type="datetimeFigureOut">
               <a:rPr lang="ko-KR" altLang="en-US" smtClean="0"/>
-              <a:t>2023-02-08</a:t>
+              <a:t>2023-02-10</a:t>
             </a:fld>
             <a:endParaRPr lang="ko-KR" altLang="en-US"/>
           </a:p>
@@ -13185,7 +13185,7 @@
           <a:p>
             <a:fld id="{21996FC7-77FA-4C93-9E1A-1E9D9417BEE4}" type="datetimeFigureOut">
               <a:rPr lang="ko-KR" altLang="en-US" smtClean="0"/>
-              <a:t>2023-02-08</a:t>
+              <a:t>2023-02-10</a:t>
             </a:fld>
             <a:endParaRPr lang="ko-KR" altLang="en-US"/>
           </a:p>
@@ -13450,7 +13450,7 @@
           <a:p>
             <a:fld id="{21996FC7-77FA-4C93-9E1A-1E9D9417BEE4}" type="datetimeFigureOut">
               <a:rPr lang="ko-KR" altLang="en-US" smtClean="0"/>
-              <a:t>2023-02-08</a:t>
+              <a:t>2023-02-10</a:t>
             </a:fld>
             <a:endParaRPr lang="ko-KR" altLang="en-US"/>
           </a:p>
@@ -13862,7 +13862,7 @@
           <a:p>
             <a:fld id="{21996FC7-77FA-4C93-9E1A-1E9D9417BEE4}" type="datetimeFigureOut">
               <a:rPr lang="ko-KR" altLang="en-US" smtClean="0"/>
-              <a:t>2023-02-08</a:t>
+              <a:t>2023-02-10</a:t>
             </a:fld>
             <a:endParaRPr lang="ko-KR" altLang="en-US"/>
           </a:p>
@@ -14003,7 +14003,7 @@
           <a:p>
             <a:fld id="{21996FC7-77FA-4C93-9E1A-1E9D9417BEE4}" type="datetimeFigureOut">
               <a:rPr lang="ko-KR" altLang="en-US" smtClean="0"/>
-              <a:t>2023-02-08</a:t>
+              <a:t>2023-02-10</a:t>
             </a:fld>
             <a:endParaRPr lang="ko-KR" altLang="en-US"/>
           </a:p>
@@ -14116,7 +14116,7 @@
           <a:p>
             <a:fld id="{21996FC7-77FA-4C93-9E1A-1E9D9417BEE4}" type="datetimeFigureOut">
               <a:rPr lang="ko-KR" altLang="en-US" smtClean="0"/>
-              <a:t>2023-02-08</a:t>
+              <a:t>2023-02-10</a:t>
             </a:fld>
             <a:endParaRPr lang="ko-KR" altLang="en-US"/>
           </a:p>
@@ -14427,7 +14427,7 @@
           <a:p>
             <a:fld id="{21996FC7-77FA-4C93-9E1A-1E9D9417BEE4}" type="datetimeFigureOut">
               <a:rPr lang="ko-KR" altLang="en-US" smtClean="0"/>
-              <a:t>2023-02-08</a:t>
+              <a:t>2023-02-10</a:t>
             </a:fld>
             <a:endParaRPr lang="ko-KR" altLang="en-US"/>
           </a:p>
@@ -14715,7 +14715,7 @@
           <a:p>
             <a:fld id="{21996FC7-77FA-4C93-9E1A-1E9D9417BEE4}" type="datetimeFigureOut">
               <a:rPr lang="ko-KR" altLang="en-US" smtClean="0"/>
-              <a:t>2023-02-08</a:t>
+              <a:t>2023-02-10</a:t>
             </a:fld>
             <a:endParaRPr lang="ko-KR" altLang="en-US"/>
           </a:p>
@@ -14956,7 +14956,7 @@
           <a:p>
             <a:fld id="{21996FC7-77FA-4C93-9E1A-1E9D9417BEE4}" type="datetimeFigureOut">
               <a:rPr lang="ko-KR" altLang="en-US" smtClean="0"/>
-              <a:t>2023-02-08</a:t>
+              <a:t>2023-02-10</a:t>
             </a:fld>
             <a:endParaRPr lang="ko-KR" altLang="en-US"/>
           </a:p>
@@ -15460,13 +15460,13 @@
           <a:p>
             <a:r>
               <a:rPr lang="en-US" altLang="ko-KR" dirty="0"/>
-              <a:t>v0.3.1</a:t>
+              <a:t>v0.3.2</a:t>
             </a:r>
           </a:p>
           <a:p>
             <a:r>
               <a:rPr lang="en-US" altLang="ko-KR"/>
-              <a:t>2023-02-08 17:53</a:t>
+              <a:t>2023-02-08 20:15</a:t>
             </a:r>
             <a:endParaRPr lang="ko-KR" altLang="en-US" dirty="0"/>
           </a:p>
@@ -17665,6 +17665,5507 @@
 </file>
 
 <file path=ppt/slides/slide6.xml><?xml version="1.0" encoding="utf-8"?>
+<p:sld xmlns:a="http://schemas.openxmlformats.org/drawingml/2006/main" xmlns:r="http://schemas.openxmlformats.org/officeDocument/2006/relationships" xmlns:p="http://schemas.openxmlformats.org/presentationml/2006/main">
+  <p:cSld>
+    <p:spTree>
+      <p:nvGrpSpPr>
+        <p:cNvPr id="1" name=""/>
+        <p:cNvGrpSpPr/>
+        <p:nvPr/>
+      </p:nvGrpSpPr>
+      <p:grpSpPr>
+        <a:xfrm>
+          <a:off x="0" y="0"/>
+          <a:ext cx="0" cy="0"/>
+          <a:chOff x="0" y="0"/>
+          <a:chExt cx="0" cy="0"/>
+        </a:xfrm>
+      </p:grpSpPr>
+      <p:sp>
+        <p:nvSpPr>
+          <p:cNvPr id="3" name="직사각형 2">
+            <a:extLst>
+              <a:ext uri="{FF2B5EF4-FFF2-40B4-BE49-F238E27FC236}">
+                <a16:creationId xmlns:a16="http://schemas.microsoft.com/office/drawing/2014/main" id="{3D4DD5BF-F61C-3C78-C2D4-AD3397AC0322}"/>
+              </a:ext>
+            </a:extLst>
+          </p:cNvPr>
+          <p:cNvSpPr/>
+          <p:nvPr/>
+        </p:nvSpPr>
+        <p:spPr>
+          <a:xfrm>
+            <a:off x="56562" y="424205"/>
+            <a:ext cx="12078878" cy="6363093"/>
+          </a:xfrm>
+          <a:prstGeom prst="rect">
+            <a:avLst/>
+          </a:prstGeom>
+          <a:solidFill>
+            <a:schemeClr val="bg2"/>
+          </a:solidFill>
+          <a:ln>
+            <a:solidFill>
+              <a:schemeClr val="tx1"/>
+            </a:solidFill>
+          </a:ln>
+        </p:spPr>
+        <p:style>
+          <a:lnRef idx="2">
+            <a:schemeClr val="accent1">
+              <a:shade val="50000"/>
+            </a:schemeClr>
+          </a:lnRef>
+          <a:fillRef idx="1">
+            <a:schemeClr val="accent1"/>
+          </a:fillRef>
+          <a:effectRef idx="0">
+            <a:schemeClr val="accent1"/>
+          </a:effectRef>
+          <a:fontRef idx="minor">
+            <a:schemeClr val="lt1"/>
+          </a:fontRef>
+        </p:style>
+        <p:txBody>
+          <a:bodyPr rtlCol="0" anchor="ctr"/>
+          <a:lstStyle/>
+          <a:p>
+            <a:pPr algn="ctr"/>
+            <a:endParaRPr lang="ko-KR" altLang="en-US"/>
+          </a:p>
+        </p:txBody>
+      </p:sp>
+      <p:grpSp>
+        <p:nvGrpSpPr>
+          <p:cNvPr id="42" name="그룹 41">
+            <a:extLst>
+              <a:ext uri="{FF2B5EF4-FFF2-40B4-BE49-F238E27FC236}">
+                <a16:creationId xmlns:a16="http://schemas.microsoft.com/office/drawing/2014/main" id="{C21B65D2-5917-3227-1DA6-6F30EDD988D7}"/>
+              </a:ext>
+            </a:extLst>
+          </p:cNvPr>
+          <p:cNvGrpSpPr/>
+          <p:nvPr/>
+        </p:nvGrpSpPr>
+        <p:grpSpPr>
+          <a:xfrm>
+            <a:off x="116225" y="867341"/>
+            <a:ext cx="886943" cy="5296663"/>
+            <a:chOff x="103694" y="297556"/>
+            <a:chExt cx="1743959" cy="5296663"/>
+          </a:xfrm>
+        </p:grpSpPr>
+        <p:sp>
+          <p:nvSpPr>
+            <p:cNvPr id="43" name="직사각형 42">
+              <a:extLst>
+                <a:ext uri="{FF2B5EF4-FFF2-40B4-BE49-F238E27FC236}">
+                  <a16:creationId xmlns:a16="http://schemas.microsoft.com/office/drawing/2014/main" id="{EBF6E563-3EF4-C9BA-8F84-0E6B2E66759B}"/>
+                </a:ext>
+              </a:extLst>
+            </p:cNvPr>
+            <p:cNvSpPr/>
+            <p:nvPr/>
+          </p:nvSpPr>
+          <p:spPr>
+            <a:xfrm>
+              <a:off x="103694" y="575037"/>
+              <a:ext cx="1743959" cy="5019182"/>
+            </a:xfrm>
+            <a:prstGeom prst="rect">
+              <a:avLst/>
+            </a:prstGeom>
+            <a:solidFill>
+              <a:schemeClr val="bg1">
+                <a:lumMod val="95000"/>
+              </a:schemeClr>
+            </a:solidFill>
+            <a:ln>
+              <a:solidFill>
+                <a:schemeClr val="tx1"/>
+              </a:solidFill>
+            </a:ln>
+          </p:spPr>
+          <p:style>
+            <a:lnRef idx="2">
+              <a:schemeClr val="accent1">
+                <a:shade val="50000"/>
+              </a:schemeClr>
+            </a:lnRef>
+            <a:fillRef idx="1">
+              <a:schemeClr val="accent1"/>
+            </a:fillRef>
+            <a:effectRef idx="0">
+              <a:schemeClr val="accent1"/>
+            </a:effectRef>
+            <a:fontRef idx="minor">
+              <a:schemeClr val="lt1"/>
+            </a:fontRef>
+          </p:style>
+          <p:txBody>
+            <a:bodyPr rtlCol="0" anchor="ctr"/>
+            <a:lstStyle/>
+            <a:p>
+              <a:pPr algn="ctr"/>
+              <a:endParaRPr lang="ko-KR" altLang="en-US" dirty="0">
+                <a:solidFill>
+                  <a:schemeClr val="tx1"/>
+                </a:solidFill>
+              </a:endParaRPr>
+            </a:p>
+          </p:txBody>
+        </p:sp>
+        <p:sp>
+          <p:nvSpPr>
+            <p:cNvPr id="44" name="직사각형 43">
+              <a:extLst>
+                <a:ext uri="{FF2B5EF4-FFF2-40B4-BE49-F238E27FC236}">
+                  <a16:creationId xmlns:a16="http://schemas.microsoft.com/office/drawing/2014/main" id="{700BBA79-0A2F-8300-0D84-5B86672F79F2}"/>
+                </a:ext>
+              </a:extLst>
+            </p:cNvPr>
+            <p:cNvSpPr/>
+            <p:nvPr/>
+          </p:nvSpPr>
+          <p:spPr>
+            <a:xfrm>
+              <a:off x="103694" y="297556"/>
+              <a:ext cx="1743959" cy="286905"/>
+            </a:xfrm>
+            <a:prstGeom prst="rect">
+              <a:avLst/>
+            </a:prstGeom>
+            <a:solidFill>
+              <a:schemeClr val="bg1">
+                <a:lumMod val="75000"/>
+              </a:schemeClr>
+            </a:solidFill>
+            <a:ln>
+              <a:solidFill>
+                <a:schemeClr val="tx1"/>
+              </a:solidFill>
+            </a:ln>
+          </p:spPr>
+          <p:style>
+            <a:lnRef idx="2">
+              <a:schemeClr val="accent1">
+                <a:shade val="50000"/>
+              </a:schemeClr>
+            </a:lnRef>
+            <a:fillRef idx="1">
+              <a:schemeClr val="accent1"/>
+            </a:fillRef>
+            <a:effectRef idx="0">
+              <a:schemeClr val="accent1"/>
+            </a:effectRef>
+            <a:fontRef idx="minor">
+              <a:schemeClr val="lt1"/>
+            </a:fontRef>
+          </p:style>
+          <p:txBody>
+            <a:bodyPr rtlCol="0" anchor="ctr"/>
+            <a:lstStyle/>
+            <a:p>
+              <a:pPr algn="ctr"/>
+              <a:r>
+                <a:rPr lang="ko-KR" altLang="en-US" sz="1400" b="1" dirty="0">
+                  <a:solidFill>
+                    <a:schemeClr val="tx1"/>
+                  </a:solidFill>
+                </a:rPr>
+                <a:t>사용자</a:t>
+              </a:r>
+            </a:p>
+          </p:txBody>
+        </p:sp>
+      </p:grpSp>
+      <p:grpSp>
+        <p:nvGrpSpPr>
+          <p:cNvPr id="7" name="그룹 6">
+            <a:extLst>
+              <a:ext uri="{FF2B5EF4-FFF2-40B4-BE49-F238E27FC236}">
+                <a16:creationId xmlns:a16="http://schemas.microsoft.com/office/drawing/2014/main" id="{BB6F975F-DF79-8703-E3A7-5B2B60E929BC}"/>
+              </a:ext>
+            </a:extLst>
+          </p:cNvPr>
+          <p:cNvGrpSpPr/>
+          <p:nvPr/>
+        </p:nvGrpSpPr>
+        <p:grpSpPr>
+          <a:xfrm>
+            <a:off x="198117" y="1209159"/>
+            <a:ext cx="721083" cy="1525425"/>
+            <a:chOff x="103694" y="357205"/>
+            <a:chExt cx="1743959" cy="1708735"/>
+          </a:xfrm>
+        </p:grpSpPr>
+        <p:sp>
+          <p:nvSpPr>
+            <p:cNvPr id="8" name="직사각형 7">
+              <a:extLst>
+                <a:ext uri="{FF2B5EF4-FFF2-40B4-BE49-F238E27FC236}">
+                  <a16:creationId xmlns:a16="http://schemas.microsoft.com/office/drawing/2014/main" id="{F2715DA6-4DF6-D1C7-3FE7-7356E25ACC79}"/>
+                </a:ext>
+              </a:extLst>
+            </p:cNvPr>
+            <p:cNvSpPr/>
+            <p:nvPr/>
+          </p:nvSpPr>
+          <p:spPr>
+            <a:xfrm>
+              <a:off x="103694" y="575033"/>
+              <a:ext cx="1743959" cy="1490907"/>
+            </a:xfrm>
+            <a:prstGeom prst="rect">
+              <a:avLst/>
+            </a:prstGeom>
+            <a:solidFill>
+              <a:schemeClr val="bg1">
+                <a:lumMod val="95000"/>
+              </a:schemeClr>
+            </a:solidFill>
+            <a:ln>
+              <a:solidFill>
+                <a:schemeClr val="tx1"/>
+              </a:solidFill>
+            </a:ln>
+          </p:spPr>
+          <p:style>
+            <a:lnRef idx="2">
+              <a:schemeClr val="accent1">
+                <a:shade val="50000"/>
+              </a:schemeClr>
+            </a:lnRef>
+            <a:fillRef idx="1">
+              <a:schemeClr val="accent1"/>
+            </a:fillRef>
+            <a:effectRef idx="0">
+              <a:schemeClr val="accent1"/>
+            </a:effectRef>
+            <a:fontRef idx="minor">
+              <a:schemeClr val="lt1"/>
+            </a:fontRef>
+          </p:style>
+          <p:txBody>
+            <a:bodyPr rtlCol="0" anchor="ctr"/>
+            <a:lstStyle/>
+            <a:p>
+              <a:pPr algn="ctr"/>
+              <a:endParaRPr lang="ko-KR" altLang="en-US" dirty="0">
+                <a:solidFill>
+                  <a:schemeClr val="tx1"/>
+                </a:solidFill>
+              </a:endParaRPr>
+            </a:p>
+          </p:txBody>
+        </p:sp>
+        <p:sp>
+          <p:nvSpPr>
+            <p:cNvPr id="9" name="직사각형 8">
+              <a:extLst>
+                <a:ext uri="{FF2B5EF4-FFF2-40B4-BE49-F238E27FC236}">
+                  <a16:creationId xmlns:a16="http://schemas.microsoft.com/office/drawing/2014/main" id="{42A54146-DE95-FB5F-AD5B-DBED9DEA3813}"/>
+                </a:ext>
+              </a:extLst>
+            </p:cNvPr>
+            <p:cNvSpPr/>
+            <p:nvPr/>
+          </p:nvSpPr>
+          <p:spPr>
+            <a:xfrm>
+              <a:off x="103694" y="357205"/>
+              <a:ext cx="1743959" cy="227257"/>
+            </a:xfrm>
+            <a:prstGeom prst="rect">
+              <a:avLst/>
+            </a:prstGeom>
+            <a:solidFill>
+              <a:schemeClr val="bg1">
+                <a:lumMod val="75000"/>
+              </a:schemeClr>
+            </a:solidFill>
+            <a:ln>
+              <a:solidFill>
+                <a:schemeClr val="tx1"/>
+              </a:solidFill>
+            </a:ln>
+          </p:spPr>
+          <p:style>
+            <a:lnRef idx="2">
+              <a:schemeClr val="accent1">
+                <a:shade val="50000"/>
+              </a:schemeClr>
+            </a:lnRef>
+            <a:fillRef idx="1">
+              <a:schemeClr val="accent1"/>
+            </a:fillRef>
+            <a:effectRef idx="0">
+              <a:schemeClr val="accent1"/>
+            </a:effectRef>
+            <a:fontRef idx="minor">
+              <a:schemeClr val="lt1"/>
+            </a:fontRef>
+          </p:style>
+          <p:txBody>
+            <a:bodyPr rtlCol="0" anchor="ctr"/>
+            <a:lstStyle/>
+            <a:p>
+              <a:pPr algn="ctr"/>
+              <a:r>
+                <a:rPr lang="ko-KR" altLang="en-US" sz="1200" b="1" dirty="0">
+                  <a:solidFill>
+                    <a:schemeClr val="tx1"/>
+                  </a:solidFill>
+                </a:rPr>
+                <a:t>학생</a:t>
+              </a:r>
+            </a:p>
+          </p:txBody>
+        </p:sp>
+      </p:grpSp>
+      <p:grpSp>
+        <p:nvGrpSpPr>
+          <p:cNvPr id="38" name="그룹 37">
+            <a:extLst>
+              <a:ext uri="{FF2B5EF4-FFF2-40B4-BE49-F238E27FC236}">
+                <a16:creationId xmlns:a16="http://schemas.microsoft.com/office/drawing/2014/main" id="{979CBA1C-0386-6A81-CBD0-164E7E1C5BE9}"/>
+              </a:ext>
+            </a:extLst>
+          </p:cNvPr>
+          <p:cNvGrpSpPr/>
+          <p:nvPr/>
+        </p:nvGrpSpPr>
+        <p:grpSpPr>
+          <a:xfrm>
+            <a:off x="271151" y="1447933"/>
+            <a:ext cx="576000" cy="749323"/>
+            <a:chOff x="6348220" y="911495"/>
+            <a:chExt cx="576000" cy="749323"/>
+          </a:xfrm>
+        </p:grpSpPr>
+        <p:pic>
+          <p:nvPicPr>
+            <p:cNvPr id="19" name="그림 18">
+              <a:extLst>
+                <a:ext uri="{FF2B5EF4-FFF2-40B4-BE49-F238E27FC236}">
+                  <a16:creationId xmlns:a16="http://schemas.microsoft.com/office/drawing/2014/main" id="{800A1E5D-643C-965B-8B7C-34424B0031E2}"/>
+                </a:ext>
+              </a:extLst>
+            </p:cNvPr>
+            <p:cNvPicPr>
+              <a:picLocks noChangeAspect="1"/>
+            </p:cNvPicPr>
+            <p:nvPr/>
+          </p:nvPicPr>
+          <p:blipFill>
+            <a:blip r:embed="rId2">
+              <a:extLst>
+                <a:ext uri="{28A0092B-C50C-407E-A947-70E740481C1C}">
+                  <a14:useLocalDpi xmlns:a14="http://schemas.microsoft.com/office/drawing/2010/main" val="0"/>
+                </a:ext>
+              </a:extLst>
+            </a:blip>
+            <a:stretch>
+              <a:fillRect/>
+            </a:stretch>
+          </p:blipFill>
+          <p:spPr>
+            <a:xfrm>
+              <a:off x="6348220" y="911495"/>
+              <a:ext cx="540000" cy="540000"/>
+            </a:xfrm>
+            <a:prstGeom prst="rect">
+              <a:avLst/>
+            </a:prstGeom>
+          </p:spPr>
+        </p:pic>
+        <p:sp>
+          <p:nvSpPr>
+            <p:cNvPr id="29" name="TextBox 28">
+              <a:extLst>
+                <a:ext uri="{FF2B5EF4-FFF2-40B4-BE49-F238E27FC236}">
+                  <a16:creationId xmlns:a16="http://schemas.microsoft.com/office/drawing/2014/main" id="{1BCEAB4F-AF2C-2C95-5840-A74CE4212AEC}"/>
+                </a:ext>
+              </a:extLst>
+            </p:cNvPr>
+            <p:cNvSpPr txBox="1"/>
+            <p:nvPr/>
+          </p:nvSpPr>
+          <p:spPr>
+            <a:xfrm>
+              <a:off x="6348220" y="1414597"/>
+              <a:ext cx="576000" cy="246221"/>
+            </a:xfrm>
+            <a:prstGeom prst="rect">
+              <a:avLst/>
+            </a:prstGeom>
+            <a:noFill/>
+          </p:spPr>
+          <p:txBody>
+            <a:bodyPr wrap="square" rtlCol="0" anchor="ctr">
+              <a:spAutoFit/>
+            </a:bodyPr>
+            <a:lstStyle/>
+            <a:p>
+              <a:pPr algn="ctr"/>
+              <a:r>
+                <a:rPr lang="ko-KR" altLang="en-US" sz="1000" dirty="0"/>
+                <a:t>재학생</a:t>
+              </a:r>
+            </a:p>
+          </p:txBody>
+        </p:sp>
+      </p:grpSp>
+      <p:grpSp>
+        <p:nvGrpSpPr>
+          <p:cNvPr id="40" name="그룹 39">
+            <a:extLst>
+              <a:ext uri="{FF2B5EF4-FFF2-40B4-BE49-F238E27FC236}">
+                <a16:creationId xmlns:a16="http://schemas.microsoft.com/office/drawing/2014/main" id="{DB59FED2-D066-1AF9-0EAD-248E0A7326BB}"/>
+              </a:ext>
+            </a:extLst>
+          </p:cNvPr>
+          <p:cNvGrpSpPr/>
+          <p:nvPr/>
+        </p:nvGrpSpPr>
+        <p:grpSpPr>
+          <a:xfrm>
+            <a:off x="271151" y="2120962"/>
+            <a:ext cx="576000" cy="613622"/>
+            <a:chOff x="9909675" y="3803389"/>
+            <a:chExt cx="576000" cy="613622"/>
+          </a:xfrm>
+        </p:grpSpPr>
+        <p:pic>
+          <p:nvPicPr>
+            <p:cNvPr id="23" name="그림 22">
+              <a:extLst>
+                <a:ext uri="{FF2B5EF4-FFF2-40B4-BE49-F238E27FC236}">
+                  <a16:creationId xmlns:a16="http://schemas.microsoft.com/office/drawing/2014/main" id="{A14C1A7D-31FC-786C-0793-48F6BBAE222D}"/>
+                </a:ext>
+              </a:extLst>
+            </p:cNvPr>
+            <p:cNvPicPr>
+              <a:picLocks noChangeAspect="1"/>
+            </p:cNvPicPr>
+            <p:nvPr/>
+          </p:nvPicPr>
+          <p:blipFill>
+            <a:blip r:embed="rId3">
+              <a:extLst>
+                <a:ext uri="{28A0092B-C50C-407E-A947-70E740481C1C}">
+                  <a14:useLocalDpi xmlns:a14="http://schemas.microsoft.com/office/drawing/2010/main" val="0"/>
+                </a:ext>
+              </a:extLst>
+            </a:blip>
+            <a:stretch>
+              <a:fillRect/>
+            </a:stretch>
+          </p:blipFill>
+          <p:spPr>
+            <a:xfrm>
+              <a:off x="9909675" y="3803389"/>
+              <a:ext cx="540000" cy="540000"/>
+            </a:xfrm>
+            <a:prstGeom prst="rect">
+              <a:avLst/>
+            </a:prstGeom>
+          </p:spPr>
+        </p:pic>
+        <p:sp>
+          <p:nvSpPr>
+            <p:cNvPr id="30" name="TextBox 29">
+              <a:extLst>
+                <a:ext uri="{FF2B5EF4-FFF2-40B4-BE49-F238E27FC236}">
+                  <a16:creationId xmlns:a16="http://schemas.microsoft.com/office/drawing/2014/main" id="{9C69B263-A4C1-EE31-46CD-45C1574842E4}"/>
+                </a:ext>
+              </a:extLst>
+            </p:cNvPr>
+            <p:cNvSpPr txBox="1"/>
+            <p:nvPr/>
+          </p:nvSpPr>
+          <p:spPr>
+            <a:xfrm>
+              <a:off x="9909675" y="4170790"/>
+              <a:ext cx="576000" cy="246221"/>
+            </a:xfrm>
+            <a:prstGeom prst="rect">
+              <a:avLst/>
+            </a:prstGeom>
+            <a:noFill/>
+          </p:spPr>
+          <p:txBody>
+            <a:bodyPr wrap="square" rtlCol="0" anchor="ctr">
+              <a:spAutoFit/>
+            </a:bodyPr>
+            <a:lstStyle/>
+            <a:p>
+              <a:pPr algn="ctr"/>
+              <a:r>
+                <a:rPr lang="ko-KR" altLang="en-US" sz="1000" dirty="0"/>
+                <a:t>졸업생</a:t>
+              </a:r>
+            </a:p>
+          </p:txBody>
+        </p:sp>
+      </p:grpSp>
+      <p:grpSp>
+        <p:nvGrpSpPr>
+          <p:cNvPr id="36" name="그룹 35">
+            <a:extLst>
+              <a:ext uri="{FF2B5EF4-FFF2-40B4-BE49-F238E27FC236}">
+                <a16:creationId xmlns:a16="http://schemas.microsoft.com/office/drawing/2014/main" id="{EF770211-9A56-5769-FD92-75988C17DACA}"/>
+              </a:ext>
+            </a:extLst>
+          </p:cNvPr>
+          <p:cNvGrpSpPr/>
+          <p:nvPr/>
+        </p:nvGrpSpPr>
+        <p:grpSpPr>
+          <a:xfrm>
+            <a:off x="269986" y="2761145"/>
+            <a:ext cx="576000" cy="755791"/>
+            <a:chOff x="3026127" y="2837314"/>
+            <a:chExt cx="576000" cy="755791"/>
+          </a:xfrm>
+        </p:grpSpPr>
+        <p:pic>
+          <p:nvPicPr>
+            <p:cNvPr id="15" name="그림 14">
+              <a:extLst>
+                <a:ext uri="{FF2B5EF4-FFF2-40B4-BE49-F238E27FC236}">
+                  <a16:creationId xmlns:a16="http://schemas.microsoft.com/office/drawing/2014/main" id="{9E2ED9D7-F86D-E3D2-38D8-47A36C89E87B}"/>
+                </a:ext>
+              </a:extLst>
+            </p:cNvPr>
+            <p:cNvPicPr>
+              <a:picLocks noChangeAspect="1"/>
+            </p:cNvPicPr>
+            <p:nvPr/>
+          </p:nvPicPr>
+          <p:blipFill>
+            <a:blip r:embed="rId4">
+              <a:extLst>
+                <a:ext uri="{28A0092B-C50C-407E-A947-70E740481C1C}">
+                  <a14:useLocalDpi xmlns:a14="http://schemas.microsoft.com/office/drawing/2010/main" val="0"/>
+                </a:ext>
+              </a:extLst>
+            </a:blip>
+            <a:stretch>
+              <a:fillRect/>
+            </a:stretch>
+          </p:blipFill>
+          <p:spPr>
+            <a:xfrm>
+              <a:off x="3026128" y="2837314"/>
+              <a:ext cx="540000" cy="540000"/>
+            </a:xfrm>
+            <a:prstGeom prst="rect">
+              <a:avLst/>
+            </a:prstGeom>
+          </p:spPr>
+        </p:pic>
+        <p:sp>
+          <p:nvSpPr>
+            <p:cNvPr id="31" name="TextBox 30">
+              <a:extLst>
+                <a:ext uri="{FF2B5EF4-FFF2-40B4-BE49-F238E27FC236}">
+                  <a16:creationId xmlns:a16="http://schemas.microsoft.com/office/drawing/2014/main" id="{3F012111-DA65-41C5-C031-636B3A705C91}"/>
+                </a:ext>
+              </a:extLst>
+            </p:cNvPr>
+            <p:cNvSpPr txBox="1"/>
+            <p:nvPr/>
+          </p:nvSpPr>
+          <p:spPr>
+            <a:xfrm>
+              <a:off x="3026127" y="3346884"/>
+              <a:ext cx="576000" cy="246221"/>
+            </a:xfrm>
+            <a:prstGeom prst="rect">
+              <a:avLst/>
+            </a:prstGeom>
+            <a:noFill/>
+          </p:spPr>
+          <p:txBody>
+            <a:bodyPr wrap="square" rtlCol="0" anchor="ctr">
+              <a:spAutoFit/>
+            </a:bodyPr>
+            <a:lstStyle/>
+            <a:p>
+              <a:pPr algn="ctr"/>
+              <a:r>
+                <a:rPr lang="ko-KR" altLang="en-US" sz="1000" dirty="0"/>
+                <a:t>교수</a:t>
+              </a:r>
+            </a:p>
+          </p:txBody>
+        </p:sp>
+      </p:grpSp>
+      <p:grpSp>
+        <p:nvGrpSpPr>
+          <p:cNvPr id="39" name="그룹 38">
+            <a:extLst>
+              <a:ext uri="{FF2B5EF4-FFF2-40B4-BE49-F238E27FC236}">
+                <a16:creationId xmlns:a16="http://schemas.microsoft.com/office/drawing/2014/main" id="{90BAF6C1-FD16-0ACB-ACE5-BC6965D706E1}"/>
+              </a:ext>
+            </a:extLst>
+          </p:cNvPr>
+          <p:cNvGrpSpPr/>
+          <p:nvPr/>
+        </p:nvGrpSpPr>
+        <p:grpSpPr>
+          <a:xfrm>
+            <a:off x="269986" y="3514690"/>
+            <a:ext cx="576000" cy="724300"/>
+            <a:chOff x="10344346" y="1502790"/>
+            <a:chExt cx="576000" cy="724300"/>
+          </a:xfrm>
+        </p:grpSpPr>
+        <p:pic>
+          <p:nvPicPr>
+            <p:cNvPr id="21" name="그림 20">
+              <a:extLst>
+                <a:ext uri="{FF2B5EF4-FFF2-40B4-BE49-F238E27FC236}">
+                  <a16:creationId xmlns:a16="http://schemas.microsoft.com/office/drawing/2014/main" id="{5CD2C03E-4440-8C14-449D-3C5214B4B342}"/>
+                </a:ext>
+              </a:extLst>
+            </p:cNvPr>
+            <p:cNvPicPr>
+              <a:picLocks noChangeAspect="1"/>
+            </p:cNvPicPr>
+            <p:nvPr/>
+          </p:nvPicPr>
+          <p:blipFill>
+            <a:blip r:embed="rId5">
+              <a:extLst>
+                <a:ext uri="{28A0092B-C50C-407E-A947-70E740481C1C}">
+                  <a14:useLocalDpi xmlns:a14="http://schemas.microsoft.com/office/drawing/2010/main" val="0"/>
+                </a:ext>
+              </a:extLst>
+            </a:blip>
+            <a:stretch>
+              <a:fillRect/>
+            </a:stretch>
+          </p:blipFill>
+          <p:spPr>
+            <a:xfrm>
+              <a:off x="10344346" y="1502790"/>
+              <a:ext cx="540000" cy="540000"/>
+            </a:xfrm>
+            <a:prstGeom prst="rect">
+              <a:avLst/>
+            </a:prstGeom>
+          </p:spPr>
+        </p:pic>
+        <p:sp>
+          <p:nvSpPr>
+            <p:cNvPr id="33" name="TextBox 32">
+              <a:extLst>
+                <a:ext uri="{FF2B5EF4-FFF2-40B4-BE49-F238E27FC236}">
+                  <a16:creationId xmlns:a16="http://schemas.microsoft.com/office/drawing/2014/main" id="{A96C96BF-41AE-FE5F-FBD0-EC5801B9D8C7}"/>
+                </a:ext>
+              </a:extLst>
+            </p:cNvPr>
+            <p:cNvSpPr txBox="1"/>
+            <p:nvPr/>
+          </p:nvSpPr>
+          <p:spPr>
+            <a:xfrm>
+              <a:off x="10344346" y="1980869"/>
+              <a:ext cx="576000" cy="246221"/>
+            </a:xfrm>
+            <a:prstGeom prst="rect">
+              <a:avLst/>
+            </a:prstGeom>
+            <a:noFill/>
+          </p:spPr>
+          <p:txBody>
+            <a:bodyPr wrap="square" rtlCol="0" anchor="ctr">
+              <a:spAutoFit/>
+            </a:bodyPr>
+            <a:lstStyle/>
+            <a:p>
+              <a:pPr algn="ctr"/>
+              <a:r>
+                <a:rPr lang="ko-KR" altLang="en-US" sz="1000" dirty="0"/>
+                <a:t>조교</a:t>
+              </a:r>
+            </a:p>
+          </p:txBody>
+        </p:sp>
+      </p:grpSp>
+      <p:sp>
+        <p:nvSpPr>
+          <p:cNvPr id="2" name="제목 1">
+            <a:extLst>
+              <a:ext uri="{FF2B5EF4-FFF2-40B4-BE49-F238E27FC236}">
+                <a16:creationId xmlns:a16="http://schemas.microsoft.com/office/drawing/2014/main" id="{6B1CCBDB-D290-437D-990A-552AC4A1EB6F}"/>
+              </a:ext>
+            </a:extLst>
+          </p:cNvPr>
+          <p:cNvSpPr txBox="1">
+            <a:spLocks/>
+          </p:cNvSpPr>
+          <p:nvPr/>
+        </p:nvSpPr>
+        <p:spPr>
+          <a:xfrm>
+            <a:off x="-2" y="0"/>
+            <a:ext cx="12135439" cy="584462"/>
+          </a:xfrm>
+          <a:prstGeom prst="rect">
+            <a:avLst/>
+          </a:prstGeom>
+        </p:spPr>
+        <p:txBody>
+          <a:bodyPr/>
+          <a:lstStyle>
+            <a:lvl1pPr algn="l" defTabSz="914400" rtl="0" eaLnBrk="1" latinLnBrk="1" hangingPunct="1">
+              <a:lnSpc>
+                <a:spcPct val="90000"/>
+              </a:lnSpc>
+              <a:spcBef>
+                <a:spcPct val="0"/>
+              </a:spcBef>
+              <a:buNone/>
+              <a:defRPr sz="4400" kern="1200">
+                <a:solidFill>
+                  <a:schemeClr val="tx1"/>
+                </a:solidFill>
+                <a:latin typeface="+mj-lt"/>
+                <a:ea typeface="+mj-ea"/>
+                <a:cs typeface="+mj-cs"/>
+              </a:defRPr>
+            </a:lvl1pPr>
+          </a:lstStyle>
+          <a:p>
+            <a:r>
+              <a:rPr lang="ko-KR" altLang="en-US" sz="3000" dirty="0"/>
+              <a:t>커뮤니티 웹사이트 시스템 개념도</a:t>
+            </a:r>
+          </a:p>
+        </p:txBody>
+      </p:sp>
+      <p:grpSp>
+        <p:nvGrpSpPr>
+          <p:cNvPr id="16" name="그룹 15">
+            <a:extLst>
+              <a:ext uri="{FF2B5EF4-FFF2-40B4-BE49-F238E27FC236}">
+                <a16:creationId xmlns:a16="http://schemas.microsoft.com/office/drawing/2014/main" id="{EAEB276A-EC3F-C8DC-8FCD-00420C8F285B}"/>
+              </a:ext>
+            </a:extLst>
+          </p:cNvPr>
+          <p:cNvGrpSpPr/>
+          <p:nvPr/>
+        </p:nvGrpSpPr>
+        <p:grpSpPr>
+          <a:xfrm>
+            <a:off x="175855" y="4228228"/>
+            <a:ext cx="728619" cy="1824637"/>
+            <a:chOff x="175855" y="3935971"/>
+            <a:chExt cx="728619" cy="1824637"/>
+          </a:xfrm>
+        </p:grpSpPr>
+        <p:grpSp>
+          <p:nvGrpSpPr>
+            <p:cNvPr id="52" name="그룹 51">
+              <a:extLst>
+                <a:ext uri="{FF2B5EF4-FFF2-40B4-BE49-F238E27FC236}">
+                  <a16:creationId xmlns:a16="http://schemas.microsoft.com/office/drawing/2014/main" id="{EC4238C1-EAB1-2C19-7917-3D1ED1BA170B}"/>
+                </a:ext>
+              </a:extLst>
+            </p:cNvPr>
+            <p:cNvGrpSpPr/>
+            <p:nvPr/>
+          </p:nvGrpSpPr>
+          <p:grpSpPr>
+            <a:xfrm>
+              <a:off x="175855" y="3935971"/>
+              <a:ext cx="728619" cy="1820093"/>
+              <a:chOff x="103694" y="377779"/>
+              <a:chExt cx="1743959" cy="1820093"/>
+            </a:xfrm>
+          </p:grpSpPr>
+          <p:sp>
+            <p:nvSpPr>
+              <p:cNvPr id="62" name="직사각형 61">
+                <a:extLst>
+                  <a:ext uri="{FF2B5EF4-FFF2-40B4-BE49-F238E27FC236}">
+                    <a16:creationId xmlns:a16="http://schemas.microsoft.com/office/drawing/2014/main" id="{0ECA5EAF-A3FF-4DB9-FEEB-F49BF83962CF}"/>
+                  </a:ext>
+                </a:extLst>
+              </p:cNvPr>
+              <p:cNvSpPr/>
+              <p:nvPr/>
+            </p:nvSpPr>
+            <p:spPr>
+              <a:xfrm>
+                <a:off x="103694" y="575036"/>
+                <a:ext cx="1743959" cy="1622836"/>
+              </a:xfrm>
+              <a:prstGeom prst="rect">
+                <a:avLst/>
+              </a:prstGeom>
+              <a:solidFill>
+                <a:schemeClr val="bg1">
+                  <a:lumMod val="95000"/>
+                </a:schemeClr>
+              </a:solidFill>
+              <a:ln>
+                <a:solidFill>
+                  <a:schemeClr val="tx1"/>
+                </a:solidFill>
+              </a:ln>
+            </p:spPr>
+            <p:style>
+              <a:lnRef idx="2">
+                <a:schemeClr val="accent1">
+                  <a:shade val="50000"/>
+                </a:schemeClr>
+              </a:lnRef>
+              <a:fillRef idx="1">
+                <a:schemeClr val="accent1"/>
+              </a:fillRef>
+              <a:effectRef idx="0">
+                <a:schemeClr val="accent1"/>
+              </a:effectRef>
+              <a:fontRef idx="minor">
+                <a:schemeClr val="lt1"/>
+              </a:fontRef>
+            </p:style>
+            <p:txBody>
+              <a:bodyPr rtlCol="0" anchor="ctr"/>
+              <a:lstStyle/>
+              <a:p>
+                <a:pPr algn="ctr"/>
+                <a:endParaRPr lang="ko-KR" altLang="en-US">
+                  <a:solidFill>
+                    <a:schemeClr val="tx1"/>
+                  </a:solidFill>
+                </a:endParaRPr>
+              </a:p>
+            </p:txBody>
+          </p:sp>
+          <p:sp>
+            <p:nvSpPr>
+              <p:cNvPr id="63" name="직사각형 62">
+                <a:extLst>
+                  <a:ext uri="{FF2B5EF4-FFF2-40B4-BE49-F238E27FC236}">
+                    <a16:creationId xmlns:a16="http://schemas.microsoft.com/office/drawing/2014/main" id="{B71DED86-8AE6-C9D3-B683-BA3F3237AB99}"/>
+                  </a:ext>
+                </a:extLst>
+              </p:cNvPr>
+              <p:cNvSpPr/>
+              <p:nvPr/>
+            </p:nvSpPr>
+            <p:spPr>
+              <a:xfrm>
+                <a:off x="103694" y="377779"/>
+                <a:ext cx="1743959" cy="206682"/>
+              </a:xfrm>
+              <a:prstGeom prst="rect">
+                <a:avLst/>
+              </a:prstGeom>
+              <a:solidFill>
+                <a:schemeClr val="bg1">
+                  <a:lumMod val="75000"/>
+                </a:schemeClr>
+              </a:solidFill>
+              <a:ln>
+                <a:solidFill>
+                  <a:schemeClr val="tx1"/>
+                </a:solidFill>
+              </a:ln>
+            </p:spPr>
+            <p:style>
+              <a:lnRef idx="2">
+                <a:schemeClr val="accent1">
+                  <a:shade val="50000"/>
+                </a:schemeClr>
+              </a:lnRef>
+              <a:fillRef idx="1">
+                <a:schemeClr val="accent1"/>
+              </a:fillRef>
+              <a:effectRef idx="0">
+                <a:schemeClr val="accent1"/>
+              </a:effectRef>
+              <a:fontRef idx="minor">
+                <a:schemeClr val="lt1"/>
+              </a:fontRef>
+            </p:style>
+            <p:txBody>
+              <a:bodyPr rtlCol="0" anchor="ctr"/>
+              <a:lstStyle/>
+              <a:p>
+                <a:pPr algn="ctr"/>
+                <a:r>
+                  <a:rPr lang="ko-KR" altLang="en-US" sz="1200" b="1" dirty="0">
+                    <a:solidFill>
+                      <a:schemeClr val="tx1"/>
+                    </a:solidFill>
+                  </a:rPr>
+                  <a:t>관리자</a:t>
+                </a:r>
+              </a:p>
+            </p:txBody>
+          </p:sp>
+        </p:grpSp>
+        <p:grpSp>
+          <p:nvGrpSpPr>
+            <p:cNvPr id="53" name="그룹 52">
+              <a:extLst>
+                <a:ext uri="{FF2B5EF4-FFF2-40B4-BE49-F238E27FC236}">
+                  <a16:creationId xmlns:a16="http://schemas.microsoft.com/office/drawing/2014/main" id="{85E34321-82EC-F132-7895-ECDD78A96964}"/>
+                </a:ext>
+              </a:extLst>
+            </p:cNvPr>
+            <p:cNvGrpSpPr/>
+            <p:nvPr/>
+          </p:nvGrpSpPr>
+          <p:grpSpPr>
+            <a:xfrm>
+              <a:off x="256206" y="4142974"/>
+              <a:ext cx="576000" cy="734344"/>
+              <a:chOff x="7291199" y="4352014"/>
+              <a:chExt cx="576000" cy="734344"/>
+            </a:xfrm>
+          </p:grpSpPr>
+          <p:pic>
+            <p:nvPicPr>
+              <p:cNvPr id="60" name="그림 59">
+                <a:extLst>
+                  <a:ext uri="{FF2B5EF4-FFF2-40B4-BE49-F238E27FC236}">
+                    <a16:creationId xmlns:a16="http://schemas.microsoft.com/office/drawing/2014/main" id="{D6BE57CF-916E-17F8-29A2-6A91AF41E129}"/>
+                  </a:ext>
+                </a:extLst>
+              </p:cNvPr>
+              <p:cNvPicPr>
+                <a:picLocks noChangeAspect="1"/>
+              </p:cNvPicPr>
+              <p:nvPr/>
+            </p:nvPicPr>
+            <p:blipFill>
+              <a:blip r:embed="rId6">
+                <a:extLst>
+                  <a:ext uri="{28A0092B-C50C-407E-A947-70E740481C1C}">
+                    <a14:useLocalDpi xmlns:a14="http://schemas.microsoft.com/office/drawing/2010/main" val="0"/>
+                  </a:ext>
+                </a:extLst>
+              </a:blip>
+              <a:stretch>
+                <a:fillRect/>
+              </a:stretch>
+            </p:blipFill>
+            <p:spPr>
+              <a:xfrm>
+                <a:off x="7291199" y="4352014"/>
+                <a:ext cx="540000" cy="540000"/>
+              </a:xfrm>
+              <a:prstGeom prst="rect">
+                <a:avLst/>
+              </a:prstGeom>
+            </p:spPr>
+          </p:pic>
+          <p:sp>
+            <p:nvSpPr>
+              <p:cNvPr id="61" name="TextBox 60">
+                <a:extLst>
+                  <a:ext uri="{FF2B5EF4-FFF2-40B4-BE49-F238E27FC236}">
+                    <a16:creationId xmlns:a16="http://schemas.microsoft.com/office/drawing/2014/main" id="{04254923-9C6E-C962-78E1-700A9F5691B4}"/>
+                  </a:ext>
+                </a:extLst>
+              </p:cNvPr>
+              <p:cNvSpPr txBox="1"/>
+              <p:nvPr/>
+            </p:nvSpPr>
+            <p:spPr>
+              <a:xfrm>
+                <a:off x="7291199" y="4840137"/>
+                <a:ext cx="576000" cy="246221"/>
+              </a:xfrm>
+              <a:prstGeom prst="rect">
+                <a:avLst/>
+              </a:prstGeom>
+              <a:noFill/>
+            </p:spPr>
+            <p:txBody>
+              <a:bodyPr wrap="square" rtlCol="0" anchor="ctr">
+                <a:spAutoFit/>
+              </a:bodyPr>
+              <a:lstStyle/>
+              <a:p>
+                <a:pPr algn="ctr"/>
+                <a:r>
+                  <a:rPr lang="ko-KR" altLang="en-US" sz="1000" dirty="0"/>
+                  <a:t>운영자</a:t>
+                </a:r>
+              </a:p>
+            </p:txBody>
+          </p:sp>
+        </p:grpSp>
+        <p:grpSp>
+          <p:nvGrpSpPr>
+            <p:cNvPr id="55" name="그룹 54">
+              <a:extLst>
+                <a:ext uri="{FF2B5EF4-FFF2-40B4-BE49-F238E27FC236}">
+                  <a16:creationId xmlns:a16="http://schemas.microsoft.com/office/drawing/2014/main" id="{14A39CD8-8AD5-E690-3A71-4A2C50250EF2}"/>
+                </a:ext>
+              </a:extLst>
+            </p:cNvPr>
+            <p:cNvGrpSpPr/>
+            <p:nvPr/>
+          </p:nvGrpSpPr>
+          <p:grpSpPr>
+            <a:xfrm>
+              <a:off x="256206" y="4858315"/>
+              <a:ext cx="576000" cy="902293"/>
+              <a:chOff x="5016000" y="1993871"/>
+              <a:chExt cx="576000" cy="902293"/>
+            </a:xfrm>
+          </p:grpSpPr>
+          <p:pic>
+            <p:nvPicPr>
+              <p:cNvPr id="56" name="그림 55">
+                <a:extLst>
+                  <a:ext uri="{FF2B5EF4-FFF2-40B4-BE49-F238E27FC236}">
+                    <a16:creationId xmlns:a16="http://schemas.microsoft.com/office/drawing/2014/main" id="{69EB5208-5474-6A4B-5611-E7176EA59E35}"/>
+                  </a:ext>
+                </a:extLst>
+              </p:cNvPr>
+              <p:cNvPicPr>
+                <a:picLocks noChangeAspect="1"/>
+              </p:cNvPicPr>
+              <p:nvPr/>
+            </p:nvPicPr>
+            <p:blipFill>
+              <a:blip r:embed="rId7">
+                <a:extLst>
+                  <a:ext uri="{28A0092B-C50C-407E-A947-70E740481C1C}">
+                    <a14:useLocalDpi xmlns:a14="http://schemas.microsoft.com/office/drawing/2010/main" val="0"/>
+                  </a:ext>
+                </a:extLst>
+              </a:blip>
+              <a:stretch>
+                <a:fillRect/>
+              </a:stretch>
+            </p:blipFill>
+            <p:spPr>
+              <a:xfrm>
+                <a:off x="5016000" y="1993871"/>
+                <a:ext cx="540000" cy="540000"/>
+              </a:xfrm>
+              <a:prstGeom prst="rect">
+                <a:avLst/>
+              </a:prstGeom>
+            </p:spPr>
+          </p:pic>
+          <p:sp>
+            <p:nvSpPr>
+              <p:cNvPr id="57" name="TextBox 56">
+                <a:extLst>
+                  <a:ext uri="{FF2B5EF4-FFF2-40B4-BE49-F238E27FC236}">
+                    <a16:creationId xmlns:a16="http://schemas.microsoft.com/office/drawing/2014/main" id="{90DE8963-C91B-95EA-9A18-5393061CDD9D}"/>
+                  </a:ext>
+                </a:extLst>
+              </p:cNvPr>
+              <p:cNvSpPr txBox="1"/>
+              <p:nvPr/>
+            </p:nvSpPr>
+            <p:spPr>
+              <a:xfrm>
+                <a:off x="5016000" y="2496054"/>
+                <a:ext cx="576000" cy="400110"/>
+              </a:xfrm>
+              <a:prstGeom prst="rect">
+                <a:avLst/>
+              </a:prstGeom>
+              <a:noFill/>
+            </p:spPr>
+            <p:txBody>
+              <a:bodyPr wrap="square" rtlCol="0" anchor="ctr">
+                <a:spAutoFit/>
+              </a:bodyPr>
+              <a:lstStyle/>
+              <a:p>
+                <a:pPr algn="ctr"/>
+                <a:r>
+                  <a:rPr lang="ko-KR" altLang="en-US" sz="1000" dirty="0"/>
+                  <a:t>게시판</a:t>
+                </a:r>
+                <a:endParaRPr lang="en-US" altLang="ko-KR" sz="1000" dirty="0"/>
+              </a:p>
+              <a:p>
+                <a:pPr algn="ctr"/>
+                <a:r>
+                  <a:rPr lang="ko-KR" altLang="en-US" sz="1000" dirty="0"/>
+                  <a:t>관리자</a:t>
+                </a:r>
+              </a:p>
+            </p:txBody>
+          </p:sp>
+        </p:grpSp>
+      </p:grpSp>
+      <p:sp>
+        <p:nvSpPr>
+          <p:cNvPr id="138" name="화살표: 오른쪽 137">
+            <a:extLst>
+              <a:ext uri="{FF2B5EF4-FFF2-40B4-BE49-F238E27FC236}">
+                <a16:creationId xmlns:a16="http://schemas.microsoft.com/office/drawing/2014/main" id="{79C0A1E7-D642-B207-C868-A64904C6B2F9}"/>
+              </a:ext>
+            </a:extLst>
+          </p:cNvPr>
+          <p:cNvSpPr/>
+          <p:nvPr/>
+        </p:nvSpPr>
+        <p:spPr>
+          <a:xfrm>
+            <a:off x="1003168" y="3230387"/>
+            <a:ext cx="739454" cy="506809"/>
+          </a:xfrm>
+          <a:prstGeom prst="rightArrow">
+            <a:avLst/>
+          </a:prstGeom>
+          <a:solidFill>
+            <a:schemeClr val="accent6">
+              <a:lumMod val="20000"/>
+              <a:lumOff val="80000"/>
+            </a:schemeClr>
+          </a:solidFill>
+          <a:ln>
+            <a:solidFill>
+              <a:schemeClr val="accent6">
+                <a:lumMod val="50000"/>
+              </a:schemeClr>
+            </a:solidFill>
+          </a:ln>
+        </p:spPr>
+        <p:style>
+          <a:lnRef idx="2">
+            <a:schemeClr val="accent1">
+              <a:shade val="50000"/>
+            </a:schemeClr>
+          </a:lnRef>
+          <a:fillRef idx="1">
+            <a:schemeClr val="accent1"/>
+          </a:fillRef>
+          <a:effectRef idx="0">
+            <a:schemeClr val="accent1"/>
+          </a:effectRef>
+          <a:fontRef idx="minor">
+            <a:schemeClr val="lt1"/>
+          </a:fontRef>
+        </p:style>
+        <p:txBody>
+          <a:bodyPr rtlCol="0" anchor="ctr"/>
+          <a:lstStyle/>
+          <a:p>
+            <a:pPr algn="ctr"/>
+            <a:endParaRPr lang="ko-KR" altLang="en-US"/>
+          </a:p>
+        </p:txBody>
+      </p:sp>
+      <p:sp>
+        <p:nvSpPr>
+          <p:cNvPr id="139" name="화살표: 오른쪽 138">
+            <a:extLst>
+              <a:ext uri="{FF2B5EF4-FFF2-40B4-BE49-F238E27FC236}">
+                <a16:creationId xmlns:a16="http://schemas.microsoft.com/office/drawing/2014/main" id="{D74C6067-537E-BC6A-5431-40653D41EF37}"/>
+              </a:ext>
+            </a:extLst>
+          </p:cNvPr>
+          <p:cNvSpPr/>
+          <p:nvPr/>
+        </p:nvSpPr>
+        <p:spPr>
+          <a:xfrm>
+            <a:off x="1003168" y="4765970"/>
+            <a:ext cx="739454" cy="506809"/>
+          </a:xfrm>
+          <a:prstGeom prst="rightArrow">
+            <a:avLst/>
+          </a:prstGeom>
+          <a:solidFill>
+            <a:schemeClr val="accent6">
+              <a:lumMod val="20000"/>
+              <a:lumOff val="80000"/>
+            </a:schemeClr>
+          </a:solidFill>
+          <a:ln>
+            <a:solidFill>
+              <a:schemeClr val="accent6">
+                <a:lumMod val="50000"/>
+              </a:schemeClr>
+            </a:solidFill>
+          </a:ln>
+        </p:spPr>
+        <p:style>
+          <a:lnRef idx="2">
+            <a:schemeClr val="accent1">
+              <a:shade val="50000"/>
+            </a:schemeClr>
+          </a:lnRef>
+          <a:fillRef idx="1">
+            <a:schemeClr val="accent1"/>
+          </a:fillRef>
+          <a:effectRef idx="0">
+            <a:schemeClr val="accent1"/>
+          </a:effectRef>
+          <a:fontRef idx="minor">
+            <a:schemeClr val="lt1"/>
+          </a:fontRef>
+        </p:style>
+        <p:txBody>
+          <a:bodyPr rtlCol="0" anchor="ctr"/>
+          <a:lstStyle/>
+          <a:p>
+            <a:pPr algn="ctr"/>
+            <a:endParaRPr lang="ko-KR" altLang="en-US"/>
+          </a:p>
+        </p:txBody>
+      </p:sp>
+      <p:sp>
+        <p:nvSpPr>
+          <p:cNvPr id="145" name="화살표: 오른쪽 144">
+            <a:extLst>
+              <a:ext uri="{FF2B5EF4-FFF2-40B4-BE49-F238E27FC236}">
+                <a16:creationId xmlns:a16="http://schemas.microsoft.com/office/drawing/2014/main" id="{A0813216-BF49-DC31-FFEF-95601C984C2E}"/>
+              </a:ext>
+            </a:extLst>
+          </p:cNvPr>
+          <p:cNvSpPr/>
+          <p:nvPr/>
+        </p:nvSpPr>
+        <p:spPr>
+          <a:xfrm>
+            <a:off x="2985722" y="3230387"/>
+            <a:ext cx="739454" cy="506809"/>
+          </a:xfrm>
+          <a:prstGeom prst="rightArrow">
+            <a:avLst/>
+          </a:prstGeom>
+          <a:solidFill>
+            <a:schemeClr val="accent6">
+              <a:lumMod val="20000"/>
+              <a:lumOff val="80000"/>
+            </a:schemeClr>
+          </a:solidFill>
+          <a:ln>
+            <a:solidFill>
+              <a:schemeClr val="accent6">
+                <a:lumMod val="50000"/>
+              </a:schemeClr>
+            </a:solidFill>
+          </a:ln>
+        </p:spPr>
+        <p:style>
+          <a:lnRef idx="2">
+            <a:schemeClr val="accent1">
+              <a:shade val="50000"/>
+            </a:schemeClr>
+          </a:lnRef>
+          <a:fillRef idx="1">
+            <a:schemeClr val="accent1"/>
+          </a:fillRef>
+          <a:effectRef idx="0">
+            <a:schemeClr val="accent1"/>
+          </a:effectRef>
+          <a:fontRef idx="minor">
+            <a:schemeClr val="lt1"/>
+          </a:fontRef>
+        </p:style>
+        <p:txBody>
+          <a:bodyPr rtlCol="0" anchor="ctr"/>
+          <a:lstStyle/>
+          <a:p>
+            <a:pPr algn="ctr"/>
+            <a:endParaRPr lang="ko-KR" altLang="en-US"/>
+          </a:p>
+        </p:txBody>
+      </p:sp>
+      <p:sp>
+        <p:nvSpPr>
+          <p:cNvPr id="147" name="화살표: 오른쪽 146">
+            <a:extLst>
+              <a:ext uri="{FF2B5EF4-FFF2-40B4-BE49-F238E27FC236}">
+                <a16:creationId xmlns:a16="http://schemas.microsoft.com/office/drawing/2014/main" id="{2A11B15F-1A5E-EC27-A9DD-3104F1C371C8}"/>
+              </a:ext>
+            </a:extLst>
+          </p:cNvPr>
+          <p:cNvSpPr/>
+          <p:nvPr/>
+        </p:nvSpPr>
+        <p:spPr>
+          <a:xfrm>
+            <a:off x="2985722" y="1606127"/>
+            <a:ext cx="739454" cy="506809"/>
+          </a:xfrm>
+          <a:prstGeom prst="rightArrow">
+            <a:avLst/>
+          </a:prstGeom>
+          <a:solidFill>
+            <a:schemeClr val="accent6">
+              <a:lumMod val="20000"/>
+              <a:lumOff val="80000"/>
+            </a:schemeClr>
+          </a:solidFill>
+          <a:ln>
+            <a:solidFill>
+              <a:schemeClr val="accent6">
+                <a:lumMod val="50000"/>
+              </a:schemeClr>
+            </a:solidFill>
+          </a:ln>
+        </p:spPr>
+        <p:style>
+          <a:lnRef idx="2">
+            <a:schemeClr val="accent1">
+              <a:shade val="50000"/>
+            </a:schemeClr>
+          </a:lnRef>
+          <a:fillRef idx="1">
+            <a:schemeClr val="accent1"/>
+          </a:fillRef>
+          <a:effectRef idx="0">
+            <a:schemeClr val="accent1"/>
+          </a:effectRef>
+          <a:fontRef idx="minor">
+            <a:schemeClr val="lt1"/>
+          </a:fontRef>
+        </p:style>
+        <p:txBody>
+          <a:bodyPr rtlCol="0" anchor="ctr"/>
+          <a:lstStyle/>
+          <a:p>
+            <a:pPr algn="ctr"/>
+            <a:endParaRPr lang="ko-KR" altLang="en-US"/>
+          </a:p>
+        </p:txBody>
+      </p:sp>
+      <p:sp>
+        <p:nvSpPr>
+          <p:cNvPr id="141" name="화살표: 오른쪽 140">
+            <a:extLst>
+              <a:ext uri="{FF2B5EF4-FFF2-40B4-BE49-F238E27FC236}">
+                <a16:creationId xmlns:a16="http://schemas.microsoft.com/office/drawing/2014/main" id="{F0468216-A537-05AC-BFAA-4A72CF2BBCB3}"/>
+              </a:ext>
+            </a:extLst>
+          </p:cNvPr>
+          <p:cNvSpPr/>
+          <p:nvPr/>
+        </p:nvSpPr>
+        <p:spPr>
+          <a:xfrm>
+            <a:off x="1003168" y="1606127"/>
+            <a:ext cx="739454" cy="506809"/>
+          </a:xfrm>
+          <a:prstGeom prst="rightArrow">
+            <a:avLst/>
+          </a:prstGeom>
+          <a:solidFill>
+            <a:schemeClr val="accent6">
+              <a:lumMod val="20000"/>
+              <a:lumOff val="80000"/>
+            </a:schemeClr>
+          </a:solidFill>
+          <a:ln>
+            <a:solidFill>
+              <a:schemeClr val="accent6">
+                <a:lumMod val="50000"/>
+              </a:schemeClr>
+            </a:solidFill>
+          </a:ln>
+        </p:spPr>
+        <p:style>
+          <a:lnRef idx="2">
+            <a:schemeClr val="accent1">
+              <a:shade val="50000"/>
+            </a:schemeClr>
+          </a:lnRef>
+          <a:fillRef idx="1">
+            <a:schemeClr val="accent1"/>
+          </a:fillRef>
+          <a:effectRef idx="0">
+            <a:schemeClr val="accent1"/>
+          </a:effectRef>
+          <a:fontRef idx="minor">
+            <a:schemeClr val="lt1"/>
+          </a:fontRef>
+        </p:style>
+        <p:txBody>
+          <a:bodyPr rtlCol="0" anchor="ctr"/>
+          <a:lstStyle/>
+          <a:p>
+            <a:pPr algn="ctr"/>
+            <a:endParaRPr lang="ko-KR" altLang="en-US"/>
+          </a:p>
+        </p:txBody>
+      </p:sp>
+      <p:grpSp>
+        <p:nvGrpSpPr>
+          <p:cNvPr id="137" name="그룹 136">
+            <a:extLst>
+              <a:ext uri="{FF2B5EF4-FFF2-40B4-BE49-F238E27FC236}">
+                <a16:creationId xmlns:a16="http://schemas.microsoft.com/office/drawing/2014/main" id="{39304C8A-4D5A-C2B3-AE7E-79A0BEAB9D92}"/>
+              </a:ext>
+            </a:extLst>
+          </p:cNvPr>
+          <p:cNvGrpSpPr/>
+          <p:nvPr/>
+        </p:nvGrpSpPr>
+        <p:grpSpPr>
+          <a:xfrm>
+            <a:off x="1765058" y="940808"/>
+            <a:ext cx="8661884" cy="5304781"/>
+            <a:chOff x="1595097" y="1077073"/>
+            <a:chExt cx="8661884" cy="5304781"/>
+          </a:xfrm>
+        </p:grpSpPr>
+        <p:grpSp>
+          <p:nvGrpSpPr>
+            <p:cNvPr id="28" name="그룹 27">
+              <a:extLst>
+                <a:ext uri="{FF2B5EF4-FFF2-40B4-BE49-F238E27FC236}">
+                  <a16:creationId xmlns:a16="http://schemas.microsoft.com/office/drawing/2014/main" id="{CF8F79D4-FABC-14FA-CE9F-2E537CFB1A9A}"/>
+                </a:ext>
+              </a:extLst>
+            </p:cNvPr>
+            <p:cNvGrpSpPr/>
+            <p:nvPr/>
+          </p:nvGrpSpPr>
+          <p:grpSpPr>
+            <a:xfrm>
+              <a:off x="1595097" y="1468703"/>
+              <a:ext cx="1215186" cy="4521521"/>
+              <a:chOff x="2321324" y="2172903"/>
+              <a:chExt cx="1215186" cy="4521521"/>
+            </a:xfrm>
+          </p:grpSpPr>
+          <p:grpSp>
+            <p:nvGrpSpPr>
+              <p:cNvPr id="32" name="그룹 31">
+                <a:extLst>
+                  <a:ext uri="{FF2B5EF4-FFF2-40B4-BE49-F238E27FC236}">
+                    <a16:creationId xmlns:a16="http://schemas.microsoft.com/office/drawing/2014/main" id="{066F7B53-5B4B-D855-D4D2-FD440D168EF6}"/>
+                  </a:ext>
+                </a:extLst>
+              </p:cNvPr>
+              <p:cNvGrpSpPr/>
+              <p:nvPr/>
+            </p:nvGrpSpPr>
+            <p:grpSpPr>
+              <a:xfrm>
+                <a:off x="2321324" y="2172903"/>
+                <a:ext cx="1215186" cy="4521521"/>
+                <a:chOff x="103694" y="199330"/>
+                <a:chExt cx="531499" cy="4521521"/>
+              </a:xfrm>
+            </p:grpSpPr>
+            <p:sp>
+              <p:nvSpPr>
+                <p:cNvPr id="71" name="직사각형 70">
+                  <a:extLst>
+                    <a:ext uri="{FF2B5EF4-FFF2-40B4-BE49-F238E27FC236}">
+                      <a16:creationId xmlns:a16="http://schemas.microsoft.com/office/drawing/2014/main" id="{34BC4F99-5F95-B9A5-0BA4-65073587E41F}"/>
+                    </a:ext>
+                  </a:extLst>
+                </p:cNvPr>
+                <p:cNvSpPr/>
+                <p:nvPr/>
+              </p:nvSpPr>
+              <p:spPr>
+                <a:xfrm>
+                  <a:off x="103694" y="575036"/>
+                  <a:ext cx="531499" cy="4145815"/>
+                </a:xfrm>
+                <a:prstGeom prst="rect">
+                  <a:avLst/>
+                </a:prstGeom>
+                <a:solidFill>
+                  <a:schemeClr val="bg1">
+                    <a:lumMod val="95000"/>
+                  </a:schemeClr>
+                </a:solidFill>
+                <a:ln>
+                  <a:solidFill>
+                    <a:schemeClr val="tx1"/>
+                  </a:solidFill>
+                </a:ln>
+              </p:spPr>
+              <p:style>
+                <a:lnRef idx="2">
+                  <a:schemeClr val="accent1">
+                    <a:shade val="50000"/>
+                  </a:schemeClr>
+                </a:lnRef>
+                <a:fillRef idx="1">
+                  <a:schemeClr val="accent1"/>
+                </a:fillRef>
+                <a:effectRef idx="0">
+                  <a:schemeClr val="accent1"/>
+                </a:effectRef>
+                <a:fontRef idx="minor">
+                  <a:schemeClr val="lt1"/>
+                </a:fontRef>
+              </p:style>
+              <p:txBody>
+                <a:bodyPr rtlCol="0" anchor="ctr"/>
+                <a:lstStyle/>
+                <a:p>
+                  <a:pPr algn="ctr"/>
+                  <a:endParaRPr lang="ko-KR" altLang="en-US">
+                    <a:solidFill>
+                      <a:schemeClr val="tx1"/>
+                    </a:solidFill>
+                  </a:endParaRPr>
+                </a:p>
+              </p:txBody>
+            </p:sp>
+            <p:sp>
+              <p:nvSpPr>
+                <p:cNvPr id="74" name="직사각형 73">
+                  <a:extLst>
+                    <a:ext uri="{FF2B5EF4-FFF2-40B4-BE49-F238E27FC236}">
+                      <a16:creationId xmlns:a16="http://schemas.microsoft.com/office/drawing/2014/main" id="{9EC0A542-2CE9-A812-526C-3FCFD217A43F}"/>
+                    </a:ext>
+                  </a:extLst>
+                </p:cNvPr>
+                <p:cNvSpPr/>
+                <p:nvPr/>
+              </p:nvSpPr>
+              <p:spPr>
+                <a:xfrm>
+                  <a:off x="103694" y="199330"/>
+                  <a:ext cx="531499" cy="385131"/>
+                </a:xfrm>
+                <a:prstGeom prst="rect">
+                  <a:avLst/>
+                </a:prstGeom>
+                <a:solidFill>
+                  <a:schemeClr val="bg1">
+                    <a:lumMod val="75000"/>
+                  </a:schemeClr>
+                </a:solidFill>
+                <a:ln>
+                  <a:solidFill>
+                    <a:schemeClr val="tx1"/>
+                  </a:solidFill>
+                </a:ln>
+              </p:spPr>
+              <p:style>
+                <a:lnRef idx="2">
+                  <a:schemeClr val="accent1">
+                    <a:shade val="50000"/>
+                  </a:schemeClr>
+                </a:lnRef>
+                <a:fillRef idx="1">
+                  <a:schemeClr val="accent1"/>
+                </a:fillRef>
+                <a:effectRef idx="0">
+                  <a:schemeClr val="accent1"/>
+                </a:effectRef>
+                <a:fontRef idx="minor">
+                  <a:schemeClr val="lt1"/>
+                </a:fontRef>
+              </p:style>
+              <p:txBody>
+                <a:bodyPr rtlCol="0" anchor="ctr"/>
+                <a:lstStyle/>
+                <a:p>
+                  <a:pPr algn="ctr"/>
+                  <a:r>
+                    <a:rPr lang="ko-KR" altLang="en-US" sz="1200" b="1" dirty="0">
+                      <a:solidFill>
+                        <a:schemeClr val="tx1"/>
+                      </a:solidFill>
+                    </a:rPr>
+                    <a:t>초기 화면</a:t>
+                  </a:r>
+                </a:p>
+              </p:txBody>
+            </p:sp>
+          </p:grpSp>
+          <p:sp>
+            <p:nvSpPr>
+              <p:cNvPr id="37" name="직사각형 36">
+                <a:extLst>
+                  <a:ext uri="{FF2B5EF4-FFF2-40B4-BE49-F238E27FC236}">
+                    <a16:creationId xmlns:a16="http://schemas.microsoft.com/office/drawing/2014/main" id="{FC8DB35F-B96D-62C0-3596-DC27466CFF13}"/>
+                  </a:ext>
+                </a:extLst>
+              </p:cNvPr>
+              <p:cNvSpPr/>
+              <p:nvPr/>
+            </p:nvSpPr>
+            <p:spPr>
+              <a:xfrm>
+                <a:off x="2377699" y="4145661"/>
+                <a:ext cx="1080000" cy="432000"/>
+              </a:xfrm>
+              <a:prstGeom prst="rect">
+                <a:avLst/>
+              </a:prstGeom>
+              <a:solidFill>
+                <a:schemeClr val="tx2">
+                  <a:lumMod val="20000"/>
+                  <a:lumOff val="80000"/>
+                </a:schemeClr>
+              </a:solidFill>
+              <a:ln>
+                <a:solidFill>
+                  <a:schemeClr val="tx1"/>
+                </a:solidFill>
+              </a:ln>
+            </p:spPr>
+            <p:style>
+              <a:lnRef idx="2">
+                <a:schemeClr val="accent1">
+                  <a:shade val="50000"/>
+                </a:schemeClr>
+              </a:lnRef>
+              <a:fillRef idx="1">
+                <a:schemeClr val="accent1"/>
+              </a:fillRef>
+              <a:effectRef idx="0">
+                <a:schemeClr val="accent1"/>
+              </a:effectRef>
+              <a:fontRef idx="minor">
+                <a:schemeClr val="lt1"/>
+              </a:fontRef>
+            </p:style>
+            <p:txBody>
+              <a:bodyPr rtlCol="0" anchor="ctr"/>
+              <a:lstStyle/>
+              <a:p>
+                <a:pPr algn="ctr"/>
+                <a:r>
+                  <a:rPr lang="ko-KR" altLang="en-US" sz="1000" dirty="0">
+                    <a:solidFill>
+                      <a:sysClr val="windowText" lastClr="000000"/>
+                    </a:solidFill>
+                  </a:rPr>
+                  <a:t>회원 정보</a:t>
+                </a:r>
+              </a:p>
+            </p:txBody>
+          </p:sp>
+          <p:sp>
+            <p:nvSpPr>
+              <p:cNvPr id="41" name="직사각형 40">
+                <a:extLst>
+                  <a:ext uri="{FF2B5EF4-FFF2-40B4-BE49-F238E27FC236}">
+                    <a16:creationId xmlns:a16="http://schemas.microsoft.com/office/drawing/2014/main" id="{91AB1315-AEAF-DFA5-EA91-AC5414360E75}"/>
+                  </a:ext>
+                </a:extLst>
+              </p:cNvPr>
+              <p:cNvSpPr/>
+              <p:nvPr/>
+            </p:nvSpPr>
+            <p:spPr>
+              <a:xfrm>
+                <a:off x="2377699" y="2625234"/>
+                <a:ext cx="1080000" cy="432000"/>
+              </a:xfrm>
+              <a:prstGeom prst="rect">
+                <a:avLst/>
+              </a:prstGeom>
+              <a:solidFill>
+                <a:schemeClr val="tx2">
+                  <a:lumMod val="20000"/>
+                  <a:lumOff val="80000"/>
+                </a:schemeClr>
+              </a:solidFill>
+              <a:ln>
+                <a:solidFill>
+                  <a:schemeClr val="tx1"/>
+                </a:solidFill>
+              </a:ln>
+            </p:spPr>
+            <p:style>
+              <a:lnRef idx="2">
+                <a:schemeClr val="accent1">
+                  <a:shade val="50000"/>
+                </a:schemeClr>
+              </a:lnRef>
+              <a:fillRef idx="1">
+                <a:schemeClr val="accent1"/>
+              </a:fillRef>
+              <a:effectRef idx="0">
+                <a:schemeClr val="accent1"/>
+              </a:effectRef>
+              <a:fontRef idx="minor">
+                <a:schemeClr val="lt1"/>
+              </a:fontRef>
+            </p:style>
+            <p:txBody>
+              <a:bodyPr rtlCol="0" anchor="ctr"/>
+              <a:lstStyle/>
+              <a:p>
+                <a:pPr algn="ctr"/>
+                <a:r>
+                  <a:rPr lang="ko-KR" altLang="en-US" sz="1000" dirty="0">
+                    <a:solidFill>
+                      <a:sysClr val="windowText" lastClr="000000"/>
+                    </a:solidFill>
+                  </a:rPr>
+                  <a:t>메인 메뉴</a:t>
+                </a:r>
+              </a:p>
+            </p:txBody>
+          </p:sp>
+          <p:sp>
+            <p:nvSpPr>
+              <p:cNvPr id="46" name="직사각형 45">
+                <a:extLst>
+                  <a:ext uri="{FF2B5EF4-FFF2-40B4-BE49-F238E27FC236}">
+                    <a16:creationId xmlns:a16="http://schemas.microsoft.com/office/drawing/2014/main" id="{74CDE812-C9E2-FB02-0219-E67915AA6729}"/>
+                  </a:ext>
+                </a:extLst>
+              </p:cNvPr>
+              <p:cNvSpPr/>
+              <p:nvPr/>
+            </p:nvSpPr>
+            <p:spPr>
+              <a:xfrm>
+                <a:off x="2377699" y="4652470"/>
+                <a:ext cx="1080000" cy="432000"/>
+              </a:xfrm>
+              <a:prstGeom prst="rect">
+                <a:avLst/>
+              </a:prstGeom>
+              <a:solidFill>
+                <a:schemeClr val="tx2">
+                  <a:lumMod val="20000"/>
+                  <a:lumOff val="80000"/>
+                </a:schemeClr>
+              </a:solidFill>
+              <a:ln>
+                <a:solidFill>
+                  <a:schemeClr val="tx1"/>
+                </a:solidFill>
+              </a:ln>
+            </p:spPr>
+            <p:style>
+              <a:lnRef idx="2">
+                <a:schemeClr val="accent1">
+                  <a:shade val="50000"/>
+                </a:schemeClr>
+              </a:lnRef>
+              <a:fillRef idx="1">
+                <a:schemeClr val="accent1"/>
+              </a:fillRef>
+              <a:effectRef idx="0">
+                <a:schemeClr val="accent1"/>
+              </a:effectRef>
+              <a:fontRef idx="minor">
+                <a:schemeClr val="lt1"/>
+              </a:fontRef>
+            </p:style>
+            <p:txBody>
+              <a:bodyPr rtlCol="0" anchor="ctr"/>
+              <a:lstStyle/>
+              <a:p>
+                <a:pPr algn="ctr"/>
+                <a:r>
+                  <a:rPr lang="ko-KR" altLang="en-US" sz="1000" dirty="0">
+                    <a:solidFill>
+                      <a:sysClr val="windowText" lastClr="000000"/>
+                    </a:solidFill>
+                  </a:rPr>
+                  <a:t>그룹 현황</a:t>
+                </a:r>
+              </a:p>
+            </p:txBody>
+          </p:sp>
+          <p:sp>
+            <p:nvSpPr>
+              <p:cNvPr id="47" name="직사각형 46">
+                <a:extLst>
+                  <a:ext uri="{FF2B5EF4-FFF2-40B4-BE49-F238E27FC236}">
+                    <a16:creationId xmlns:a16="http://schemas.microsoft.com/office/drawing/2014/main" id="{21DAE7EA-5AB1-FEBF-3049-2181E244F8F1}"/>
+                  </a:ext>
+                </a:extLst>
+              </p:cNvPr>
+              <p:cNvSpPr/>
+              <p:nvPr/>
+            </p:nvSpPr>
+            <p:spPr>
+              <a:xfrm>
+                <a:off x="2377699" y="3132043"/>
+                <a:ext cx="1080000" cy="432000"/>
+              </a:xfrm>
+              <a:prstGeom prst="rect">
+                <a:avLst/>
+              </a:prstGeom>
+              <a:solidFill>
+                <a:schemeClr val="tx2">
+                  <a:lumMod val="20000"/>
+                  <a:lumOff val="80000"/>
+                </a:schemeClr>
+              </a:solidFill>
+              <a:ln>
+                <a:solidFill>
+                  <a:schemeClr val="tx1"/>
+                </a:solidFill>
+              </a:ln>
+            </p:spPr>
+            <p:style>
+              <a:lnRef idx="2">
+                <a:schemeClr val="accent1">
+                  <a:shade val="50000"/>
+                </a:schemeClr>
+              </a:lnRef>
+              <a:fillRef idx="1">
+                <a:schemeClr val="accent1"/>
+              </a:fillRef>
+              <a:effectRef idx="0">
+                <a:schemeClr val="accent1"/>
+              </a:effectRef>
+              <a:fontRef idx="minor">
+                <a:schemeClr val="lt1"/>
+              </a:fontRef>
+            </p:style>
+            <p:txBody>
+              <a:bodyPr rtlCol="0" anchor="ctr"/>
+              <a:lstStyle/>
+              <a:p>
+                <a:pPr algn="ctr"/>
+                <a:r>
+                  <a:rPr lang="ko-KR" altLang="en-US" sz="1000" dirty="0">
+                    <a:solidFill>
+                      <a:sysClr val="windowText" lastClr="000000"/>
+                    </a:solidFill>
+                  </a:rPr>
+                  <a:t>알림 정보</a:t>
+                </a:r>
+              </a:p>
+            </p:txBody>
+          </p:sp>
+          <p:sp>
+            <p:nvSpPr>
+              <p:cNvPr id="49" name="직사각형 48">
+                <a:extLst>
+                  <a:ext uri="{FF2B5EF4-FFF2-40B4-BE49-F238E27FC236}">
+                    <a16:creationId xmlns:a16="http://schemas.microsoft.com/office/drawing/2014/main" id="{0AE6DD21-F55E-ED34-C122-A45622201734}"/>
+                  </a:ext>
+                </a:extLst>
+              </p:cNvPr>
+              <p:cNvSpPr/>
+              <p:nvPr/>
+            </p:nvSpPr>
+            <p:spPr>
+              <a:xfrm>
+                <a:off x="2377699" y="5159279"/>
+                <a:ext cx="1080000" cy="432000"/>
+              </a:xfrm>
+              <a:prstGeom prst="rect">
+                <a:avLst/>
+              </a:prstGeom>
+              <a:solidFill>
+                <a:schemeClr val="tx2">
+                  <a:lumMod val="20000"/>
+                  <a:lumOff val="80000"/>
+                </a:schemeClr>
+              </a:solidFill>
+              <a:ln>
+                <a:solidFill>
+                  <a:schemeClr val="tx1"/>
+                </a:solidFill>
+              </a:ln>
+            </p:spPr>
+            <p:style>
+              <a:lnRef idx="2">
+                <a:schemeClr val="accent1">
+                  <a:shade val="50000"/>
+                </a:schemeClr>
+              </a:lnRef>
+              <a:fillRef idx="1">
+                <a:schemeClr val="accent1"/>
+              </a:fillRef>
+              <a:effectRef idx="0">
+                <a:schemeClr val="accent1"/>
+              </a:effectRef>
+              <a:fontRef idx="minor">
+                <a:schemeClr val="lt1"/>
+              </a:fontRef>
+            </p:style>
+            <p:txBody>
+              <a:bodyPr rtlCol="0" anchor="ctr"/>
+              <a:lstStyle/>
+              <a:p>
+                <a:pPr algn="ctr"/>
+                <a:r>
+                  <a:rPr lang="ko-KR" altLang="en-US" sz="1000" dirty="0">
+                    <a:solidFill>
+                      <a:sysClr val="windowText" lastClr="000000"/>
+                    </a:solidFill>
+                  </a:rPr>
+                  <a:t>일정 현황</a:t>
+                </a:r>
+              </a:p>
+            </p:txBody>
+          </p:sp>
+          <p:sp>
+            <p:nvSpPr>
+              <p:cNvPr id="50" name="직사각형 49">
+                <a:extLst>
+                  <a:ext uri="{FF2B5EF4-FFF2-40B4-BE49-F238E27FC236}">
+                    <a16:creationId xmlns:a16="http://schemas.microsoft.com/office/drawing/2014/main" id="{6C5AD144-3D05-3763-0759-740A85F8E9F1}"/>
+                  </a:ext>
+                </a:extLst>
+              </p:cNvPr>
+              <p:cNvSpPr/>
+              <p:nvPr/>
+            </p:nvSpPr>
+            <p:spPr>
+              <a:xfrm>
+                <a:off x="2377699" y="5666089"/>
+                <a:ext cx="1080000" cy="432000"/>
+              </a:xfrm>
+              <a:prstGeom prst="rect">
+                <a:avLst/>
+              </a:prstGeom>
+              <a:solidFill>
+                <a:schemeClr val="tx2">
+                  <a:lumMod val="20000"/>
+                  <a:lumOff val="80000"/>
+                </a:schemeClr>
+              </a:solidFill>
+              <a:ln>
+                <a:solidFill>
+                  <a:schemeClr val="tx1"/>
+                </a:solidFill>
+              </a:ln>
+            </p:spPr>
+            <p:style>
+              <a:lnRef idx="2">
+                <a:schemeClr val="accent1">
+                  <a:shade val="50000"/>
+                </a:schemeClr>
+              </a:lnRef>
+              <a:fillRef idx="1">
+                <a:schemeClr val="accent1"/>
+              </a:fillRef>
+              <a:effectRef idx="0">
+                <a:schemeClr val="accent1"/>
+              </a:effectRef>
+              <a:fontRef idx="minor">
+                <a:schemeClr val="lt1"/>
+              </a:fontRef>
+            </p:style>
+            <p:txBody>
+              <a:bodyPr rtlCol="0" anchor="ctr"/>
+              <a:lstStyle/>
+              <a:p>
+                <a:pPr algn="ctr"/>
+                <a:r>
+                  <a:rPr lang="ko-KR" altLang="en-US" sz="1000" dirty="0">
+                    <a:solidFill>
+                      <a:sysClr val="windowText" lastClr="000000"/>
+                    </a:solidFill>
+                  </a:rPr>
+                  <a:t>게시판 목록</a:t>
+                </a:r>
+              </a:p>
+            </p:txBody>
+          </p:sp>
+          <p:sp>
+            <p:nvSpPr>
+              <p:cNvPr id="70" name="직사각형 69">
+                <a:extLst>
+                  <a:ext uri="{FF2B5EF4-FFF2-40B4-BE49-F238E27FC236}">
+                    <a16:creationId xmlns:a16="http://schemas.microsoft.com/office/drawing/2014/main" id="{47F65CE5-EE66-1BD3-64F1-B592F73F9760}"/>
+                  </a:ext>
+                </a:extLst>
+              </p:cNvPr>
+              <p:cNvSpPr/>
+              <p:nvPr/>
+            </p:nvSpPr>
+            <p:spPr>
+              <a:xfrm>
+                <a:off x="2377699" y="3638852"/>
+                <a:ext cx="1080000" cy="432000"/>
+              </a:xfrm>
+              <a:prstGeom prst="rect">
+                <a:avLst/>
+              </a:prstGeom>
+              <a:solidFill>
+                <a:schemeClr val="tx2">
+                  <a:lumMod val="20000"/>
+                  <a:lumOff val="80000"/>
+                </a:schemeClr>
+              </a:solidFill>
+              <a:ln>
+                <a:solidFill>
+                  <a:schemeClr val="tx1"/>
+                </a:solidFill>
+              </a:ln>
+            </p:spPr>
+            <p:style>
+              <a:lnRef idx="2">
+                <a:schemeClr val="accent1">
+                  <a:shade val="50000"/>
+                </a:schemeClr>
+              </a:lnRef>
+              <a:fillRef idx="1">
+                <a:schemeClr val="accent1"/>
+              </a:fillRef>
+              <a:effectRef idx="0">
+                <a:schemeClr val="accent1"/>
+              </a:effectRef>
+              <a:fontRef idx="minor">
+                <a:schemeClr val="lt1"/>
+              </a:fontRef>
+            </p:style>
+            <p:txBody>
+              <a:bodyPr rtlCol="0" anchor="ctr"/>
+              <a:lstStyle/>
+              <a:p>
+                <a:pPr algn="ctr"/>
+                <a:r>
+                  <a:rPr lang="ko-KR" altLang="en-US" sz="1000" dirty="0">
+                    <a:solidFill>
+                      <a:sysClr val="windowText" lastClr="000000"/>
+                    </a:solidFill>
+                  </a:rPr>
+                  <a:t>통합 검색</a:t>
+                </a:r>
+              </a:p>
+            </p:txBody>
+          </p:sp>
+          <p:sp>
+            <p:nvSpPr>
+              <p:cNvPr id="135" name="직사각형 134">
+                <a:extLst>
+                  <a:ext uri="{FF2B5EF4-FFF2-40B4-BE49-F238E27FC236}">
+                    <a16:creationId xmlns:a16="http://schemas.microsoft.com/office/drawing/2014/main" id="{1DDA0AA6-AAE8-2F29-875E-71E083513FA9}"/>
+                  </a:ext>
+                </a:extLst>
+              </p:cNvPr>
+              <p:cNvSpPr/>
+              <p:nvPr/>
+            </p:nvSpPr>
+            <p:spPr>
+              <a:xfrm>
+                <a:off x="2377699" y="6172899"/>
+                <a:ext cx="1080000" cy="432000"/>
+              </a:xfrm>
+              <a:prstGeom prst="rect">
+                <a:avLst/>
+              </a:prstGeom>
+              <a:solidFill>
+                <a:schemeClr val="tx2">
+                  <a:lumMod val="20000"/>
+                  <a:lumOff val="80000"/>
+                </a:schemeClr>
+              </a:solidFill>
+              <a:ln>
+                <a:solidFill>
+                  <a:schemeClr val="tx1"/>
+                </a:solidFill>
+              </a:ln>
+            </p:spPr>
+            <p:style>
+              <a:lnRef idx="2">
+                <a:schemeClr val="accent1">
+                  <a:shade val="50000"/>
+                </a:schemeClr>
+              </a:lnRef>
+              <a:fillRef idx="1">
+                <a:schemeClr val="accent1"/>
+              </a:fillRef>
+              <a:effectRef idx="0">
+                <a:schemeClr val="accent1"/>
+              </a:effectRef>
+              <a:fontRef idx="minor">
+                <a:schemeClr val="lt1"/>
+              </a:fontRef>
+            </p:style>
+            <p:txBody>
+              <a:bodyPr rtlCol="0" anchor="ctr"/>
+              <a:lstStyle/>
+              <a:p>
+                <a:pPr algn="ctr"/>
+                <a:r>
+                  <a:rPr lang="ko-KR" altLang="en-US" sz="1000" dirty="0">
+                    <a:solidFill>
+                      <a:sysClr val="windowText" lastClr="000000"/>
+                    </a:solidFill>
+                  </a:rPr>
+                  <a:t>로그인</a:t>
+                </a:r>
+              </a:p>
+            </p:txBody>
+          </p:sp>
+        </p:grpSp>
+        <p:grpSp>
+          <p:nvGrpSpPr>
+            <p:cNvPr id="136" name="그룹 135">
+              <a:extLst>
+                <a:ext uri="{FF2B5EF4-FFF2-40B4-BE49-F238E27FC236}">
+                  <a16:creationId xmlns:a16="http://schemas.microsoft.com/office/drawing/2014/main" id="{7DE74E7A-DCB3-9659-A82D-B9BF68300A60}"/>
+                </a:ext>
+              </a:extLst>
+            </p:cNvPr>
+            <p:cNvGrpSpPr/>
+            <p:nvPr/>
+          </p:nvGrpSpPr>
+          <p:grpSpPr>
+            <a:xfrm>
+              <a:off x="3560693" y="1077073"/>
+              <a:ext cx="6696288" cy="5304781"/>
+              <a:chOff x="3560693" y="1077073"/>
+              <a:chExt cx="6696288" cy="5304781"/>
+            </a:xfrm>
+          </p:grpSpPr>
+          <p:grpSp>
+            <p:nvGrpSpPr>
+              <p:cNvPr id="176" name="그룹 175">
+                <a:extLst>
+                  <a:ext uri="{FF2B5EF4-FFF2-40B4-BE49-F238E27FC236}">
+                    <a16:creationId xmlns:a16="http://schemas.microsoft.com/office/drawing/2014/main" id="{2BC53AF0-C9ED-5F44-8222-21EF2E40B118}"/>
+                  </a:ext>
+                </a:extLst>
+              </p:cNvPr>
+              <p:cNvGrpSpPr/>
+              <p:nvPr/>
+            </p:nvGrpSpPr>
+            <p:grpSpPr>
+              <a:xfrm>
+                <a:off x="4665341" y="5303218"/>
+                <a:ext cx="4486992" cy="1078636"/>
+                <a:chOff x="1630837" y="2022523"/>
+                <a:chExt cx="4486992" cy="1078636"/>
+              </a:xfrm>
+            </p:grpSpPr>
+            <p:grpSp>
+              <p:nvGrpSpPr>
+                <p:cNvPr id="6" name="그룹 5">
+                  <a:extLst>
+                    <a:ext uri="{FF2B5EF4-FFF2-40B4-BE49-F238E27FC236}">
+                      <a16:creationId xmlns:a16="http://schemas.microsoft.com/office/drawing/2014/main" id="{585A9285-669D-72C6-75E2-7701211DE2DB}"/>
+                    </a:ext>
+                  </a:extLst>
+                </p:cNvPr>
+                <p:cNvGrpSpPr/>
+                <p:nvPr/>
+              </p:nvGrpSpPr>
+              <p:grpSpPr>
+                <a:xfrm>
+                  <a:off x="1630837" y="2022523"/>
+                  <a:ext cx="4486992" cy="1078636"/>
+                  <a:chOff x="103694" y="199332"/>
+                  <a:chExt cx="1048476" cy="1078636"/>
+                </a:xfrm>
+              </p:grpSpPr>
+              <p:sp>
+                <p:nvSpPr>
+                  <p:cNvPr id="5" name="직사각형 4">
+                    <a:extLst>
+                      <a:ext uri="{FF2B5EF4-FFF2-40B4-BE49-F238E27FC236}">
+                        <a16:creationId xmlns:a16="http://schemas.microsoft.com/office/drawing/2014/main" id="{26108B12-51FB-0EAE-57B1-9F75BC9328FC}"/>
+                      </a:ext>
+                    </a:extLst>
+                  </p:cNvPr>
+                  <p:cNvSpPr/>
+                  <p:nvPr/>
+                </p:nvSpPr>
+                <p:spPr>
+                  <a:xfrm>
+                    <a:off x="103694" y="575036"/>
+                    <a:ext cx="1048476" cy="702932"/>
+                  </a:xfrm>
+                  <a:prstGeom prst="rect">
+                    <a:avLst/>
+                  </a:prstGeom>
+                  <a:solidFill>
+                    <a:schemeClr val="bg1">
+                      <a:lumMod val="95000"/>
+                    </a:schemeClr>
+                  </a:solidFill>
+                  <a:ln>
+                    <a:solidFill>
+                      <a:schemeClr val="tx1"/>
+                    </a:solidFill>
+                  </a:ln>
+                </p:spPr>
+                <p:style>
+                  <a:lnRef idx="2">
+                    <a:schemeClr val="accent1">
+                      <a:shade val="50000"/>
+                    </a:schemeClr>
+                  </a:lnRef>
+                  <a:fillRef idx="1">
+                    <a:schemeClr val="accent1"/>
+                  </a:fillRef>
+                  <a:effectRef idx="0">
+                    <a:schemeClr val="accent1"/>
+                  </a:effectRef>
+                  <a:fontRef idx="minor">
+                    <a:schemeClr val="lt1"/>
+                  </a:fontRef>
+                </p:style>
+                <p:txBody>
+                  <a:bodyPr rtlCol="0" anchor="ctr"/>
+                  <a:lstStyle/>
+                  <a:p>
+                    <a:pPr algn="ctr"/>
+                    <a:endParaRPr lang="ko-KR" altLang="en-US">
+                      <a:solidFill>
+                        <a:schemeClr val="tx1"/>
+                      </a:solidFill>
+                    </a:endParaRPr>
+                  </a:p>
+                </p:txBody>
+              </p:sp>
+              <p:sp>
+                <p:nvSpPr>
+                  <p:cNvPr id="4" name="직사각형 3">
+                    <a:extLst>
+                      <a:ext uri="{FF2B5EF4-FFF2-40B4-BE49-F238E27FC236}">
+                        <a16:creationId xmlns:a16="http://schemas.microsoft.com/office/drawing/2014/main" id="{6E2388AD-4764-8AFE-8D8D-FE54D7874767}"/>
+                      </a:ext>
+                    </a:extLst>
+                  </p:cNvPr>
+                  <p:cNvSpPr/>
+                  <p:nvPr/>
+                </p:nvSpPr>
+                <p:spPr>
+                  <a:xfrm>
+                    <a:off x="103694" y="199332"/>
+                    <a:ext cx="1048476" cy="385130"/>
+                  </a:xfrm>
+                  <a:prstGeom prst="rect">
+                    <a:avLst/>
+                  </a:prstGeom>
+                  <a:solidFill>
+                    <a:schemeClr val="bg1">
+                      <a:lumMod val="75000"/>
+                    </a:schemeClr>
+                  </a:solidFill>
+                  <a:ln>
+                    <a:solidFill>
+                      <a:schemeClr val="tx1"/>
+                    </a:solidFill>
+                  </a:ln>
+                </p:spPr>
+                <p:style>
+                  <a:lnRef idx="2">
+                    <a:schemeClr val="accent1">
+                      <a:shade val="50000"/>
+                    </a:schemeClr>
+                  </a:lnRef>
+                  <a:fillRef idx="1">
+                    <a:schemeClr val="accent1"/>
+                  </a:fillRef>
+                  <a:effectRef idx="0">
+                    <a:schemeClr val="accent1"/>
+                  </a:effectRef>
+                  <a:fontRef idx="minor">
+                    <a:schemeClr val="lt1"/>
+                  </a:fontRef>
+                </p:style>
+                <p:txBody>
+                  <a:bodyPr rtlCol="0" anchor="ctr"/>
+                  <a:lstStyle/>
+                  <a:p>
+                    <a:pPr algn="ctr"/>
+                    <a:r>
+                      <a:rPr lang="en-US" altLang="ko-KR" sz="1200" b="1" dirty="0">
+                        <a:solidFill>
+                          <a:schemeClr val="tx1"/>
+                        </a:solidFill>
+                      </a:rPr>
+                      <a:t>DB</a:t>
+                    </a:r>
+                    <a:endParaRPr lang="ko-KR" altLang="en-US" sz="1200" b="1" dirty="0">
+                      <a:solidFill>
+                        <a:schemeClr val="tx1"/>
+                      </a:solidFill>
+                    </a:endParaRPr>
+                  </a:p>
+                </p:txBody>
+              </p:sp>
+            </p:grpSp>
+            <p:sp>
+              <p:nvSpPr>
+                <p:cNvPr id="64" name="직사각형 63">
+                  <a:extLst>
+                    <a:ext uri="{FF2B5EF4-FFF2-40B4-BE49-F238E27FC236}">
+                      <a16:creationId xmlns:a16="http://schemas.microsoft.com/office/drawing/2014/main" id="{B3D3340E-2C42-BFC4-0D12-B0939555BCCF}"/>
+                    </a:ext>
+                  </a:extLst>
+                </p:cNvPr>
+                <p:cNvSpPr/>
+                <p:nvPr/>
+              </p:nvSpPr>
+              <p:spPr>
+                <a:xfrm>
+                  <a:off x="1724524" y="2504321"/>
+                  <a:ext cx="1342416" cy="515253"/>
+                </a:xfrm>
+                <a:prstGeom prst="rect">
+                  <a:avLst/>
+                </a:prstGeom>
+                <a:solidFill>
+                  <a:schemeClr val="tx2">
+                    <a:lumMod val="20000"/>
+                    <a:lumOff val="80000"/>
+                  </a:schemeClr>
+                </a:solidFill>
+                <a:ln>
+                  <a:solidFill>
+                    <a:schemeClr val="tx1"/>
+                  </a:solidFill>
+                </a:ln>
+              </p:spPr>
+              <p:style>
+                <a:lnRef idx="2">
+                  <a:schemeClr val="accent1">
+                    <a:shade val="50000"/>
+                  </a:schemeClr>
+                </a:lnRef>
+                <a:fillRef idx="1">
+                  <a:schemeClr val="accent1"/>
+                </a:fillRef>
+                <a:effectRef idx="0">
+                  <a:schemeClr val="accent1"/>
+                </a:effectRef>
+                <a:fontRef idx="minor">
+                  <a:schemeClr val="lt1"/>
+                </a:fontRef>
+              </p:style>
+              <p:txBody>
+                <a:bodyPr rtlCol="0" anchor="ctr"/>
+                <a:lstStyle/>
+                <a:p>
+                  <a:pPr algn="ctr"/>
+                  <a:r>
+                    <a:rPr lang="ko-KR" altLang="en-US" sz="1000" dirty="0">
+                      <a:solidFill>
+                        <a:sysClr val="windowText" lastClr="000000"/>
+                      </a:solidFill>
+                    </a:rPr>
+                    <a:t>사용자 </a:t>
+                  </a:r>
+                  <a:r>
+                    <a:rPr lang="en-US" altLang="ko-KR" sz="1000" dirty="0">
+                      <a:solidFill>
+                        <a:sysClr val="windowText" lastClr="000000"/>
+                      </a:solidFill>
+                    </a:rPr>
+                    <a:t>DB</a:t>
+                  </a:r>
+                  <a:endParaRPr lang="ko-KR" altLang="en-US" sz="1000" dirty="0">
+                    <a:solidFill>
+                      <a:sysClr val="windowText" lastClr="000000"/>
+                    </a:solidFill>
+                  </a:endParaRPr>
+                </a:p>
+              </p:txBody>
+            </p:sp>
+            <p:sp>
+              <p:nvSpPr>
+                <p:cNvPr id="65" name="직사각형 64">
+                  <a:extLst>
+                    <a:ext uri="{FF2B5EF4-FFF2-40B4-BE49-F238E27FC236}">
+                      <a16:creationId xmlns:a16="http://schemas.microsoft.com/office/drawing/2014/main" id="{81E8580A-5C62-F08B-AA81-6DAC72526DD7}"/>
+                    </a:ext>
+                  </a:extLst>
+                </p:cNvPr>
+                <p:cNvSpPr/>
+                <p:nvPr/>
+              </p:nvSpPr>
+              <p:spPr>
+                <a:xfrm>
+                  <a:off x="4687170" y="2504321"/>
+                  <a:ext cx="1342416" cy="515253"/>
+                </a:xfrm>
+                <a:prstGeom prst="rect">
+                  <a:avLst/>
+                </a:prstGeom>
+                <a:solidFill>
+                  <a:schemeClr val="tx2">
+                    <a:lumMod val="20000"/>
+                    <a:lumOff val="80000"/>
+                  </a:schemeClr>
+                </a:solidFill>
+                <a:ln>
+                  <a:solidFill>
+                    <a:schemeClr val="tx1"/>
+                  </a:solidFill>
+                </a:ln>
+              </p:spPr>
+              <p:style>
+                <a:lnRef idx="2">
+                  <a:schemeClr val="accent1">
+                    <a:shade val="50000"/>
+                  </a:schemeClr>
+                </a:lnRef>
+                <a:fillRef idx="1">
+                  <a:schemeClr val="accent1"/>
+                </a:fillRef>
+                <a:effectRef idx="0">
+                  <a:schemeClr val="accent1"/>
+                </a:effectRef>
+                <a:fontRef idx="minor">
+                  <a:schemeClr val="lt1"/>
+                </a:fontRef>
+              </p:style>
+              <p:txBody>
+                <a:bodyPr rtlCol="0" anchor="ctr"/>
+                <a:lstStyle/>
+                <a:p>
+                  <a:pPr algn="ctr"/>
+                  <a:r>
+                    <a:rPr lang="ko-KR" altLang="en-US" sz="1000" dirty="0">
+                      <a:solidFill>
+                        <a:sysClr val="windowText" lastClr="000000"/>
+                      </a:solidFill>
+                    </a:rPr>
+                    <a:t>게시판 </a:t>
+                  </a:r>
+                  <a:r>
+                    <a:rPr lang="en-US" altLang="ko-KR" sz="1000" dirty="0">
+                      <a:solidFill>
+                        <a:sysClr val="windowText" lastClr="000000"/>
+                      </a:solidFill>
+                    </a:rPr>
+                    <a:t>DB</a:t>
+                  </a:r>
+                  <a:endParaRPr lang="ko-KR" altLang="en-US" sz="1000" dirty="0">
+                    <a:solidFill>
+                      <a:sysClr val="windowText" lastClr="000000"/>
+                    </a:solidFill>
+                  </a:endParaRPr>
+                </a:p>
+              </p:txBody>
+            </p:sp>
+            <p:sp>
+              <p:nvSpPr>
+                <p:cNvPr id="172" name="직사각형 171">
+                  <a:extLst>
+                    <a:ext uri="{FF2B5EF4-FFF2-40B4-BE49-F238E27FC236}">
+                      <a16:creationId xmlns:a16="http://schemas.microsoft.com/office/drawing/2014/main" id="{B678CE3F-46B1-DFC0-FC1F-B79D127AEFDB}"/>
+                    </a:ext>
+                  </a:extLst>
+                </p:cNvPr>
+                <p:cNvSpPr/>
+                <p:nvPr/>
+              </p:nvSpPr>
+              <p:spPr>
+                <a:xfrm>
+                  <a:off x="3205847" y="2504321"/>
+                  <a:ext cx="1342416" cy="515253"/>
+                </a:xfrm>
+                <a:prstGeom prst="rect">
+                  <a:avLst/>
+                </a:prstGeom>
+                <a:solidFill>
+                  <a:schemeClr val="tx2">
+                    <a:lumMod val="20000"/>
+                    <a:lumOff val="80000"/>
+                  </a:schemeClr>
+                </a:solidFill>
+                <a:ln>
+                  <a:solidFill>
+                    <a:schemeClr val="tx1"/>
+                  </a:solidFill>
+                </a:ln>
+              </p:spPr>
+              <p:style>
+                <a:lnRef idx="2">
+                  <a:schemeClr val="accent1">
+                    <a:shade val="50000"/>
+                  </a:schemeClr>
+                </a:lnRef>
+                <a:fillRef idx="1">
+                  <a:schemeClr val="accent1"/>
+                </a:fillRef>
+                <a:effectRef idx="0">
+                  <a:schemeClr val="accent1"/>
+                </a:effectRef>
+                <a:fontRef idx="minor">
+                  <a:schemeClr val="lt1"/>
+                </a:fontRef>
+              </p:style>
+              <p:txBody>
+                <a:bodyPr rtlCol="0" anchor="ctr"/>
+                <a:lstStyle/>
+                <a:p>
+                  <a:pPr algn="ctr"/>
+                  <a:r>
+                    <a:rPr lang="ko-KR" altLang="en-US" sz="1000" dirty="0">
+                      <a:solidFill>
+                        <a:sysClr val="windowText" lastClr="000000"/>
+                      </a:solidFill>
+                    </a:rPr>
+                    <a:t>권한 </a:t>
+                  </a:r>
+                  <a:r>
+                    <a:rPr lang="en-US" altLang="ko-KR" sz="1000" dirty="0">
+                      <a:solidFill>
+                        <a:sysClr val="windowText" lastClr="000000"/>
+                      </a:solidFill>
+                    </a:rPr>
+                    <a:t>DB</a:t>
+                  </a:r>
+                </a:p>
+              </p:txBody>
+            </p:sp>
+          </p:grpSp>
+          <p:grpSp>
+            <p:nvGrpSpPr>
+              <p:cNvPr id="134" name="그룹 133">
+                <a:extLst>
+                  <a:ext uri="{FF2B5EF4-FFF2-40B4-BE49-F238E27FC236}">
+                    <a16:creationId xmlns:a16="http://schemas.microsoft.com/office/drawing/2014/main" id="{BF37C6FC-08E5-F74B-BCAE-F06F6F185C7E}"/>
+                  </a:ext>
+                </a:extLst>
+              </p:cNvPr>
+              <p:cNvGrpSpPr/>
+              <p:nvPr/>
+            </p:nvGrpSpPr>
+            <p:grpSpPr>
+              <a:xfrm>
+                <a:off x="3560693" y="1077073"/>
+                <a:ext cx="6696288" cy="3723093"/>
+                <a:chOff x="2758798" y="1578504"/>
+                <a:chExt cx="6696288" cy="3723093"/>
+              </a:xfrm>
+            </p:grpSpPr>
+            <p:grpSp>
+              <p:nvGrpSpPr>
+                <p:cNvPr id="115" name="그룹 114">
+                  <a:extLst>
+                    <a:ext uri="{FF2B5EF4-FFF2-40B4-BE49-F238E27FC236}">
+                      <a16:creationId xmlns:a16="http://schemas.microsoft.com/office/drawing/2014/main" id="{E2F82581-4165-9A97-2D03-B80B484947A5}"/>
+                    </a:ext>
+                  </a:extLst>
+                </p:cNvPr>
+                <p:cNvGrpSpPr/>
+                <p:nvPr/>
+              </p:nvGrpSpPr>
+              <p:grpSpPr>
+                <a:xfrm>
+                  <a:off x="2758798" y="1578504"/>
+                  <a:ext cx="6696288" cy="3723093"/>
+                  <a:chOff x="-2166188" y="199330"/>
+                  <a:chExt cx="2928827" cy="3723093"/>
+                </a:xfrm>
+              </p:grpSpPr>
+              <p:sp>
+                <p:nvSpPr>
+                  <p:cNvPr id="116" name="직사각형 115">
+                    <a:extLst>
+                      <a:ext uri="{FF2B5EF4-FFF2-40B4-BE49-F238E27FC236}">
+                        <a16:creationId xmlns:a16="http://schemas.microsoft.com/office/drawing/2014/main" id="{F3CA33D6-9B35-ABD6-7A9E-4DA8C7C95C87}"/>
+                      </a:ext>
+                    </a:extLst>
+                  </p:cNvPr>
+                  <p:cNvSpPr/>
+                  <p:nvPr/>
+                </p:nvSpPr>
+                <p:spPr>
+                  <a:xfrm>
+                    <a:off x="-2166188" y="575036"/>
+                    <a:ext cx="2928827" cy="3347387"/>
+                  </a:xfrm>
+                  <a:prstGeom prst="rect">
+                    <a:avLst/>
+                  </a:prstGeom>
+                  <a:solidFill>
+                    <a:schemeClr val="bg1">
+                      <a:lumMod val="95000"/>
+                    </a:schemeClr>
+                  </a:solidFill>
+                  <a:ln>
+                    <a:solidFill>
+                      <a:schemeClr val="tx1"/>
+                    </a:solidFill>
+                  </a:ln>
+                </p:spPr>
+                <p:style>
+                  <a:lnRef idx="2">
+                    <a:schemeClr val="accent1">
+                      <a:shade val="50000"/>
+                    </a:schemeClr>
+                  </a:lnRef>
+                  <a:fillRef idx="1">
+                    <a:schemeClr val="accent1"/>
+                  </a:fillRef>
+                  <a:effectRef idx="0">
+                    <a:schemeClr val="accent1"/>
+                  </a:effectRef>
+                  <a:fontRef idx="minor">
+                    <a:schemeClr val="lt1"/>
+                  </a:fontRef>
+                </p:style>
+                <p:txBody>
+                  <a:bodyPr rtlCol="0" anchor="ctr"/>
+                  <a:lstStyle/>
+                  <a:p>
+                    <a:pPr algn="ctr"/>
+                    <a:endParaRPr lang="ko-KR" altLang="en-US">
+                      <a:solidFill>
+                        <a:schemeClr val="tx1"/>
+                      </a:solidFill>
+                    </a:endParaRPr>
+                  </a:p>
+                </p:txBody>
+              </p:sp>
+              <p:sp>
+                <p:nvSpPr>
+                  <p:cNvPr id="117" name="직사각형 116">
+                    <a:extLst>
+                      <a:ext uri="{FF2B5EF4-FFF2-40B4-BE49-F238E27FC236}">
+                        <a16:creationId xmlns:a16="http://schemas.microsoft.com/office/drawing/2014/main" id="{7E3440BF-9F37-44D6-68B6-3F0D97A104FF}"/>
+                      </a:ext>
+                    </a:extLst>
+                  </p:cNvPr>
+                  <p:cNvSpPr/>
+                  <p:nvPr/>
+                </p:nvSpPr>
+                <p:spPr>
+                  <a:xfrm>
+                    <a:off x="-2166188" y="199330"/>
+                    <a:ext cx="2928827" cy="385131"/>
+                  </a:xfrm>
+                  <a:prstGeom prst="rect">
+                    <a:avLst/>
+                  </a:prstGeom>
+                  <a:solidFill>
+                    <a:schemeClr val="bg1">
+                      <a:lumMod val="75000"/>
+                    </a:schemeClr>
+                  </a:solidFill>
+                  <a:ln>
+                    <a:solidFill>
+                      <a:schemeClr val="tx1"/>
+                    </a:solidFill>
+                  </a:ln>
+                </p:spPr>
+                <p:style>
+                  <a:lnRef idx="2">
+                    <a:schemeClr val="accent1">
+                      <a:shade val="50000"/>
+                    </a:schemeClr>
+                  </a:lnRef>
+                  <a:fillRef idx="1">
+                    <a:schemeClr val="accent1"/>
+                  </a:fillRef>
+                  <a:effectRef idx="0">
+                    <a:schemeClr val="accent1"/>
+                  </a:effectRef>
+                  <a:fontRef idx="minor">
+                    <a:schemeClr val="lt1"/>
+                  </a:fontRef>
+                </p:style>
+                <p:txBody>
+                  <a:bodyPr rtlCol="0" anchor="ctr"/>
+                  <a:lstStyle/>
+                  <a:p>
+                    <a:pPr algn="ctr"/>
+                    <a:r>
+                      <a:rPr lang="ko-KR" altLang="en-US" sz="1200" b="1" dirty="0">
+                        <a:solidFill>
+                          <a:schemeClr val="tx1"/>
+                        </a:solidFill>
+                      </a:rPr>
+                      <a:t>커뮤니티 사이트</a:t>
+                    </a:r>
+                  </a:p>
+                </p:txBody>
+              </p:sp>
+            </p:grpSp>
+            <p:grpSp>
+              <p:nvGrpSpPr>
+                <p:cNvPr id="140" name="그룹 139">
+                  <a:extLst>
+                    <a:ext uri="{FF2B5EF4-FFF2-40B4-BE49-F238E27FC236}">
+                      <a16:creationId xmlns:a16="http://schemas.microsoft.com/office/drawing/2014/main" id="{0FB19397-2702-F796-2702-CED9B930BFC3}"/>
+                    </a:ext>
+                  </a:extLst>
+                </p:cNvPr>
+                <p:cNvGrpSpPr/>
+                <p:nvPr/>
+              </p:nvGrpSpPr>
+              <p:grpSpPr>
+                <a:xfrm>
+                  <a:off x="2913866" y="3695540"/>
+                  <a:ext cx="1215186" cy="1491603"/>
+                  <a:chOff x="4308874" y="3135003"/>
+                  <a:chExt cx="1215186" cy="1491603"/>
+                </a:xfrm>
+              </p:grpSpPr>
+              <p:grpSp>
+                <p:nvGrpSpPr>
+                  <p:cNvPr id="104" name="그룹 103">
+                    <a:extLst>
+                      <a:ext uri="{FF2B5EF4-FFF2-40B4-BE49-F238E27FC236}">
+                        <a16:creationId xmlns:a16="http://schemas.microsoft.com/office/drawing/2014/main" id="{01E370B5-7646-EB53-9A3B-A2415D039E9E}"/>
+                      </a:ext>
+                    </a:extLst>
+                  </p:cNvPr>
+                  <p:cNvGrpSpPr/>
+                  <p:nvPr/>
+                </p:nvGrpSpPr>
+                <p:grpSpPr>
+                  <a:xfrm>
+                    <a:off x="4308874" y="3135003"/>
+                    <a:ext cx="1215186" cy="1491603"/>
+                    <a:chOff x="-1735791" y="194728"/>
+                    <a:chExt cx="1657850" cy="1688608"/>
+                  </a:xfrm>
+                </p:grpSpPr>
+                <p:sp>
+                  <p:nvSpPr>
+                    <p:cNvPr id="105" name="직사각형 104">
+                      <a:extLst>
+                        <a:ext uri="{FF2B5EF4-FFF2-40B4-BE49-F238E27FC236}">
+                          <a16:creationId xmlns:a16="http://schemas.microsoft.com/office/drawing/2014/main" id="{63D706EB-991B-5D9E-80E2-C8B2ADB60537}"/>
+                        </a:ext>
+                      </a:extLst>
+                    </p:cNvPr>
+                    <p:cNvSpPr/>
+                    <p:nvPr/>
+                  </p:nvSpPr>
+                  <p:spPr>
+                    <a:xfrm>
+                      <a:off x="-1735791" y="575037"/>
+                      <a:ext cx="1657850" cy="1308299"/>
+                    </a:xfrm>
+                    <a:prstGeom prst="rect">
+                      <a:avLst/>
+                    </a:prstGeom>
+                    <a:solidFill>
+                      <a:schemeClr val="bg1">
+                        <a:lumMod val="95000"/>
+                      </a:schemeClr>
+                    </a:solidFill>
+                    <a:ln>
+                      <a:solidFill>
+                        <a:schemeClr val="tx1"/>
+                      </a:solidFill>
+                    </a:ln>
+                  </p:spPr>
+                  <p:style>
+                    <a:lnRef idx="2">
+                      <a:schemeClr val="accent1">
+                        <a:shade val="50000"/>
+                      </a:schemeClr>
+                    </a:lnRef>
+                    <a:fillRef idx="1">
+                      <a:schemeClr val="accent1"/>
+                    </a:fillRef>
+                    <a:effectRef idx="0">
+                      <a:schemeClr val="accent1"/>
+                    </a:effectRef>
+                    <a:fontRef idx="minor">
+                      <a:schemeClr val="lt1"/>
+                    </a:fontRef>
+                  </p:style>
+                  <p:txBody>
+                    <a:bodyPr rtlCol="0" anchor="ctr"/>
+                    <a:lstStyle/>
+                    <a:p>
+                      <a:pPr algn="ctr"/>
+                      <a:endParaRPr lang="ko-KR" altLang="en-US">
+                        <a:solidFill>
+                          <a:schemeClr val="tx1"/>
+                        </a:solidFill>
+                      </a:endParaRPr>
+                    </a:p>
+                  </p:txBody>
+                </p:sp>
+                <p:sp>
+                  <p:nvSpPr>
+                    <p:cNvPr id="106" name="직사각형 105">
+                      <a:extLst>
+                        <a:ext uri="{FF2B5EF4-FFF2-40B4-BE49-F238E27FC236}">
+                          <a16:creationId xmlns:a16="http://schemas.microsoft.com/office/drawing/2014/main" id="{FDA614DD-6616-DBBF-4390-83A9E192783C}"/>
+                        </a:ext>
+                      </a:extLst>
+                    </p:cNvPr>
+                    <p:cNvSpPr/>
+                    <p:nvPr/>
+                  </p:nvSpPr>
+                  <p:spPr>
+                    <a:xfrm>
+                      <a:off x="-1735791" y="194728"/>
+                      <a:ext cx="1657850" cy="389734"/>
+                    </a:xfrm>
+                    <a:prstGeom prst="rect">
+                      <a:avLst/>
+                    </a:prstGeom>
+                    <a:solidFill>
+                      <a:schemeClr val="bg1">
+                        <a:lumMod val="75000"/>
+                      </a:schemeClr>
+                    </a:solidFill>
+                    <a:ln>
+                      <a:solidFill>
+                        <a:schemeClr val="tx1"/>
+                      </a:solidFill>
+                    </a:ln>
+                  </p:spPr>
+                  <p:style>
+                    <a:lnRef idx="2">
+                      <a:schemeClr val="accent1">
+                        <a:shade val="50000"/>
+                      </a:schemeClr>
+                    </a:lnRef>
+                    <a:fillRef idx="1">
+                      <a:schemeClr val="accent1"/>
+                    </a:fillRef>
+                    <a:effectRef idx="0">
+                      <a:schemeClr val="accent1"/>
+                    </a:effectRef>
+                    <a:fontRef idx="minor">
+                      <a:schemeClr val="lt1"/>
+                    </a:fontRef>
+                  </p:style>
+                  <p:txBody>
+                    <a:bodyPr rtlCol="0" anchor="ctr"/>
+                    <a:lstStyle/>
+                    <a:p>
+                      <a:pPr algn="ctr"/>
+                      <a:r>
+                        <a:rPr lang="ko-KR" altLang="en-US" sz="1200" b="1" dirty="0">
+                          <a:solidFill>
+                            <a:schemeClr val="tx1"/>
+                          </a:solidFill>
+                        </a:rPr>
+                        <a:t>게시판</a:t>
+                      </a:r>
+                    </a:p>
+                  </p:txBody>
+                </p:sp>
+              </p:grpSp>
+              <p:sp>
+                <p:nvSpPr>
+                  <p:cNvPr id="107" name="직사각형 106">
+                    <a:extLst>
+                      <a:ext uri="{FF2B5EF4-FFF2-40B4-BE49-F238E27FC236}">
+                        <a16:creationId xmlns:a16="http://schemas.microsoft.com/office/drawing/2014/main" id="{9B095DBD-0A40-5814-513F-BCD84C6D1050}"/>
+                      </a:ext>
+                    </a:extLst>
+                  </p:cNvPr>
+                  <p:cNvSpPr/>
+                  <p:nvPr/>
+                </p:nvSpPr>
+                <p:spPr>
+                  <a:xfrm>
+                    <a:off x="4385704" y="3587938"/>
+                    <a:ext cx="1080000" cy="432000"/>
+                  </a:xfrm>
+                  <a:prstGeom prst="rect">
+                    <a:avLst/>
+                  </a:prstGeom>
+                  <a:solidFill>
+                    <a:schemeClr val="tx2">
+                      <a:lumMod val="20000"/>
+                      <a:lumOff val="80000"/>
+                    </a:schemeClr>
+                  </a:solidFill>
+                  <a:ln>
+                    <a:solidFill>
+                      <a:schemeClr val="tx1"/>
+                    </a:solidFill>
+                  </a:ln>
+                </p:spPr>
+                <p:style>
+                  <a:lnRef idx="2">
+                    <a:schemeClr val="accent1">
+                      <a:shade val="50000"/>
+                    </a:schemeClr>
+                  </a:lnRef>
+                  <a:fillRef idx="1">
+                    <a:schemeClr val="accent1"/>
+                  </a:fillRef>
+                  <a:effectRef idx="0">
+                    <a:schemeClr val="accent1"/>
+                  </a:effectRef>
+                  <a:fontRef idx="minor">
+                    <a:schemeClr val="lt1"/>
+                  </a:fontRef>
+                </p:style>
+                <p:txBody>
+                  <a:bodyPr rtlCol="0" anchor="ctr"/>
+                  <a:lstStyle/>
+                  <a:p>
+                    <a:pPr algn="ctr"/>
+                    <a:r>
+                      <a:rPr lang="ko-KR" altLang="en-US" sz="1000" dirty="0">
+                        <a:solidFill>
+                          <a:sysClr val="windowText" lastClr="000000"/>
+                        </a:solidFill>
+                      </a:rPr>
+                      <a:t>게시판 관리</a:t>
+                    </a:r>
+                  </a:p>
+                </p:txBody>
+              </p:sp>
+              <p:sp>
+                <p:nvSpPr>
+                  <p:cNvPr id="76" name="직사각형 75">
+                    <a:extLst>
+                      <a:ext uri="{FF2B5EF4-FFF2-40B4-BE49-F238E27FC236}">
+                        <a16:creationId xmlns:a16="http://schemas.microsoft.com/office/drawing/2014/main" id="{0A20B0FF-7E14-B07C-D0F6-2696AAE911DC}"/>
+                      </a:ext>
+                    </a:extLst>
+                  </p:cNvPr>
+                  <p:cNvSpPr/>
+                  <p:nvPr/>
+                </p:nvSpPr>
+                <p:spPr>
+                  <a:xfrm>
+                    <a:off x="4385704" y="4101034"/>
+                    <a:ext cx="1080000" cy="432000"/>
+                  </a:xfrm>
+                  <a:prstGeom prst="rect">
+                    <a:avLst/>
+                  </a:prstGeom>
+                  <a:solidFill>
+                    <a:schemeClr val="tx2">
+                      <a:lumMod val="20000"/>
+                      <a:lumOff val="80000"/>
+                    </a:schemeClr>
+                  </a:solidFill>
+                  <a:ln>
+                    <a:solidFill>
+                      <a:schemeClr val="tx1"/>
+                    </a:solidFill>
+                  </a:ln>
+                </p:spPr>
+                <p:style>
+                  <a:lnRef idx="2">
+                    <a:schemeClr val="accent1">
+                      <a:shade val="50000"/>
+                    </a:schemeClr>
+                  </a:lnRef>
+                  <a:fillRef idx="1">
+                    <a:schemeClr val="accent1"/>
+                  </a:fillRef>
+                  <a:effectRef idx="0">
+                    <a:schemeClr val="accent1"/>
+                  </a:effectRef>
+                  <a:fontRef idx="minor">
+                    <a:schemeClr val="lt1"/>
+                  </a:fontRef>
+                </p:style>
+                <p:txBody>
+                  <a:bodyPr rtlCol="0" anchor="ctr"/>
+                  <a:lstStyle/>
+                  <a:p>
+                    <a:pPr algn="ctr"/>
+                    <a:r>
+                      <a:rPr lang="ko-KR" altLang="en-US" sz="1000" dirty="0">
+                        <a:solidFill>
+                          <a:sysClr val="windowText" lastClr="000000"/>
+                        </a:solidFill>
+                      </a:rPr>
+                      <a:t>게시물 관리</a:t>
+                    </a:r>
+                  </a:p>
+                </p:txBody>
+              </p:sp>
+            </p:grpSp>
+            <p:grpSp>
+              <p:nvGrpSpPr>
+                <p:cNvPr id="10" name="그룹 9">
+                  <a:extLst>
+                    <a:ext uri="{FF2B5EF4-FFF2-40B4-BE49-F238E27FC236}">
+                      <a16:creationId xmlns:a16="http://schemas.microsoft.com/office/drawing/2014/main" id="{5FE010EA-75D4-F4FB-771F-9EE603ABDDF3}"/>
+                    </a:ext>
+                  </a:extLst>
+                </p:cNvPr>
+                <p:cNvGrpSpPr/>
+                <p:nvPr/>
+              </p:nvGrpSpPr>
+              <p:grpSpPr>
+                <a:xfrm>
+                  <a:off x="2904629" y="2090103"/>
+                  <a:ext cx="1215186" cy="1491603"/>
+                  <a:chOff x="4308874" y="3135003"/>
+                  <a:chExt cx="1215186" cy="1491603"/>
+                </a:xfrm>
+              </p:grpSpPr>
+              <p:grpSp>
+                <p:nvGrpSpPr>
+                  <p:cNvPr id="11" name="그룹 10">
+                    <a:extLst>
+                      <a:ext uri="{FF2B5EF4-FFF2-40B4-BE49-F238E27FC236}">
+                        <a16:creationId xmlns:a16="http://schemas.microsoft.com/office/drawing/2014/main" id="{4FEFAEA3-45B9-A3C4-6298-9537799A4698}"/>
+                      </a:ext>
+                    </a:extLst>
+                  </p:cNvPr>
+                  <p:cNvGrpSpPr/>
+                  <p:nvPr/>
+                </p:nvGrpSpPr>
+                <p:grpSpPr>
+                  <a:xfrm>
+                    <a:off x="4308874" y="3135003"/>
+                    <a:ext cx="1215186" cy="1491603"/>
+                    <a:chOff x="-1735791" y="194728"/>
+                    <a:chExt cx="1657850" cy="1688608"/>
+                  </a:xfrm>
+                </p:grpSpPr>
+                <p:sp>
+                  <p:nvSpPr>
+                    <p:cNvPr id="14" name="직사각형 13">
+                      <a:extLst>
+                        <a:ext uri="{FF2B5EF4-FFF2-40B4-BE49-F238E27FC236}">
+                          <a16:creationId xmlns:a16="http://schemas.microsoft.com/office/drawing/2014/main" id="{56825F74-08B9-E176-4D97-EC0AD3F52DA4}"/>
+                        </a:ext>
+                      </a:extLst>
+                    </p:cNvPr>
+                    <p:cNvSpPr/>
+                    <p:nvPr/>
+                  </p:nvSpPr>
+                  <p:spPr>
+                    <a:xfrm>
+                      <a:off x="-1735791" y="575037"/>
+                      <a:ext cx="1657850" cy="1308299"/>
+                    </a:xfrm>
+                    <a:prstGeom prst="rect">
+                      <a:avLst/>
+                    </a:prstGeom>
+                    <a:solidFill>
+                      <a:schemeClr val="bg1">
+                        <a:lumMod val="95000"/>
+                      </a:schemeClr>
+                    </a:solidFill>
+                    <a:ln>
+                      <a:solidFill>
+                        <a:schemeClr val="tx1"/>
+                      </a:solidFill>
+                    </a:ln>
+                  </p:spPr>
+                  <p:style>
+                    <a:lnRef idx="2">
+                      <a:schemeClr val="accent1">
+                        <a:shade val="50000"/>
+                      </a:schemeClr>
+                    </a:lnRef>
+                    <a:fillRef idx="1">
+                      <a:schemeClr val="accent1"/>
+                    </a:fillRef>
+                    <a:effectRef idx="0">
+                      <a:schemeClr val="accent1"/>
+                    </a:effectRef>
+                    <a:fontRef idx="minor">
+                      <a:schemeClr val="lt1"/>
+                    </a:fontRef>
+                  </p:style>
+                  <p:txBody>
+                    <a:bodyPr rtlCol="0" anchor="ctr"/>
+                    <a:lstStyle/>
+                    <a:p>
+                      <a:pPr algn="ctr"/>
+                      <a:endParaRPr lang="ko-KR" altLang="en-US">
+                        <a:solidFill>
+                          <a:schemeClr val="tx1"/>
+                        </a:solidFill>
+                      </a:endParaRPr>
+                    </a:p>
+                  </p:txBody>
+                </p:sp>
+                <p:sp>
+                  <p:nvSpPr>
+                    <p:cNvPr id="17" name="직사각형 16">
+                      <a:extLst>
+                        <a:ext uri="{FF2B5EF4-FFF2-40B4-BE49-F238E27FC236}">
+                          <a16:creationId xmlns:a16="http://schemas.microsoft.com/office/drawing/2014/main" id="{CAB62991-7B9A-5C5A-A5DB-BFBC612D300D}"/>
+                        </a:ext>
+                      </a:extLst>
+                    </p:cNvPr>
+                    <p:cNvSpPr/>
+                    <p:nvPr/>
+                  </p:nvSpPr>
+                  <p:spPr>
+                    <a:xfrm>
+                      <a:off x="-1735791" y="194728"/>
+                      <a:ext cx="1657850" cy="389734"/>
+                    </a:xfrm>
+                    <a:prstGeom prst="rect">
+                      <a:avLst/>
+                    </a:prstGeom>
+                    <a:solidFill>
+                      <a:schemeClr val="bg1">
+                        <a:lumMod val="75000"/>
+                      </a:schemeClr>
+                    </a:solidFill>
+                    <a:ln>
+                      <a:solidFill>
+                        <a:schemeClr val="tx1"/>
+                      </a:solidFill>
+                    </a:ln>
+                  </p:spPr>
+                  <p:style>
+                    <a:lnRef idx="2">
+                      <a:schemeClr val="accent1">
+                        <a:shade val="50000"/>
+                      </a:schemeClr>
+                    </a:lnRef>
+                    <a:fillRef idx="1">
+                      <a:schemeClr val="accent1"/>
+                    </a:fillRef>
+                    <a:effectRef idx="0">
+                      <a:schemeClr val="accent1"/>
+                    </a:effectRef>
+                    <a:fontRef idx="minor">
+                      <a:schemeClr val="lt1"/>
+                    </a:fontRef>
+                  </p:style>
+                  <p:txBody>
+                    <a:bodyPr rtlCol="0" anchor="ctr"/>
+                    <a:lstStyle/>
+                    <a:p>
+                      <a:pPr algn="ctr"/>
+                      <a:r>
+                        <a:rPr lang="ko-KR" altLang="en-US" sz="1200" b="1" dirty="0">
+                          <a:solidFill>
+                            <a:schemeClr val="tx1"/>
+                          </a:solidFill>
+                        </a:rPr>
+                        <a:t>메인 메뉴</a:t>
+                      </a:r>
+                    </a:p>
+                  </p:txBody>
+                </p:sp>
+              </p:grpSp>
+              <p:sp>
+                <p:nvSpPr>
+                  <p:cNvPr id="12" name="직사각형 11">
+                    <a:extLst>
+                      <a:ext uri="{FF2B5EF4-FFF2-40B4-BE49-F238E27FC236}">
+                        <a16:creationId xmlns:a16="http://schemas.microsoft.com/office/drawing/2014/main" id="{8FF10818-7FEF-B33B-55B3-329B31EFBD0C}"/>
+                      </a:ext>
+                    </a:extLst>
+                  </p:cNvPr>
+                  <p:cNvSpPr/>
+                  <p:nvPr/>
+                </p:nvSpPr>
+                <p:spPr>
+                  <a:xfrm>
+                    <a:off x="4385704" y="3587938"/>
+                    <a:ext cx="1080000" cy="432000"/>
+                  </a:xfrm>
+                  <a:prstGeom prst="rect">
+                    <a:avLst/>
+                  </a:prstGeom>
+                  <a:solidFill>
+                    <a:schemeClr val="tx2">
+                      <a:lumMod val="20000"/>
+                      <a:lumOff val="80000"/>
+                    </a:schemeClr>
+                  </a:solidFill>
+                  <a:ln>
+                    <a:solidFill>
+                      <a:schemeClr val="tx1"/>
+                    </a:solidFill>
+                  </a:ln>
+                </p:spPr>
+                <p:style>
+                  <a:lnRef idx="2">
+                    <a:schemeClr val="accent1">
+                      <a:shade val="50000"/>
+                    </a:schemeClr>
+                  </a:lnRef>
+                  <a:fillRef idx="1">
+                    <a:schemeClr val="accent1"/>
+                  </a:fillRef>
+                  <a:effectRef idx="0">
+                    <a:schemeClr val="accent1"/>
+                  </a:effectRef>
+                  <a:fontRef idx="minor">
+                    <a:schemeClr val="lt1"/>
+                  </a:fontRef>
+                </p:style>
+                <p:txBody>
+                  <a:bodyPr rtlCol="0" anchor="ctr"/>
+                  <a:lstStyle/>
+                  <a:p>
+                    <a:pPr algn="ctr"/>
+                    <a:r>
+                      <a:rPr lang="ko-KR" altLang="en-US" sz="1000" dirty="0">
+                        <a:solidFill>
+                          <a:sysClr val="windowText" lastClr="000000"/>
+                        </a:solidFill>
+                      </a:rPr>
+                      <a:t>서비스 이동</a:t>
+                    </a:r>
+                  </a:p>
+                </p:txBody>
+              </p:sp>
+              <p:sp>
+                <p:nvSpPr>
+                  <p:cNvPr id="13" name="직사각형 12">
+                    <a:extLst>
+                      <a:ext uri="{FF2B5EF4-FFF2-40B4-BE49-F238E27FC236}">
+                        <a16:creationId xmlns:a16="http://schemas.microsoft.com/office/drawing/2014/main" id="{566BAE17-6E4B-C683-829B-4154444EB98F}"/>
+                      </a:ext>
+                    </a:extLst>
+                  </p:cNvPr>
+                  <p:cNvSpPr/>
+                  <p:nvPr/>
+                </p:nvSpPr>
+                <p:spPr>
+                  <a:xfrm>
+                    <a:off x="4385704" y="4101034"/>
+                    <a:ext cx="1080000" cy="432000"/>
+                  </a:xfrm>
+                  <a:prstGeom prst="rect">
+                    <a:avLst/>
+                  </a:prstGeom>
+                  <a:solidFill>
+                    <a:schemeClr val="tx2">
+                      <a:lumMod val="20000"/>
+                      <a:lumOff val="80000"/>
+                    </a:schemeClr>
+                  </a:solidFill>
+                  <a:ln>
+                    <a:solidFill>
+                      <a:schemeClr val="tx1"/>
+                    </a:solidFill>
+                  </a:ln>
+                </p:spPr>
+                <p:style>
+                  <a:lnRef idx="2">
+                    <a:schemeClr val="accent1">
+                      <a:shade val="50000"/>
+                    </a:schemeClr>
+                  </a:lnRef>
+                  <a:fillRef idx="1">
+                    <a:schemeClr val="accent1"/>
+                  </a:fillRef>
+                  <a:effectRef idx="0">
+                    <a:schemeClr val="accent1"/>
+                  </a:effectRef>
+                  <a:fontRef idx="minor">
+                    <a:schemeClr val="lt1"/>
+                  </a:fontRef>
+                </p:style>
+                <p:txBody>
+                  <a:bodyPr rtlCol="0" anchor="ctr"/>
+                  <a:lstStyle/>
+                  <a:p>
+                    <a:pPr algn="ctr"/>
+                    <a:r>
+                      <a:rPr lang="ko-KR" altLang="en-US" sz="1000" dirty="0">
+                        <a:solidFill>
+                          <a:sysClr val="windowText" lastClr="000000"/>
+                        </a:solidFill>
+                      </a:rPr>
+                      <a:t>커뮤니티</a:t>
+                    </a:r>
+                    <a:endParaRPr lang="en-US" altLang="ko-KR" sz="1000" dirty="0">
+                      <a:solidFill>
+                        <a:sysClr val="windowText" lastClr="000000"/>
+                      </a:solidFill>
+                    </a:endParaRPr>
+                  </a:p>
+                  <a:p>
+                    <a:pPr algn="ctr"/>
+                    <a:r>
+                      <a:rPr lang="ko-KR" altLang="en-US" sz="1000" dirty="0">
+                        <a:solidFill>
+                          <a:sysClr val="windowText" lastClr="000000"/>
+                        </a:solidFill>
+                      </a:rPr>
+                      <a:t>뷰 변경</a:t>
+                    </a:r>
+                  </a:p>
+                </p:txBody>
+              </p:sp>
+            </p:grpSp>
+            <p:grpSp>
+              <p:nvGrpSpPr>
+                <p:cNvPr id="18" name="그룹 17">
+                  <a:extLst>
+                    <a:ext uri="{FF2B5EF4-FFF2-40B4-BE49-F238E27FC236}">
+                      <a16:creationId xmlns:a16="http://schemas.microsoft.com/office/drawing/2014/main" id="{A2EC38D3-8F0D-EEC5-1F90-B527CE20163E}"/>
+                    </a:ext>
+                  </a:extLst>
+                </p:cNvPr>
+                <p:cNvGrpSpPr/>
+                <p:nvPr/>
+              </p:nvGrpSpPr>
+              <p:grpSpPr>
+                <a:xfrm>
+                  <a:off x="6771785" y="2090103"/>
+                  <a:ext cx="1215186" cy="1491603"/>
+                  <a:chOff x="4308874" y="3135003"/>
+                  <a:chExt cx="1215186" cy="1491603"/>
+                </a:xfrm>
+              </p:grpSpPr>
+              <p:grpSp>
+                <p:nvGrpSpPr>
+                  <p:cNvPr id="20" name="그룹 19">
+                    <a:extLst>
+                      <a:ext uri="{FF2B5EF4-FFF2-40B4-BE49-F238E27FC236}">
+                        <a16:creationId xmlns:a16="http://schemas.microsoft.com/office/drawing/2014/main" id="{625B39CC-F427-D2D2-30FC-A7F6764B8C5E}"/>
+                      </a:ext>
+                    </a:extLst>
+                  </p:cNvPr>
+                  <p:cNvGrpSpPr/>
+                  <p:nvPr/>
+                </p:nvGrpSpPr>
+                <p:grpSpPr>
+                  <a:xfrm>
+                    <a:off x="4308874" y="3135003"/>
+                    <a:ext cx="1215186" cy="1491603"/>
+                    <a:chOff x="-1735791" y="194728"/>
+                    <a:chExt cx="1657850" cy="1688608"/>
+                  </a:xfrm>
+                </p:grpSpPr>
+                <p:sp>
+                  <p:nvSpPr>
+                    <p:cNvPr id="25" name="직사각형 24">
+                      <a:extLst>
+                        <a:ext uri="{FF2B5EF4-FFF2-40B4-BE49-F238E27FC236}">
+                          <a16:creationId xmlns:a16="http://schemas.microsoft.com/office/drawing/2014/main" id="{318F056E-6D05-14E3-841A-B7BE00473161}"/>
+                        </a:ext>
+                      </a:extLst>
+                    </p:cNvPr>
+                    <p:cNvSpPr/>
+                    <p:nvPr/>
+                  </p:nvSpPr>
+                  <p:spPr>
+                    <a:xfrm>
+                      <a:off x="-1735791" y="575037"/>
+                      <a:ext cx="1657850" cy="1308299"/>
+                    </a:xfrm>
+                    <a:prstGeom prst="rect">
+                      <a:avLst/>
+                    </a:prstGeom>
+                    <a:solidFill>
+                      <a:schemeClr val="bg1">
+                        <a:lumMod val="95000"/>
+                      </a:schemeClr>
+                    </a:solidFill>
+                    <a:ln>
+                      <a:solidFill>
+                        <a:schemeClr val="tx1"/>
+                      </a:solidFill>
+                    </a:ln>
+                  </p:spPr>
+                  <p:style>
+                    <a:lnRef idx="2">
+                      <a:schemeClr val="accent1">
+                        <a:shade val="50000"/>
+                      </a:schemeClr>
+                    </a:lnRef>
+                    <a:fillRef idx="1">
+                      <a:schemeClr val="accent1"/>
+                    </a:fillRef>
+                    <a:effectRef idx="0">
+                      <a:schemeClr val="accent1"/>
+                    </a:effectRef>
+                    <a:fontRef idx="minor">
+                      <a:schemeClr val="lt1"/>
+                    </a:fontRef>
+                  </p:style>
+                  <p:txBody>
+                    <a:bodyPr rtlCol="0" anchor="ctr"/>
+                    <a:lstStyle/>
+                    <a:p>
+                      <a:pPr algn="ctr"/>
+                      <a:endParaRPr lang="ko-KR" altLang="en-US">
+                        <a:solidFill>
+                          <a:schemeClr val="tx1"/>
+                        </a:solidFill>
+                      </a:endParaRPr>
+                    </a:p>
+                  </p:txBody>
+                </p:sp>
+                <p:sp>
+                  <p:nvSpPr>
+                    <p:cNvPr id="26" name="직사각형 25">
+                      <a:extLst>
+                        <a:ext uri="{FF2B5EF4-FFF2-40B4-BE49-F238E27FC236}">
+                          <a16:creationId xmlns:a16="http://schemas.microsoft.com/office/drawing/2014/main" id="{5C332B98-E7FD-80E6-78B8-5F5B20FF0978}"/>
+                        </a:ext>
+                      </a:extLst>
+                    </p:cNvPr>
+                    <p:cNvSpPr/>
+                    <p:nvPr/>
+                  </p:nvSpPr>
+                  <p:spPr>
+                    <a:xfrm>
+                      <a:off x="-1735791" y="194728"/>
+                      <a:ext cx="1657850" cy="389734"/>
+                    </a:xfrm>
+                    <a:prstGeom prst="rect">
+                      <a:avLst/>
+                    </a:prstGeom>
+                    <a:solidFill>
+                      <a:schemeClr val="bg1">
+                        <a:lumMod val="75000"/>
+                      </a:schemeClr>
+                    </a:solidFill>
+                    <a:ln>
+                      <a:solidFill>
+                        <a:schemeClr val="tx1"/>
+                      </a:solidFill>
+                    </a:ln>
+                  </p:spPr>
+                  <p:style>
+                    <a:lnRef idx="2">
+                      <a:schemeClr val="accent1">
+                        <a:shade val="50000"/>
+                      </a:schemeClr>
+                    </a:lnRef>
+                    <a:fillRef idx="1">
+                      <a:schemeClr val="accent1"/>
+                    </a:fillRef>
+                    <a:effectRef idx="0">
+                      <a:schemeClr val="accent1"/>
+                    </a:effectRef>
+                    <a:fontRef idx="minor">
+                      <a:schemeClr val="lt1"/>
+                    </a:fontRef>
+                  </p:style>
+                  <p:txBody>
+                    <a:bodyPr rtlCol="0" anchor="ctr"/>
+                    <a:lstStyle/>
+                    <a:p>
+                      <a:pPr algn="ctr"/>
+                      <a:r>
+                        <a:rPr lang="ko-KR" altLang="en-US" sz="1200" b="1" dirty="0">
+                          <a:solidFill>
+                            <a:schemeClr val="tx1"/>
+                          </a:solidFill>
+                        </a:rPr>
+                        <a:t>회원 정보</a:t>
+                      </a:r>
+                    </a:p>
+                  </p:txBody>
+                </p:sp>
+              </p:grpSp>
+              <p:sp>
+                <p:nvSpPr>
+                  <p:cNvPr id="22" name="직사각형 21">
+                    <a:extLst>
+                      <a:ext uri="{FF2B5EF4-FFF2-40B4-BE49-F238E27FC236}">
+                        <a16:creationId xmlns:a16="http://schemas.microsoft.com/office/drawing/2014/main" id="{376CA61C-D656-9963-434E-2DC2EE65B290}"/>
+                      </a:ext>
+                    </a:extLst>
+                  </p:cNvPr>
+                  <p:cNvSpPr/>
+                  <p:nvPr/>
+                </p:nvSpPr>
+                <p:spPr>
+                  <a:xfrm>
+                    <a:off x="4385704" y="3587938"/>
+                    <a:ext cx="1080000" cy="432000"/>
+                  </a:xfrm>
+                  <a:prstGeom prst="rect">
+                    <a:avLst/>
+                  </a:prstGeom>
+                  <a:solidFill>
+                    <a:schemeClr val="tx2">
+                      <a:lumMod val="20000"/>
+                      <a:lumOff val="80000"/>
+                    </a:schemeClr>
+                  </a:solidFill>
+                  <a:ln>
+                    <a:solidFill>
+                      <a:schemeClr val="tx1"/>
+                    </a:solidFill>
+                  </a:ln>
+                </p:spPr>
+                <p:style>
+                  <a:lnRef idx="2">
+                    <a:schemeClr val="accent1">
+                      <a:shade val="50000"/>
+                    </a:schemeClr>
+                  </a:lnRef>
+                  <a:fillRef idx="1">
+                    <a:schemeClr val="accent1"/>
+                  </a:fillRef>
+                  <a:effectRef idx="0">
+                    <a:schemeClr val="accent1"/>
+                  </a:effectRef>
+                  <a:fontRef idx="minor">
+                    <a:schemeClr val="lt1"/>
+                  </a:fontRef>
+                </p:style>
+                <p:txBody>
+                  <a:bodyPr rtlCol="0" anchor="ctr"/>
+                  <a:lstStyle/>
+                  <a:p>
+                    <a:pPr algn="ctr"/>
+                    <a:r>
+                      <a:rPr lang="ko-KR" altLang="en-US" sz="1000" dirty="0">
+                        <a:solidFill>
+                          <a:sysClr val="windowText" lastClr="000000"/>
+                        </a:solidFill>
+                      </a:rPr>
+                      <a:t>개인 정보 관리</a:t>
+                    </a:r>
+                  </a:p>
+                </p:txBody>
+              </p:sp>
+              <p:sp>
+                <p:nvSpPr>
+                  <p:cNvPr id="24" name="직사각형 23">
+                    <a:extLst>
+                      <a:ext uri="{FF2B5EF4-FFF2-40B4-BE49-F238E27FC236}">
+                        <a16:creationId xmlns:a16="http://schemas.microsoft.com/office/drawing/2014/main" id="{CBC43C9B-99D7-4F38-50FE-1D13E4C1EA6B}"/>
+                      </a:ext>
+                    </a:extLst>
+                  </p:cNvPr>
+                  <p:cNvSpPr/>
+                  <p:nvPr/>
+                </p:nvSpPr>
+                <p:spPr>
+                  <a:xfrm>
+                    <a:off x="4385704" y="4101034"/>
+                    <a:ext cx="1080000" cy="432000"/>
+                  </a:xfrm>
+                  <a:prstGeom prst="rect">
+                    <a:avLst/>
+                  </a:prstGeom>
+                  <a:solidFill>
+                    <a:schemeClr val="tx2">
+                      <a:lumMod val="20000"/>
+                      <a:lumOff val="80000"/>
+                    </a:schemeClr>
+                  </a:solidFill>
+                  <a:ln>
+                    <a:solidFill>
+                      <a:schemeClr val="tx1"/>
+                    </a:solidFill>
+                  </a:ln>
+                </p:spPr>
+                <p:style>
+                  <a:lnRef idx="2">
+                    <a:schemeClr val="accent1">
+                      <a:shade val="50000"/>
+                    </a:schemeClr>
+                  </a:lnRef>
+                  <a:fillRef idx="1">
+                    <a:schemeClr val="accent1"/>
+                  </a:fillRef>
+                  <a:effectRef idx="0">
+                    <a:schemeClr val="accent1"/>
+                  </a:effectRef>
+                  <a:fontRef idx="minor">
+                    <a:schemeClr val="lt1"/>
+                  </a:fontRef>
+                </p:style>
+                <p:txBody>
+                  <a:bodyPr rtlCol="0" anchor="ctr"/>
+                  <a:lstStyle/>
+                  <a:p>
+                    <a:pPr algn="ctr"/>
+                    <a:r>
+                      <a:rPr lang="ko-KR" altLang="en-US" sz="1000" dirty="0">
+                        <a:solidFill>
+                          <a:sysClr val="windowText" lastClr="000000"/>
+                        </a:solidFill>
+                      </a:rPr>
+                      <a:t>그룹 정보 관리</a:t>
+                    </a:r>
+                  </a:p>
+                </p:txBody>
+              </p:sp>
+            </p:grpSp>
+            <p:grpSp>
+              <p:nvGrpSpPr>
+                <p:cNvPr id="27" name="그룹 26">
+                  <a:extLst>
+                    <a:ext uri="{FF2B5EF4-FFF2-40B4-BE49-F238E27FC236}">
+                      <a16:creationId xmlns:a16="http://schemas.microsoft.com/office/drawing/2014/main" id="{09A37288-91BB-E9E5-7EA5-8C2E655192B6}"/>
+                    </a:ext>
+                  </a:extLst>
+                </p:cNvPr>
+                <p:cNvGrpSpPr/>
+                <p:nvPr/>
+              </p:nvGrpSpPr>
+              <p:grpSpPr>
+                <a:xfrm>
+                  <a:off x="5482733" y="3695540"/>
+                  <a:ext cx="1215186" cy="1491603"/>
+                  <a:chOff x="4308874" y="3135003"/>
+                  <a:chExt cx="1215186" cy="1491603"/>
+                </a:xfrm>
+              </p:grpSpPr>
+              <p:grpSp>
+                <p:nvGrpSpPr>
+                  <p:cNvPr id="34" name="그룹 33">
+                    <a:extLst>
+                      <a:ext uri="{FF2B5EF4-FFF2-40B4-BE49-F238E27FC236}">
+                        <a16:creationId xmlns:a16="http://schemas.microsoft.com/office/drawing/2014/main" id="{9CDAABC7-BD29-0A8C-02E6-3205855FFB14}"/>
+                      </a:ext>
+                    </a:extLst>
+                  </p:cNvPr>
+                  <p:cNvGrpSpPr/>
+                  <p:nvPr/>
+                </p:nvGrpSpPr>
+                <p:grpSpPr>
+                  <a:xfrm>
+                    <a:off x="4308874" y="3135003"/>
+                    <a:ext cx="1215186" cy="1491603"/>
+                    <a:chOff x="-1735791" y="194728"/>
+                    <a:chExt cx="1657850" cy="1688608"/>
+                  </a:xfrm>
+                </p:grpSpPr>
+                <p:sp>
+                  <p:nvSpPr>
+                    <p:cNvPr id="48" name="직사각형 47">
+                      <a:extLst>
+                        <a:ext uri="{FF2B5EF4-FFF2-40B4-BE49-F238E27FC236}">
+                          <a16:creationId xmlns:a16="http://schemas.microsoft.com/office/drawing/2014/main" id="{60DF3DA3-FF00-5EEA-BA59-98E10BE41EC3}"/>
+                        </a:ext>
+                      </a:extLst>
+                    </p:cNvPr>
+                    <p:cNvSpPr/>
+                    <p:nvPr/>
+                  </p:nvSpPr>
+                  <p:spPr>
+                    <a:xfrm>
+                      <a:off x="-1735791" y="575037"/>
+                      <a:ext cx="1657850" cy="1308299"/>
+                    </a:xfrm>
+                    <a:prstGeom prst="rect">
+                      <a:avLst/>
+                    </a:prstGeom>
+                    <a:solidFill>
+                      <a:schemeClr val="bg1">
+                        <a:lumMod val="95000"/>
+                      </a:schemeClr>
+                    </a:solidFill>
+                    <a:ln>
+                      <a:solidFill>
+                        <a:schemeClr val="tx1"/>
+                      </a:solidFill>
+                    </a:ln>
+                  </p:spPr>
+                  <p:style>
+                    <a:lnRef idx="2">
+                      <a:schemeClr val="accent1">
+                        <a:shade val="50000"/>
+                      </a:schemeClr>
+                    </a:lnRef>
+                    <a:fillRef idx="1">
+                      <a:schemeClr val="accent1"/>
+                    </a:fillRef>
+                    <a:effectRef idx="0">
+                      <a:schemeClr val="accent1"/>
+                    </a:effectRef>
+                    <a:fontRef idx="minor">
+                      <a:schemeClr val="lt1"/>
+                    </a:fontRef>
+                  </p:style>
+                  <p:txBody>
+                    <a:bodyPr rtlCol="0" anchor="ctr"/>
+                    <a:lstStyle/>
+                    <a:p>
+                      <a:pPr algn="ctr"/>
+                      <a:endParaRPr lang="ko-KR" altLang="en-US">
+                        <a:solidFill>
+                          <a:schemeClr val="tx1"/>
+                        </a:solidFill>
+                      </a:endParaRPr>
+                    </a:p>
+                  </p:txBody>
+                </p:sp>
+                <p:sp>
+                  <p:nvSpPr>
+                    <p:cNvPr id="51" name="직사각형 50">
+                      <a:extLst>
+                        <a:ext uri="{FF2B5EF4-FFF2-40B4-BE49-F238E27FC236}">
+                          <a16:creationId xmlns:a16="http://schemas.microsoft.com/office/drawing/2014/main" id="{84E52204-86D7-A043-E9F9-BA5398DF1CE9}"/>
+                        </a:ext>
+                      </a:extLst>
+                    </p:cNvPr>
+                    <p:cNvSpPr/>
+                    <p:nvPr/>
+                  </p:nvSpPr>
+                  <p:spPr>
+                    <a:xfrm>
+                      <a:off x="-1735791" y="194728"/>
+                      <a:ext cx="1657850" cy="389734"/>
+                    </a:xfrm>
+                    <a:prstGeom prst="rect">
+                      <a:avLst/>
+                    </a:prstGeom>
+                    <a:solidFill>
+                      <a:schemeClr val="bg1">
+                        <a:lumMod val="75000"/>
+                      </a:schemeClr>
+                    </a:solidFill>
+                    <a:ln>
+                      <a:solidFill>
+                        <a:schemeClr val="tx1"/>
+                      </a:solidFill>
+                    </a:ln>
+                  </p:spPr>
+                  <p:style>
+                    <a:lnRef idx="2">
+                      <a:schemeClr val="accent1">
+                        <a:shade val="50000"/>
+                      </a:schemeClr>
+                    </a:lnRef>
+                    <a:fillRef idx="1">
+                      <a:schemeClr val="accent1"/>
+                    </a:fillRef>
+                    <a:effectRef idx="0">
+                      <a:schemeClr val="accent1"/>
+                    </a:effectRef>
+                    <a:fontRef idx="minor">
+                      <a:schemeClr val="lt1"/>
+                    </a:fontRef>
+                  </p:style>
+                  <p:txBody>
+                    <a:bodyPr rtlCol="0" anchor="ctr"/>
+                    <a:lstStyle/>
+                    <a:p>
+                      <a:pPr algn="ctr"/>
+                      <a:r>
+                        <a:rPr lang="ko-KR" altLang="en-US" sz="1200" b="1" dirty="0">
+                          <a:solidFill>
+                            <a:schemeClr val="tx1"/>
+                          </a:solidFill>
+                        </a:rPr>
+                        <a:t>환경 설정</a:t>
+                      </a:r>
+                    </a:p>
+                  </p:txBody>
+                </p:sp>
+              </p:grpSp>
+              <p:sp>
+                <p:nvSpPr>
+                  <p:cNvPr id="35" name="직사각형 34">
+                    <a:extLst>
+                      <a:ext uri="{FF2B5EF4-FFF2-40B4-BE49-F238E27FC236}">
+                        <a16:creationId xmlns:a16="http://schemas.microsoft.com/office/drawing/2014/main" id="{D3ED8688-5036-9E84-33ED-552895BBE377}"/>
+                      </a:ext>
+                    </a:extLst>
+                  </p:cNvPr>
+                  <p:cNvSpPr/>
+                  <p:nvPr/>
+                </p:nvSpPr>
+                <p:spPr>
+                  <a:xfrm>
+                    <a:off x="4385704" y="3587938"/>
+                    <a:ext cx="1080000" cy="432000"/>
+                  </a:xfrm>
+                  <a:prstGeom prst="rect">
+                    <a:avLst/>
+                  </a:prstGeom>
+                  <a:solidFill>
+                    <a:schemeClr val="tx2">
+                      <a:lumMod val="20000"/>
+                      <a:lumOff val="80000"/>
+                    </a:schemeClr>
+                  </a:solidFill>
+                  <a:ln>
+                    <a:solidFill>
+                      <a:schemeClr val="tx1"/>
+                    </a:solidFill>
+                  </a:ln>
+                </p:spPr>
+                <p:style>
+                  <a:lnRef idx="2">
+                    <a:schemeClr val="accent1">
+                      <a:shade val="50000"/>
+                    </a:schemeClr>
+                  </a:lnRef>
+                  <a:fillRef idx="1">
+                    <a:schemeClr val="accent1"/>
+                  </a:fillRef>
+                  <a:effectRef idx="0">
+                    <a:schemeClr val="accent1"/>
+                  </a:effectRef>
+                  <a:fontRef idx="minor">
+                    <a:schemeClr val="lt1"/>
+                  </a:fontRef>
+                </p:style>
+                <p:txBody>
+                  <a:bodyPr rtlCol="0" anchor="ctr"/>
+                  <a:lstStyle/>
+                  <a:p>
+                    <a:pPr algn="ctr"/>
+                    <a:r>
+                      <a:rPr lang="ko-KR" altLang="en-US" sz="1000" dirty="0">
+                        <a:solidFill>
+                          <a:sysClr val="windowText" lastClr="000000"/>
+                        </a:solidFill>
+                      </a:rPr>
+                      <a:t>개인 설정</a:t>
+                    </a:r>
+                  </a:p>
+                </p:txBody>
+              </p:sp>
+              <p:sp>
+                <p:nvSpPr>
+                  <p:cNvPr id="45" name="직사각형 44">
+                    <a:extLst>
+                      <a:ext uri="{FF2B5EF4-FFF2-40B4-BE49-F238E27FC236}">
+                        <a16:creationId xmlns:a16="http://schemas.microsoft.com/office/drawing/2014/main" id="{9256B804-26B4-8DBE-4922-DB6E665CCE86}"/>
+                      </a:ext>
+                    </a:extLst>
+                  </p:cNvPr>
+                  <p:cNvSpPr/>
+                  <p:nvPr/>
+                </p:nvSpPr>
+                <p:spPr>
+                  <a:xfrm>
+                    <a:off x="4385704" y="4101034"/>
+                    <a:ext cx="1080000" cy="432000"/>
+                  </a:xfrm>
+                  <a:prstGeom prst="rect">
+                    <a:avLst/>
+                  </a:prstGeom>
+                  <a:solidFill>
+                    <a:schemeClr val="tx2">
+                      <a:lumMod val="20000"/>
+                      <a:lumOff val="80000"/>
+                    </a:schemeClr>
+                  </a:solidFill>
+                  <a:ln>
+                    <a:solidFill>
+                      <a:schemeClr val="tx1"/>
+                    </a:solidFill>
+                  </a:ln>
+                </p:spPr>
+                <p:style>
+                  <a:lnRef idx="2">
+                    <a:schemeClr val="accent1">
+                      <a:shade val="50000"/>
+                    </a:schemeClr>
+                  </a:lnRef>
+                  <a:fillRef idx="1">
+                    <a:schemeClr val="accent1"/>
+                  </a:fillRef>
+                  <a:effectRef idx="0">
+                    <a:schemeClr val="accent1"/>
+                  </a:effectRef>
+                  <a:fontRef idx="minor">
+                    <a:schemeClr val="lt1"/>
+                  </a:fontRef>
+                </p:style>
+                <p:txBody>
+                  <a:bodyPr rtlCol="0" anchor="ctr"/>
+                  <a:lstStyle/>
+                  <a:p>
+                    <a:pPr algn="ctr"/>
+                    <a:r>
+                      <a:rPr lang="ko-KR" altLang="en-US" sz="1000" dirty="0">
+                        <a:solidFill>
+                          <a:sysClr val="windowText" lastClr="000000"/>
+                        </a:solidFill>
+                      </a:rPr>
+                      <a:t>그룹 설정</a:t>
+                    </a:r>
+                  </a:p>
+                </p:txBody>
+              </p:sp>
+            </p:grpSp>
+            <p:grpSp>
+              <p:nvGrpSpPr>
+                <p:cNvPr id="67" name="그룹 66">
+                  <a:extLst>
+                    <a:ext uri="{FF2B5EF4-FFF2-40B4-BE49-F238E27FC236}">
+                      <a16:creationId xmlns:a16="http://schemas.microsoft.com/office/drawing/2014/main" id="{FAFD0221-D003-B947-670A-2A3C652A37AE}"/>
+                    </a:ext>
+                  </a:extLst>
+                </p:cNvPr>
+                <p:cNvGrpSpPr/>
+                <p:nvPr/>
+              </p:nvGrpSpPr>
+              <p:grpSpPr>
+                <a:xfrm>
+                  <a:off x="4193681" y="3695540"/>
+                  <a:ext cx="1215186" cy="1491603"/>
+                  <a:chOff x="4308874" y="3135003"/>
+                  <a:chExt cx="1215186" cy="1491603"/>
+                </a:xfrm>
+              </p:grpSpPr>
+              <p:grpSp>
+                <p:nvGrpSpPr>
+                  <p:cNvPr id="68" name="그룹 67">
+                    <a:extLst>
+                      <a:ext uri="{FF2B5EF4-FFF2-40B4-BE49-F238E27FC236}">
+                        <a16:creationId xmlns:a16="http://schemas.microsoft.com/office/drawing/2014/main" id="{7D23BBF5-9A76-DAA2-2A5B-967087A59DDD}"/>
+                      </a:ext>
+                    </a:extLst>
+                  </p:cNvPr>
+                  <p:cNvGrpSpPr/>
+                  <p:nvPr/>
+                </p:nvGrpSpPr>
+                <p:grpSpPr>
+                  <a:xfrm>
+                    <a:off x="4308874" y="3135003"/>
+                    <a:ext cx="1215186" cy="1491603"/>
+                    <a:chOff x="-1735791" y="194728"/>
+                    <a:chExt cx="1657850" cy="1688608"/>
+                  </a:xfrm>
+                </p:grpSpPr>
+                <p:sp>
+                  <p:nvSpPr>
+                    <p:cNvPr id="77" name="직사각형 76">
+                      <a:extLst>
+                        <a:ext uri="{FF2B5EF4-FFF2-40B4-BE49-F238E27FC236}">
+                          <a16:creationId xmlns:a16="http://schemas.microsoft.com/office/drawing/2014/main" id="{BBC5D8AA-4C96-91A6-509F-2DC781A9D496}"/>
+                        </a:ext>
+                      </a:extLst>
+                    </p:cNvPr>
+                    <p:cNvSpPr/>
+                    <p:nvPr/>
+                  </p:nvSpPr>
+                  <p:spPr>
+                    <a:xfrm>
+                      <a:off x="-1735791" y="575037"/>
+                      <a:ext cx="1657850" cy="1308299"/>
+                    </a:xfrm>
+                    <a:prstGeom prst="rect">
+                      <a:avLst/>
+                    </a:prstGeom>
+                    <a:solidFill>
+                      <a:schemeClr val="bg1">
+                        <a:lumMod val="95000"/>
+                      </a:schemeClr>
+                    </a:solidFill>
+                    <a:ln>
+                      <a:solidFill>
+                        <a:schemeClr val="tx1"/>
+                      </a:solidFill>
+                    </a:ln>
+                  </p:spPr>
+                  <p:style>
+                    <a:lnRef idx="2">
+                      <a:schemeClr val="accent1">
+                        <a:shade val="50000"/>
+                      </a:schemeClr>
+                    </a:lnRef>
+                    <a:fillRef idx="1">
+                      <a:schemeClr val="accent1"/>
+                    </a:fillRef>
+                    <a:effectRef idx="0">
+                      <a:schemeClr val="accent1"/>
+                    </a:effectRef>
+                    <a:fontRef idx="minor">
+                      <a:schemeClr val="lt1"/>
+                    </a:fontRef>
+                  </p:style>
+                  <p:txBody>
+                    <a:bodyPr rtlCol="0" anchor="ctr"/>
+                    <a:lstStyle/>
+                    <a:p>
+                      <a:pPr algn="ctr"/>
+                      <a:endParaRPr lang="ko-KR" altLang="en-US">
+                        <a:solidFill>
+                          <a:schemeClr val="tx1"/>
+                        </a:solidFill>
+                      </a:endParaRPr>
+                    </a:p>
+                  </p:txBody>
+                </p:sp>
+                <p:sp>
+                  <p:nvSpPr>
+                    <p:cNvPr id="78" name="직사각형 77">
+                      <a:extLst>
+                        <a:ext uri="{FF2B5EF4-FFF2-40B4-BE49-F238E27FC236}">
+                          <a16:creationId xmlns:a16="http://schemas.microsoft.com/office/drawing/2014/main" id="{80BA72A6-86E0-C162-B5B1-EAFAF2755115}"/>
+                        </a:ext>
+                      </a:extLst>
+                    </p:cNvPr>
+                    <p:cNvSpPr/>
+                    <p:nvPr/>
+                  </p:nvSpPr>
+                  <p:spPr>
+                    <a:xfrm>
+                      <a:off x="-1735791" y="194728"/>
+                      <a:ext cx="1657850" cy="389734"/>
+                    </a:xfrm>
+                    <a:prstGeom prst="rect">
+                      <a:avLst/>
+                    </a:prstGeom>
+                    <a:solidFill>
+                      <a:schemeClr val="bg1">
+                        <a:lumMod val="75000"/>
+                      </a:schemeClr>
+                    </a:solidFill>
+                    <a:ln>
+                      <a:solidFill>
+                        <a:schemeClr val="tx1"/>
+                      </a:solidFill>
+                    </a:ln>
+                  </p:spPr>
+                  <p:style>
+                    <a:lnRef idx="2">
+                      <a:schemeClr val="accent1">
+                        <a:shade val="50000"/>
+                      </a:schemeClr>
+                    </a:lnRef>
+                    <a:fillRef idx="1">
+                      <a:schemeClr val="accent1"/>
+                    </a:fillRef>
+                    <a:effectRef idx="0">
+                      <a:schemeClr val="accent1"/>
+                    </a:effectRef>
+                    <a:fontRef idx="minor">
+                      <a:schemeClr val="lt1"/>
+                    </a:fontRef>
+                  </p:style>
+                  <p:txBody>
+                    <a:bodyPr rtlCol="0" anchor="ctr"/>
+                    <a:lstStyle/>
+                    <a:p>
+                      <a:pPr algn="ctr"/>
+                      <a:r>
+                        <a:rPr lang="ko-KR" altLang="en-US" sz="1200" b="1" dirty="0">
+                          <a:solidFill>
+                            <a:schemeClr val="tx1"/>
+                          </a:solidFill>
+                        </a:rPr>
+                        <a:t>일정 관리</a:t>
+                      </a:r>
+                    </a:p>
+                  </p:txBody>
+                </p:sp>
+              </p:grpSp>
+              <p:sp>
+                <p:nvSpPr>
+                  <p:cNvPr id="69" name="직사각형 68">
+                    <a:extLst>
+                      <a:ext uri="{FF2B5EF4-FFF2-40B4-BE49-F238E27FC236}">
+                        <a16:creationId xmlns:a16="http://schemas.microsoft.com/office/drawing/2014/main" id="{66AF11DA-8960-8164-3933-1D8F8608EF74}"/>
+                      </a:ext>
+                    </a:extLst>
+                  </p:cNvPr>
+                  <p:cNvSpPr/>
+                  <p:nvPr/>
+                </p:nvSpPr>
+                <p:spPr>
+                  <a:xfrm>
+                    <a:off x="4385704" y="3587938"/>
+                    <a:ext cx="1080000" cy="432000"/>
+                  </a:xfrm>
+                  <a:prstGeom prst="rect">
+                    <a:avLst/>
+                  </a:prstGeom>
+                  <a:solidFill>
+                    <a:schemeClr val="tx2">
+                      <a:lumMod val="20000"/>
+                      <a:lumOff val="80000"/>
+                    </a:schemeClr>
+                  </a:solidFill>
+                  <a:ln>
+                    <a:solidFill>
+                      <a:schemeClr val="tx1"/>
+                    </a:solidFill>
+                  </a:ln>
+                </p:spPr>
+                <p:style>
+                  <a:lnRef idx="2">
+                    <a:schemeClr val="accent1">
+                      <a:shade val="50000"/>
+                    </a:schemeClr>
+                  </a:lnRef>
+                  <a:fillRef idx="1">
+                    <a:schemeClr val="accent1"/>
+                  </a:fillRef>
+                  <a:effectRef idx="0">
+                    <a:schemeClr val="accent1"/>
+                  </a:effectRef>
+                  <a:fontRef idx="minor">
+                    <a:schemeClr val="lt1"/>
+                  </a:fontRef>
+                </p:style>
+                <p:txBody>
+                  <a:bodyPr rtlCol="0" anchor="ctr"/>
+                  <a:lstStyle/>
+                  <a:p>
+                    <a:pPr algn="ctr"/>
+                    <a:r>
+                      <a:rPr lang="ko-KR" altLang="en-US" sz="1000" dirty="0">
+                        <a:solidFill>
+                          <a:sysClr val="windowText" lastClr="000000"/>
+                        </a:solidFill>
+                      </a:rPr>
+                      <a:t>일정 등록</a:t>
+                    </a:r>
+                  </a:p>
+                </p:txBody>
+              </p:sp>
+              <p:sp>
+                <p:nvSpPr>
+                  <p:cNvPr id="73" name="직사각형 72">
+                    <a:extLst>
+                      <a:ext uri="{FF2B5EF4-FFF2-40B4-BE49-F238E27FC236}">
+                        <a16:creationId xmlns:a16="http://schemas.microsoft.com/office/drawing/2014/main" id="{D32A7420-FAD4-9E0C-483D-203798FFAC69}"/>
+                      </a:ext>
+                    </a:extLst>
+                  </p:cNvPr>
+                  <p:cNvSpPr/>
+                  <p:nvPr/>
+                </p:nvSpPr>
+                <p:spPr>
+                  <a:xfrm>
+                    <a:off x="4385704" y="4101034"/>
+                    <a:ext cx="1080000" cy="432000"/>
+                  </a:xfrm>
+                  <a:prstGeom prst="rect">
+                    <a:avLst/>
+                  </a:prstGeom>
+                  <a:solidFill>
+                    <a:schemeClr val="tx2">
+                      <a:lumMod val="20000"/>
+                      <a:lumOff val="80000"/>
+                    </a:schemeClr>
+                  </a:solidFill>
+                  <a:ln>
+                    <a:solidFill>
+                      <a:schemeClr val="tx1"/>
+                    </a:solidFill>
+                  </a:ln>
+                </p:spPr>
+                <p:style>
+                  <a:lnRef idx="2">
+                    <a:schemeClr val="accent1">
+                      <a:shade val="50000"/>
+                    </a:schemeClr>
+                  </a:lnRef>
+                  <a:fillRef idx="1">
+                    <a:schemeClr val="accent1"/>
+                  </a:fillRef>
+                  <a:effectRef idx="0">
+                    <a:schemeClr val="accent1"/>
+                  </a:effectRef>
+                  <a:fontRef idx="minor">
+                    <a:schemeClr val="lt1"/>
+                  </a:fontRef>
+                </p:style>
+                <p:txBody>
+                  <a:bodyPr rtlCol="0" anchor="ctr"/>
+                  <a:lstStyle/>
+                  <a:p>
+                    <a:pPr algn="ctr"/>
+                    <a:r>
+                      <a:rPr lang="ko-KR" altLang="en-US" sz="1000" dirty="0">
+                        <a:solidFill>
+                          <a:sysClr val="windowText" lastClr="000000"/>
+                        </a:solidFill>
+                      </a:rPr>
+                      <a:t>일</a:t>
+                    </a:r>
+                    <a:r>
+                      <a:rPr lang="en-US" altLang="ko-KR" sz="1000" dirty="0">
+                        <a:solidFill>
+                          <a:sysClr val="windowText" lastClr="000000"/>
+                        </a:solidFill>
+                      </a:rPr>
+                      <a:t>/</a:t>
+                    </a:r>
+                    <a:r>
+                      <a:rPr lang="ko-KR" altLang="en-US" sz="1000" dirty="0">
+                        <a:solidFill>
+                          <a:sysClr val="windowText" lastClr="000000"/>
+                        </a:solidFill>
+                      </a:rPr>
+                      <a:t>주</a:t>
+                    </a:r>
+                    <a:r>
+                      <a:rPr lang="en-US" altLang="ko-KR" sz="1000" dirty="0">
+                        <a:solidFill>
+                          <a:sysClr val="windowText" lastClr="000000"/>
+                        </a:solidFill>
+                      </a:rPr>
+                      <a:t>/</a:t>
+                    </a:r>
+                    <a:r>
+                      <a:rPr lang="ko-KR" altLang="en-US" sz="1000" dirty="0">
+                        <a:solidFill>
+                          <a:sysClr val="windowText" lastClr="000000"/>
+                        </a:solidFill>
+                      </a:rPr>
+                      <a:t>월</a:t>
+                    </a:r>
+                    <a:endParaRPr lang="en-US" altLang="ko-KR" sz="1000" dirty="0">
+                      <a:solidFill>
+                        <a:sysClr val="windowText" lastClr="000000"/>
+                      </a:solidFill>
+                    </a:endParaRPr>
+                  </a:p>
+                  <a:p>
+                    <a:pPr algn="ctr"/>
+                    <a:r>
+                      <a:rPr lang="ko-KR" altLang="en-US" sz="1000" dirty="0">
+                        <a:solidFill>
+                          <a:sysClr val="windowText" lastClr="000000"/>
+                        </a:solidFill>
+                      </a:rPr>
+                      <a:t>일정 관리</a:t>
+                    </a:r>
+                  </a:p>
+                </p:txBody>
+              </p:sp>
+            </p:grpSp>
+            <p:grpSp>
+              <p:nvGrpSpPr>
+                <p:cNvPr id="81" name="그룹 80">
+                  <a:extLst>
+                    <a:ext uri="{FF2B5EF4-FFF2-40B4-BE49-F238E27FC236}">
+                      <a16:creationId xmlns:a16="http://schemas.microsoft.com/office/drawing/2014/main" id="{A4221E2C-5774-EFA0-8B28-58514714CA61}"/>
+                    </a:ext>
+                  </a:extLst>
+                </p:cNvPr>
+                <p:cNvGrpSpPr/>
+                <p:nvPr/>
+              </p:nvGrpSpPr>
+              <p:grpSpPr>
+                <a:xfrm>
+                  <a:off x="8060835" y="2090103"/>
+                  <a:ext cx="1215186" cy="1491603"/>
+                  <a:chOff x="4308874" y="3135003"/>
+                  <a:chExt cx="1215186" cy="1491603"/>
+                </a:xfrm>
+              </p:grpSpPr>
+              <p:grpSp>
+                <p:nvGrpSpPr>
+                  <p:cNvPr id="83" name="그룹 82">
+                    <a:extLst>
+                      <a:ext uri="{FF2B5EF4-FFF2-40B4-BE49-F238E27FC236}">
+                        <a16:creationId xmlns:a16="http://schemas.microsoft.com/office/drawing/2014/main" id="{D88ACF20-6ED0-71F3-102B-6AB097D27C8E}"/>
+                      </a:ext>
+                    </a:extLst>
+                  </p:cNvPr>
+                  <p:cNvGrpSpPr/>
+                  <p:nvPr/>
+                </p:nvGrpSpPr>
+                <p:grpSpPr>
+                  <a:xfrm>
+                    <a:off x="4308874" y="3135003"/>
+                    <a:ext cx="1215186" cy="1491603"/>
+                    <a:chOff x="-1735791" y="194728"/>
+                    <a:chExt cx="1657850" cy="1688608"/>
+                  </a:xfrm>
+                </p:grpSpPr>
+                <p:sp>
+                  <p:nvSpPr>
+                    <p:cNvPr id="86" name="직사각형 85">
+                      <a:extLst>
+                        <a:ext uri="{FF2B5EF4-FFF2-40B4-BE49-F238E27FC236}">
+                          <a16:creationId xmlns:a16="http://schemas.microsoft.com/office/drawing/2014/main" id="{48E1419B-8E4D-D218-A844-8982996B475E}"/>
+                        </a:ext>
+                      </a:extLst>
+                    </p:cNvPr>
+                    <p:cNvSpPr/>
+                    <p:nvPr/>
+                  </p:nvSpPr>
+                  <p:spPr>
+                    <a:xfrm>
+                      <a:off x="-1735791" y="575037"/>
+                      <a:ext cx="1657850" cy="1308299"/>
+                    </a:xfrm>
+                    <a:prstGeom prst="rect">
+                      <a:avLst/>
+                    </a:prstGeom>
+                    <a:solidFill>
+                      <a:schemeClr val="bg1">
+                        <a:lumMod val="95000"/>
+                      </a:schemeClr>
+                    </a:solidFill>
+                    <a:ln>
+                      <a:solidFill>
+                        <a:schemeClr val="tx1"/>
+                      </a:solidFill>
+                    </a:ln>
+                  </p:spPr>
+                  <p:style>
+                    <a:lnRef idx="2">
+                      <a:schemeClr val="accent1">
+                        <a:shade val="50000"/>
+                      </a:schemeClr>
+                    </a:lnRef>
+                    <a:fillRef idx="1">
+                      <a:schemeClr val="accent1"/>
+                    </a:fillRef>
+                    <a:effectRef idx="0">
+                      <a:schemeClr val="accent1"/>
+                    </a:effectRef>
+                    <a:fontRef idx="minor">
+                      <a:schemeClr val="lt1"/>
+                    </a:fontRef>
+                  </p:style>
+                  <p:txBody>
+                    <a:bodyPr rtlCol="0" anchor="ctr"/>
+                    <a:lstStyle/>
+                    <a:p>
+                      <a:pPr algn="ctr"/>
+                      <a:endParaRPr lang="ko-KR" altLang="en-US">
+                        <a:solidFill>
+                          <a:schemeClr val="tx1"/>
+                        </a:solidFill>
+                      </a:endParaRPr>
+                    </a:p>
+                  </p:txBody>
+                </p:sp>
+                <p:sp>
+                  <p:nvSpPr>
+                    <p:cNvPr id="87" name="직사각형 86">
+                      <a:extLst>
+                        <a:ext uri="{FF2B5EF4-FFF2-40B4-BE49-F238E27FC236}">
+                          <a16:creationId xmlns:a16="http://schemas.microsoft.com/office/drawing/2014/main" id="{CA356AC2-97CB-32F0-5BEF-FD65F19DE0AB}"/>
+                        </a:ext>
+                      </a:extLst>
+                    </p:cNvPr>
+                    <p:cNvSpPr/>
+                    <p:nvPr/>
+                  </p:nvSpPr>
+                  <p:spPr>
+                    <a:xfrm>
+                      <a:off x="-1735791" y="194728"/>
+                      <a:ext cx="1657850" cy="389734"/>
+                    </a:xfrm>
+                    <a:prstGeom prst="rect">
+                      <a:avLst/>
+                    </a:prstGeom>
+                    <a:solidFill>
+                      <a:schemeClr val="bg1">
+                        <a:lumMod val="75000"/>
+                      </a:schemeClr>
+                    </a:solidFill>
+                    <a:ln>
+                      <a:solidFill>
+                        <a:schemeClr val="tx1"/>
+                      </a:solidFill>
+                    </a:ln>
+                  </p:spPr>
+                  <p:style>
+                    <a:lnRef idx="2">
+                      <a:schemeClr val="accent1">
+                        <a:shade val="50000"/>
+                      </a:schemeClr>
+                    </a:lnRef>
+                    <a:fillRef idx="1">
+                      <a:schemeClr val="accent1"/>
+                    </a:fillRef>
+                    <a:effectRef idx="0">
+                      <a:schemeClr val="accent1"/>
+                    </a:effectRef>
+                    <a:fontRef idx="minor">
+                      <a:schemeClr val="lt1"/>
+                    </a:fontRef>
+                  </p:style>
+                  <p:txBody>
+                    <a:bodyPr rtlCol="0" anchor="ctr"/>
+                    <a:lstStyle/>
+                    <a:p>
+                      <a:pPr algn="ctr"/>
+                      <a:r>
+                        <a:rPr lang="ko-KR" altLang="en-US" sz="1200" b="1" dirty="0">
+                          <a:solidFill>
+                            <a:schemeClr val="tx1"/>
+                          </a:solidFill>
+                        </a:rPr>
+                        <a:t>그룹 관리</a:t>
+                      </a:r>
+                    </a:p>
+                  </p:txBody>
+                </p:sp>
+              </p:grpSp>
+              <p:sp>
+                <p:nvSpPr>
+                  <p:cNvPr id="84" name="직사각형 83">
+                    <a:extLst>
+                      <a:ext uri="{FF2B5EF4-FFF2-40B4-BE49-F238E27FC236}">
+                        <a16:creationId xmlns:a16="http://schemas.microsoft.com/office/drawing/2014/main" id="{AD769FED-3E0C-C9D3-0397-BBE784FA0C25}"/>
+                      </a:ext>
+                    </a:extLst>
+                  </p:cNvPr>
+                  <p:cNvSpPr/>
+                  <p:nvPr/>
+                </p:nvSpPr>
+                <p:spPr>
+                  <a:xfrm>
+                    <a:off x="4385704" y="3587938"/>
+                    <a:ext cx="1080000" cy="432000"/>
+                  </a:xfrm>
+                  <a:prstGeom prst="rect">
+                    <a:avLst/>
+                  </a:prstGeom>
+                  <a:solidFill>
+                    <a:schemeClr val="tx2">
+                      <a:lumMod val="20000"/>
+                      <a:lumOff val="80000"/>
+                    </a:schemeClr>
+                  </a:solidFill>
+                  <a:ln>
+                    <a:solidFill>
+                      <a:schemeClr val="tx1"/>
+                    </a:solidFill>
+                  </a:ln>
+                </p:spPr>
+                <p:style>
+                  <a:lnRef idx="2">
+                    <a:schemeClr val="accent1">
+                      <a:shade val="50000"/>
+                    </a:schemeClr>
+                  </a:lnRef>
+                  <a:fillRef idx="1">
+                    <a:schemeClr val="accent1"/>
+                  </a:fillRef>
+                  <a:effectRef idx="0">
+                    <a:schemeClr val="accent1"/>
+                  </a:effectRef>
+                  <a:fontRef idx="minor">
+                    <a:schemeClr val="lt1"/>
+                  </a:fontRef>
+                </p:style>
+                <p:txBody>
+                  <a:bodyPr rtlCol="0" anchor="ctr"/>
+                  <a:lstStyle/>
+                  <a:p>
+                    <a:pPr algn="ctr"/>
+                    <a:r>
+                      <a:rPr lang="ko-KR" altLang="en-US" sz="1000" dirty="0" err="1">
+                        <a:solidFill>
+                          <a:sysClr val="windowText" lastClr="000000"/>
+                        </a:solidFill>
+                      </a:rPr>
+                      <a:t>그룹원</a:t>
+                    </a:r>
+                    <a:r>
+                      <a:rPr lang="ko-KR" altLang="en-US" sz="1000" dirty="0">
+                        <a:solidFill>
+                          <a:sysClr val="windowText" lastClr="000000"/>
+                        </a:solidFill>
+                      </a:rPr>
+                      <a:t> 등록</a:t>
+                    </a:r>
+                  </a:p>
+                </p:txBody>
+              </p:sp>
+              <p:sp>
+                <p:nvSpPr>
+                  <p:cNvPr id="85" name="직사각형 84">
+                    <a:extLst>
+                      <a:ext uri="{FF2B5EF4-FFF2-40B4-BE49-F238E27FC236}">
+                        <a16:creationId xmlns:a16="http://schemas.microsoft.com/office/drawing/2014/main" id="{3A04B950-5429-53D0-7711-7A0389A01665}"/>
+                      </a:ext>
+                    </a:extLst>
+                  </p:cNvPr>
+                  <p:cNvSpPr/>
+                  <p:nvPr/>
+                </p:nvSpPr>
+                <p:spPr>
+                  <a:xfrm>
+                    <a:off x="4385704" y="4101034"/>
+                    <a:ext cx="1080000" cy="432000"/>
+                  </a:xfrm>
+                  <a:prstGeom prst="rect">
+                    <a:avLst/>
+                  </a:prstGeom>
+                  <a:solidFill>
+                    <a:schemeClr val="tx2">
+                      <a:lumMod val="20000"/>
+                      <a:lumOff val="80000"/>
+                    </a:schemeClr>
+                  </a:solidFill>
+                  <a:ln>
+                    <a:solidFill>
+                      <a:schemeClr val="tx1"/>
+                    </a:solidFill>
+                  </a:ln>
+                </p:spPr>
+                <p:style>
+                  <a:lnRef idx="2">
+                    <a:schemeClr val="accent1">
+                      <a:shade val="50000"/>
+                    </a:schemeClr>
+                  </a:lnRef>
+                  <a:fillRef idx="1">
+                    <a:schemeClr val="accent1"/>
+                  </a:fillRef>
+                  <a:effectRef idx="0">
+                    <a:schemeClr val="accent1"/>
+                  </a:effectRef>
+                  <a:fontRef idx="minor">
+                    <a:schemeClr val="lt1"/>
+                  </a:fontRef>
+                </p:style>
+                <p:txBody>
+                  <a:bodyPr rtlCol="0" anchor="ctr"/>
+                  <a:lstStyle/>
+                  <a:p>
+                    <a:pPr algn="ctr"/>
+                    <a:r>
+                      <a:rPr lang="ko-KR" altLang="en-US" sz="1000" dirty="0" err="1">
+                        <a:solidFill>
+                          <a:sysClr val="windowText" lastClr="000000"/>
+                        </a:solidFill>
+                      </a:rPr>
+                      <a:t>그룹원</a:t>
+                    </a:r>
+                    <a:r>
+                      <a:rPr lang="ko-KR" altLang="en-US" sz="1000" dirty="0">
+                        <a:solidFill>
+                          <a:sysClr val="windowText" lastClr="000000"/>
+                        </a:solidFill>
+                      </a:rPr>
+                      <a:t> 관리</a:t>
+                    </a:r>
+                  </a:p>
+                </p:txBody>
+              </p:sp>
+            </p:grpSp>
+            <p:grpSp>
+              <p:nvGrpSpPr>
+                <p:cNvPr id="88" name="그룹 87">
+                  <a:extLst>
+                    <a:ext uri="{FF2B5EF4-FFF2-40B4-BE49-F238E27FC236}">
+                      <a16:creationId xmlns:a16="http://schemas.microsoft.com/office/drawing/2014/main" id="{06E319CD-6347-3966-3996-34A08002A630}"/>
+                    </a:ext>
+                  </a:extLst>
+                </p:cNvPr>
+                <p:cNvGrpSpPr/>
+                <p:nvPr/>
+              </p:nvGrpSpPr>
+              <p:grpSpPr>
+                <a:xfrm>
+                  <a:off x="5482733" y="2090103"/>
+                  <a:ext cx="1215186" cy="1491603"/>
+                  <a:chOff x="4308874" y="3135003"/>
+                  <a:chExt cx="1215186" cy="1491603"/>
+                </a:xfrm>
+              </p:grpSpPr>
+              <p:grpSp>
+                <p:nvGrpSpPr>
+                  <p:cNvPr id="89" name="그룹 88">
+                    <a:extLst>
+                      <a:ext uri="{FF2B5EF4-FFF2-40B4-BE49-F238E27FC236}">
+                        <a16:creationId xmlns:a16="http://schemas.microsoft.com/office/drawing/2014/main" id="{D73CBC43-B042-179D-A459-E8C3D72BA5B6}"/>
+                      </a:ext>
+                    </a:extLst>
+                  </p:cNvPr>
+                  <p:cNvGrpSpPr/>
+                  <p:nvPr/>
+                </p:nvGrpSpPr>
+                <p:grpSpPr>
+                  <a:xfrm>
+                    <a:off x="4308874" y="3135003"/>
+                    <a:ext cx="1215186" cy="1491603"/>
+                    <a:chOff x="-1735791" y="194728"/>
+                    <a:chExt cx="1657850" cy="1688608"/>
+                  </a:xfrm>
+                </p:grpSpPr>
+                <p:sp>
+                  <p:nvSpPr>
+                    <p:cNvPr id="92" name="직사각형 91">
+                      <a:extLst>
+                        <a:ext uri="{FF2B5EF4-FFF2-40B4-BE49-F238E27FC236}">
+                          <a16:creationId xmlns:a16="http://schemas.microsoft.com/office/drawing/2014/main" id="{EF3A27D2-713F-94CE-88A2-C4A6E3B9E8D6}"/>
+                        </a:ext>
+                      </a:extLst>
+                    </p:cNvPr>
+                    <p:cNvSpPr/>
+                    <p:nvPr/>
+                  </p:nvSpPr>
+                  <p:spPr>
+                    <a:xfrm>
+                      <a:off x="-1735791" y="575037"/>
+                      <a:ext cx="1657850" cy="1308299"/>
+                    </a:xfrm>
+                    <a:prstGeom prst="rect">
+                      <a:avLst/>
+                    </a:prstGeom>
+                    <a:solidFill>
+                      <a:schemeClr val="bg1">
+                        <a:lumMod val="95000"/>
+                      </a:schemeClr>
+                    </a:solidFill>
+                    <a:ln>
+                      <a:solidFill>
+                        <a:schemeClr val="tx1"/>
+                      </a:solidFill>
+                    </a:ln>
+                  </p:spPr>
+                  <p:style>
+                    <a:lnRef idx="2">
+                      <a:schemeClr val="accent1">
+                        <a:shade val="50000"/>
+                      </a:schemeClr>
+                    </a:lnRef>
+                    <a:fillRef idx="1">
+                      <a:schemeClr val="accent1"/>
+                    </a:fillRef>
+                    <a:effectRef idx="0">
+                      <a:schemeClr val="accent1"/>
+                    </a:effectRef>
+                    <a:fontRef idx="minor">
+                      <a:schemeClr val="lt1"/>
+                    </a:fontRef>
+                  </p:style>
+                  <p:txBody>
+                    <a:bodyPr rtlCol="0" anchor="ctr"/>
+                    <a:lstStyle/>
+                    <a:p>
+                      <a:pPr algn="ctr"/>
+                      <a:endParaRPr lang="ko-KR" altLang="en-US">
+                        <a:solidFill>
+                          <a:schemeClr val="tx1"/>
+                        </a:solidFill>
+                      </a:endParaRPr>
+                    </a:p>
+                  </p:txBody>
+                </p:sp>
+                <p:sp>
+                  <p:nvSpPr>
+                    <p:cNvPr id="93" name="직사각형 92">
+                      <a:extLst>
+                        <a:ext uri="{FF2B5EF4-FFF2-40B4-BE49-F238E27FC236}">
+                          <a16:creationId xmlns:a16="http://schemas.microsoft.com/office/drawing/2014/main" id="{2B3EA089-8862-9342-18BC-7BF8DAB195EF}"/>
+                        </a:ext>
+                      </a:extLst>
+                    </p:cNvPr>
+                    <p:cNvSpPr/>
+                    <p:nvPr/>
+                  </p:nvSpPr>
+                  <p:spPr>
+                    <a:xfrm>
+                      <a:off x="-1735791" y="194728"/>
+                      <a:ext cx="1657850" cy="389734"/>
+                    </a:xfrm>
+                    <a:prstGeom prst="rect">
+                      <a:avLst/>
+                    </a:prstGeom>
+                    <a:solidFill>
+                      <a:schemeClr val="bg1">
+                        <a:lumMod val="75000"/>
+                      </a:schemeClr>
+                    </a:solidFill>
+                    <a:ln>
+                      <a:solidFill>
+                        <a:schemeClr val="tx1"/>
+                      </a:solidFill>
+                    </a:ln>
+                  </p:spPr>
+                  <p:style>
+                    <a:lnRef idx="2">
+                      <a:schemeClr val="accent1">
+                        <a:shade val="50000"/>
+                      </a:schemeClr>
+                    </a:lnRef>
+                    <a:fillRef idx="1">
+                      <a:schemeClr val="accent1"/>
+                    </a:fillRef>
+                    <a:effectRef idx="0">
+                      <a:schemeClr val="accent1"/>
+                    </a:effectRef>
+                    <a:fontRef idx="minor">
+                      <a:schemeClr val="lt1"/>
+                    </a:fontRef>
+                  </p:style>
+                  <p:txBody>
+                    <a:bodyPr rtlCol="0" anchor="ctr"/>
+                    <a:lstStyle/>
+                    <a:p>
+                      <a:pPr algn="ctr"/>
+                      <a:r>
+                        <a:rPr lang="ko-KR" altLang="en-US" sz="1200" b="1" dirty="0">
+                          <a:solidFill>
+                            <a:schemeClr val="tx1"/>
+                          </a:solidFill>
+                        </a:rPr>
+                        <a:t>통합 검색</a:t>
+                      </a:r>
+                    </a:p>
+                  </p:txBody>
+                </p:sp>
+              </p:grpSp>
+              <p:sp>
+                <p:nvSpPr>
+                  <p:cNvPr id="90" name="직사각형 89">
+                    <a:extLst>
+                      <a:ext uri="{FF2B5EF4-FFF2-40B4-BE49-F238E27FC236}">
+                        <a16:creationId xmlns:a16="http://schemas.microsoft.com/office/drawing/2014/main" id="{F130ED90-CB08-9DD4-5EE2-09758E29D8C3}"/>
+                      </a:ext>
+                    </a:extLst>
+                  </p:cNvPr>
+                  <p:cNvSpPr/>
+                  <p:nvPr/>
+                </p:nvSpPr>
+                <p:spPr>
+                  <a:xfrm>
+                    <a:off x="4385704" y="3587938"/>
+                    <a:ext cx="1080000" cy="432000"/>
+                  </a:xfrm>
+                  <a:prstGeom prst="rect">
+                    <a:avLst/>
+                  </a:prstGeom>
+                  <a:solidFill>
+                    <a:schemeClr val="tx2">
+                      <a:lumMod val="20000"/>
+                      <a:lumOff val="80000"/>
+                    </a:schemeClr>
+                  </a:solidFill>
+                  <a:ln>
+                    <a:solidFill>
+                      <a:schemeClr val="tx1"/>
+                    </a:solidFill>
+                  </a:ln>
+                </p:spPr>
+                <p:style>
+                  <a:lnRef idx="2">
+                    <a:schemeClr val="accent1">
+                      <a:shade val="50000"/>
+                    </a:schemeClr>
+                  </a:lnRef>
+                  <a:fillRef idx="1">
+                    <a:schemeClr val="accent1"/>
+                  </a:fillRef>
+                  <a:effectRef idx="0">
+                    <a:schemeClr val="accent1"/>
+                  </a:effectRef>
+                  <a:fontRef idx="minor">
+                    <a:schemeClr val="lt1"/>
+                  </a:fontRef>
+                </p:style>
+                <p:txBody>
+                  <a:bodyPr rtlCol="0" anchor="ctr"/>
+                  <a:lstStyle/>
+                  <a:p>
+                    <a:pPr algn="ctr"/>
+                    <a:r>
+                      <a:rPr lang="ko-KR" altLang="en-US" sz="1000" dirty="0">
+                        <a:solidFill>
+                          <a:sysClr val="windowText" lastClr="000000"/>
+                        </a:solidFill>
+                      </a:rPr>
+                      <a:t>게시물 검색</a:t>
+                    </a:r>
+                  </a:p>
+                </p:txBody>
+              </p:sp>
+              <p:sp>
+                <p:nvSpPr>
+                  <p:cNvPr id="91" name="직사각형 90">
+                    <a:extLst>
+                      <a:ext uri="{FF2B5EF4-FFF2-40B4-BE49-F238E27FC236}">
+                        <a16:creationId xmlns:a16="http://schemas.microsoft.com/office/drawing/2014/main" id="{37C9BC44-22AA-2217-8797-037FE512703F}"/>
+                      </a:ext>
+                    </a:extLst>
+                  </p:cNvPr>
+                  <p:cNvSpPr/>
+                  <p:nvPr/>
+                </p:nvSpPr>
+                <p:spPr>
+                  <a:xfrm>
+                    <a:off x="4385704" y="4101034"/>
+                    <a:ext cx="1080000" cy="432000"/>
+                  </a:xfrm>
+                  <a:prstGeom prst="rect">
+                    <a:avLst/>
+                  </a:prstGeom>
+                  <a:solidFill>
+                    <a:schemeClr val="tx2">
+                      <a:lumMod val="20000"/>
+                      <a:lumOff val="80000"/>
+                    </a:schemeClr>
+                  </a:solidFill>
+                  <a:ln>
+                    <a:solidFill>
+                      <a:schemeClr val="tx1"/>
+                    </a:solidFill>
+                  </a:ln>
+                </p:spPr>
+                <p:style>
+                  <a:lnRef idx="2">
+                    <a:schemeClr val="accent1">
+                      <a:shade val="50000"/>
+                    </a:schemeClr>
+                  </a:lnRef>
+                  <a:fillRef idx="1">
+                    <a:schemeClr val="accent1"/>
+                  </a:fillRef>
+                  <a:effectRef idx="0">
+                    <a:schemeClr val="accent1"/>
+                  </a:effectRef>
+                  <a:fontRef idx="minor">
+                    <a:schemeClr val="lt1"/>
+                  </a:fontRef>
+                </p:style>
+                <p:txBody>
+                  <a:bodyPr rtlCol="0" anchor="ctr"/>
+                  <a:lstStyle/>
+                  <a:p>
+                    <a:pPr algn="ctr"/>
+                    <a:r>
+                      <a:rPr lang="ko-KR" altLang="en-US" sz="1000" dirty="0">
+                        <a:solidFill>
+                          <a:sysClr val="windowText" lastClr="000000"/>
+                        </a:solidFill>
+                      </a:rPr>
+                      <a:t>사용자 검색</a:t>
+                    </a:r>
+                  </a:p>
+                </p:txBody>
+              </p:sp>
+            </p:grpSp>
+            <p:grpSp>
+              <p:nvGrpSpPr>
+                <p:cNvPr id="94" name="그룹 93">
+                  <a:extLst>
+                    <a:ext uri="{FF2B5EF4-FFF2-40B4-BE49-F238E27FC236}">
+                      <a16:creationId xmlns:a16="http://schemas.microsoft.com/office/drawing/2014/main" id="{D016ABF1-9A8D-C059-25EE-B3E21D9D6E57}"/>
+                    </a:ext>
+                  </a:extLst>
+                </p:cNvPr>
+                <p:cNvGrpSpPr/>
+                <p:nvPr/>
+              </p:nvGrpSpPr>
+              <p:grpSpPr>
+                <a:xfrm>
+                  <a:off x="4193681" y="2090103"/>
+                  <a:ext cx="1215186" cy="1491603"/>
+                  <a:chOff x="4308874" y="3135003"/>
+                  <a:chExt cx="1215186" cy="1491603"/>
+                </a:xfrm>
+              </p:grpSpPr>
+              <p:grpSp>
+                <p:nvGrpSpPr>
+                  <p:cNvPr id="95" name="그룹 94">
+                    <a:extLst>
+                      <a:ext uri="{FF2B5EF4-FFF2-40B4-BE49-F238E27FC236}">
+                        <a16:creationId xmlns:a16="http://schemas.microsoft.com/office/drawing/2014/main" id="{C9560C48-49D2-09AB-2747-2E2D33B1B5C6}"/>
+                      </a:ext>
+                    </a:extLst>
+                  </p:cNvPr>
+                  <p:cNvGrpSpPr/>
+                  <p:nvPr/>
+                </p:nvGrpSpPr>
+                <p:grpSpPr>
+                  <a:xfrm>
+                    <a:off x="4308874" y="3135003"/>
+                    <a:ext cx="1215186" cy="1491603"/>
+                    <a:chOff x="-1735791" y="194728"/>
+                    <a:chExt cx="1657850" cy="1688608"/>
+                  </a:xfrm>
+                </p:grpSpPr>
+                <p:sp>
+                  <p:nvSpPr>
+                    <p:cNvPr id="98" name="직사각형 97">
+                      <a:extLst>
+                        <a:ext uri="{FF2B5EF4-FFF2-40B4-BE49-F238E27FC236}">
+                          <a16:creationId xmlns:a16="http://schemas.microsoft.com/office/drawing/2014/main" id="{B97257AD-9D15-CBDE-A443-15BA5AF193E4}"/>
+                        </a:ext>
+                      </a:extLst>
+                    </p:cNvPr>
+                    <p:cNvSpPr/>
+                    <p:nvPr/>
+                  </p:nvSpPr>
+                  <p:spPr>
+                    <a:xfrm>
+                      <a:off x="-1735791" y="575037"/>
+                      <a:ext cx="1657850" cy="1308299"/>
+                    </a:xfrm>
+                    <a:prstGeom prst="rect">
+                      <a:avLst/>
+                    </a:prstGeom>
+                    <a:solidFill>
+                      <a:schemeClr val="bg1">
+                        <a:lumMod val="95000"/>
+                      </a:schemeClr>
+                    </a:solidFill>
+                    <a:ln>
+                      <a:solidFill>
+                        <a:schemeClr val="tx1"/>
+                      </a:solidFill>
+                    </a:ln>
+                  </p:spPr>
+                  <p:style>
+                    <a:lnRef idx="2">
+                      <a:schemeClr val="accent1">
+                        <a:shade val="50000"/>
+                      </a:schemeClr>
+                    </a:lnRef>
+                    <a:fillRef idx="1">
+                      <a:schemeClr val="accent1"/>
+                    </a:fillRef>
+                    <a:effectRef idx="0">
+                      <a:schemeClr val="accent1"/>
+                    </a:effectRef>
+                    <a:fontRef idx="minor">
+                      <a:schemeClr val="lt1"/>
+                    </a:fontRef>
+                  </p:style>
+                  <p:txBody>
+                    <a:bodyPr rtlCol="0" anchor="ctr"/>
+                    <a:lstStyle/>
+                    <a:p>
+                      <a:pPr algn="ctr"/>
+                      <a:endParaRPr lang="ko-KR" altLang="en-US">
+                        <a:solidFill>
+                          <a:schemeClr val="tx1"/>
+                        </a:solidFill>
+                      </a:endParaRPr>
+                    </a:p>
+                  </p:txBody>
+                </p:sp>
+                <p:sp>
+                  <p:nvSpPr>
+                    <p:cNvPr id="99" name="직사각형 98">
+                      <a:extLst>
+                        <a:ext uri="{FF2B5EF4-FFF2-40B4-BE49-F238E27FC236}">
+                          <a16:creationId xmlns:a16="http://schemas.microsoft.com/office/drawing/2014/main" id="{FC0C91CE-4A38-2E50-EED5-0A138B425B0B}"/>
+                        </a:ext>
+                      </a:extLst>
+                    </p:cNvPr>
+                    <p:cNvSpPr/>
+                    <p:nvPr/>
+                  </p:nvSpPr>
+                  <p:spPr>
+                    <a:xfrm>
+                      <a:off x="-1735791" y="194728"/>
+                      <a:ext cx="1657850" cy="389734"/>
+                    </a:xfrm>
+                    <a:prstGeom prst="rect">
+                      <a:avLst/>
+                    </a:prstGeom>
+                    <a:solidFill>
+                      <a:schemeClr val="bg1">
+                        <a:lumMod val="75000"/>
+                      </a:schemeClr>
+                    </a:solidFill>
+                    <a:ln>
+                      <a:solidFill>
+                        <a:schemeClr val="tx1"/>
+                      </a:solidFill>
+                    </a:ln>
+                  </p:spPr>
+                  <p:style>
+                    <a:lnRef idx="2">
+                      <a:schemeClr val="accent1">
+                        <a:shade val="50000"/>
+                      </a:schemeClr>
+                    </a:lnRef>
+                    <a:fillRef idx="1">
+                      <a:schemeClr val="accent1"/>
+                    </a:fillRef>
+                    <a:effectRef idx="0">
+                      <a:schemeClr val="accent1"/>
+                    </a:effectRef>
+                    <a:fontRef idx="minor">
+                      <a:schemeClr val="lt1"/>
+                    </a:fontRef>
+                  </p:style>
+                  <p:txBody>
+                    <a:bodyPr rtlCol="0" anchor="ctr"/>
+                    <a:lstStyle/>
+                    <a:p>
+                      <a:pPr algn="ctr"/>
+                      <a:r>
+                        <a:rPr lang="ko-KR" altLang="en-US" sz="1200" b="1" dirty="0">
+                          <a:solidFill>
+                            <a:schemeClr val="tx1"/>
+                          </a:solidFill>
+                        </a:rPr>
+                        <a:t>알림 정보</a:t>
+                      </a:r>
+                    </a:p>
+                  </p:txBody>
+                </p:sp>
+              </p:grpSp>
+              <p:sp>
+                <p:nvSpPr>
+                  <p:cNvPr id="96" name="직사각형 95">
+                    <a:extLst>
+                      <a:ext uri="{FF2B5EF4-FFF2-40B4-BE49-F238E27FC236}">
+                        <a16:creationId xmlns:a16="http://schemas.microsoft.com/office/drawing/2014/main" id="{C520A523-45A2-8759-01B4-F9AA73C23AD1}"/>
+                      </a:ext>
+                    </a:extLst>
+                  </p:cNvPr>
+                  <p:cNvSpPr/>
+                  <p:nvPr/>
+                </p:nvSpPr>
+                <p:spPr>
+                  <a:xfrm>
+                    <a:off x="4385704" y="3587938"/>
+                    <a:ext cx="1080000" cy="432000"/>
+                  </a:xfrm>
+                  <a:prstGeom prst="rect">
+                    <a:avLst/>
+                  </a:prstGeom>
+                  <a:solidFill>
+                    <a:schemeClr val="tx2">
+                      <a:lumMod val="20000"/>
+                      <a:lumOff val="80000"/>
+                    </a:schemeClr>
+                  </a:solidFill>
+                  <a:ln>
+                    <a:solidFill>
+                      <a:schemeClr val="tx1"/>
+                    </a:solidFill>
+                  </a:ln>
+                </p:spPr>
+                <p:style>
+                  <a:lnRef idx="2">
+                    <a:schemeClr val="accent1">
+                      <a:shade val="50000"/>
+                    </a:schemeClr>
+                  </a:lnRef>
+                  <a:fillRef idx="1">
+                    <a:schemeClr val="accent1"/>
+                  </a:fillRef>
+                  <a:effectRef idx="0">
+                    <a:schemeClr val="accent1"/>
+                  </a:effectRef>
+                  <a:fontRef idx="minor">
+                    <a:schemeClr val="lt1"/>
+                  </a:fontRef>
+                </p:style>
+                <p:txBody>
+                  <a:bodyPr rtlCol="0" anchor="ctr"/>
+                  <a:lstStyle/>
+                  <a:p>
+                    <a:pPr algn="ctr"/>
+                    <a:r>
+                      <a:rPr lang="ko-KR" altLang="en-US" sz="1000" dirty="0">
+                        <a:solidFill>
+                          <a:sysClr val="windowText" lastClr="000000"/>
+                        </a:solidFill>
+                      </a:rPr>
+                      <a:t>최신 정보</a:t>
+                    </a:r>
+                  </a:p>
+                </p:txBody>
+              </p:sp>
+              <p:sp>
+                <p:nvSpPr>
+                  <p:cNvPr id="97" name="직사각형 96">
+                    <a:extLst>
+                      <a:ext uri="{FF2B5EF4-FFF2-40B4-BE49-F238E27FC236}">
+                        <a16:creationId xmlns:a16="http://schemas.microsoft.com/office/drawing/2014/main" id="{3745312F-6222-3F1D-6D2E-782C94FF00AA}"/>
+                      </a:ext>
+                    </a:extLst>
+                  </p:cNvPr>
+                  <p:cNvSpPr/>
+                  <p:nvPr/>
+                </p:nvSpPr>
+                <p:spPr>
+                  <a:xfrm>
+                    <a:off x="4385704" y="4101034"/>
+                    <a:ext cx="1080000" cy="432000"/>
+                  </a:xfrm>
+                  <a:prstGeom prst="rect">
+                    <a:avLst/>
+                  </a:prstGeom>
+                  <a:solidFill>
+                    <a:schemeClr val="tx2">
+                      <a:lumMod val="20000"/>
+                      <a:lumOff val="80000"/>
+                    </a:schemeClr>
+                  </a:solidFill>
+                  <a:ln>
+                    <a:solidFill>
+                      <a:schemeClr val="tx1"/>
+                    </a:solidFill>
+                  </a:ln>
+                </p:spPr>
+                <p:style>
+                  <a:lnRef idx="2">
+                    <a:schemeClr val="accent1">
+                      <a:shade val="50000"/>
+                    </a:schemeClr>
+                  </a:lnRef>
+                  <a:fillRef idx="1">
+                    <a:schemeClr val="accent1"/>
+                  </a:fillRef>
+                  <a:effectRef idx="0">
+                    <a:schemeClr val="accent1"/>
+                  </a:effectRef>
+                  <a:fontRef idx="minor">
+                    <a:schemeClr val="lt1"/>
+                  </a:fontRef>
+                </p:style>
+                <p:txBody>
+                  <a:bodyPr rtlCol="0" anchor="ctr"/>
+                  <a:lstStyle/>
+                  <a:p>
+                    <a:pPr algn="ctr"/>
+                    <a:r>
+                      <a:rPr lang="ko-KR" altLang="en-US" sz="1000" dirty="0">
+                        <a:solidFill>
+                          <a:sysClr val="windowText" lastClr="000000"/>
+                        </a:solidFill>
+                      </a:rPr>
+                      <a:t>읽은 정보</a:t>
+                    </a:r>
+                  </a:p>
+                </p:txBody>
+              </p:sp>
+            </p:grpSp>
+            <p:grpSp>
+              <p:nvGrpSpPr>
+                <p:cNvPr id="100" name="그룹 99">
+                  <a:extLst>
+                    <a:ext uri="{FF2B5EF4-FFF2-40B4-BE49-F238E27FC236}">
+                      <a16:creationId xmlns:a16="http://schemas.microsoft.com/office/drawing/2014/main" id="{041E27DD-856F-7C23-0B1B-9A8E36A4C70A}"/>
+                    </a:ext>
+                  </a:extLst>
+                </p:cNvPr>
+                <p:cNvGrpSpPr/>
+                <p:nvPr/>
+              </p:nvGrpSpPr>
+              <p:grpSpPr>
+                <a:xfrm>
+                  <a:off x="6771785" y="3695540"/>
+                  <a:ext cx="1215186" cy="1491603"/>
+                  <a:chOff x="4308874" y="3135003"/>
+                  <a:chExt cx="1215186" cy="1491603"/>
+                </a:xfrm>
+              </p:grpSpPr>
+              <p:grpSp>
+                <p:nvGrpSpPr>
+                  <p:cNvPr id="101" name="그룹 100">
+                    <a:extLst>
+                      <a:ext uri="{FF2B5EF4-FFF2-40B4-BE49-F238E27FC236}">
+                        <a16:creationId xmlns:a16="http://schemas.microsoft.com/office/drawing/2014/main" id="{0DC7FAA1-5BD2-7373-BB5A-6202A0631209}"/>
+                      </a:ext>
+                    </a:extLst>
+                  </p:cNvPr>
+                  <p:cNvGrpSpPr/>
+                  <p:nvPr/>
+                </p:nvGrpSpPr>
+                <p:grpSpPr>
+                  <a:xfrm>
+                    <a:off x="4308874" y="3135003"/>
+                    <a:ext cx="1215186" cy="1491603"/>
+                    <a:chOff x="-1735791" y="194728"/>
+                    <a:chExt cx="1657850" cy="1688608"/>
+                  </a:xfrm>
+                </p:grpSpPr>
+                <p:sp>
+                  <p:nvSpPr>
+                    <p:cNvPr id="109" name="직사각형 108">
+                      <a:extLst>
+                        <a:ext uri="{FF2B5EF4-FFF2-40B4-BE49-F238E27FC236}">
+                          <a16:creationId xmlns:a16="http://schemas.microsoft.com/office/drawing/2014/main" id="{C5A3860F-E884-276D-BCD0-C784B5162689}"/>
+                        </a:ext>
+                      </a:extLst>
+                    </p:cNvPr>
+                    <p:cNvSpPr/>
+                    <p:nvPr/>
+                  </p:nvSpPr>
+                  <p:spPr>
+                    <a:xfrm>
+                      <a:off x="-1735791" y="575037"/>
+                      <a:ext cx="1657850" cy="1308299"/>
+                    </a:xfrm>
+                    <a:prstGeom prst="rect">
+                      <a:avLst/>
+                    </a:prstGeom>
+                    <a:solidFill>
+                      <a:schemeClr val="bg1">
+                        <a:lumMod val="95000"/>
+                      </a:schemeClr>
+                    </a:solidFill>
+                    <a:ln>
+                      <a:solidFill>
+                        <a:schemeClr val="tx1"/>
+                      </a:solidFill>
+                    </a:ln>
+                  </p:spPr>
+                  <p:style>
+                    <a:lnRef idx="2">
+                      <a:schemeClr val="accent1">
+                        <a:shade val="50000"/>
+                      </a:schemeClr>
+                    </a:lnRef>
+                    <a:fillRef idx="1">
+                      <a:schemeClr val="accent1"/>
+                    </a:fillRef>
+                    <a:effectRef idx="0">
+                      <a:schemeClr val="accent1"/>
+                    </a:effectRef>
+                    <a:fontRef idx="minor">
+                      <a:schemeClr val="lt1"/>
+                    </a:fontRef>
+                  </p:style>
+                  <p:txBody>
+                    <a:bodyPr rtlCol="0" anchor="ctr"/>
+                    <a:lstStyle/>
+                    <a:p>
+                      <a:pPr algn="ctr"/>
+                      <a:endParaRPr lang="ko-KR" altLang="en-US">
+                        <a:solidFill>
+                          <a:schemeClr val="tx1"/>
+                        </a:solidFill>
+                      </a:endParaRPr>
+                    </a:p>
+                  </p:txBody>
+                </p:sp>
+                <p:sp>
+                  <p:nvSpPr>
+                    <p:cNvPr id="110" name="직사각형 109">
+                      <a:extLst>
+                        <a:ext uri="{FF2B5EF4-FFF2-40B4-BE49-F238E27FC236}">
+                          <a16:creationId xmlns:a16="http://schemas.microsoft.com/office/drawing/2014/main" id="{24A73256-E0DD-D003-9E63-A3CACCECED54}"/>
+                        </a:ext>
+                      </a:extLst>
+                    </p:cNvPr>
+                    <p:cNvSpPr/>
+                    <p:nvPr/>
+                  </p:nvSpPr>
+                  <p:spPr>
+                    <a:xfrm>
+                      <a:off x="-1735791" y="194728"/>
+                      <a:ext cx="1657850" cy="389734"/>
+                    </a:xfrm>
+                    <a:prstGeom prst="rect">
+                      <a:avLst/>
+                    </a:prstGeom>
+                    <a:solidFill>
+                      <a:schemeClr val="bg1">
+                        <a:lumMod val="75000"/>
+                      </a:schemeClr>
+                    </a:solidFill>
+                    <a:ln>
+                      <a:solidFill>
+                        <a:schemeClr val="tx1"/>
+                      </a:solidFill>
+                    </a:ln>
+                  </p:spPr>
+                  <p:style>
+                    <a:lnRef idx="2">
+                      <a:schemeClr val="accent1">
+                        <a:shade val="50000"/>
+                      </a:schemeClr>
+                    </a:lnRef>
+                    <a:fillRef idx="1">
+                      <a:schemeClr val="accent1"/>
+                    </a:fillRef>
+                    <a:effectRef idx="0">
+                      <a:schemeClr val="accent1"/>
+                    </a:effectRef>
+                    <a:fontRef idx="minor">
+                      <a:schemeClr val="lt1"/>
+                    </a:fontRef>
+                  </p:style>
+                  <p:txBody>
+                    <a:bodyPr rtlCol="0" anchor="ctr"/>
+                    <a:lstStyle/>
+                    <a:p>
+                      <a:pPr algn="ctr"/>
+                      <a:r>
+                        <a:rPr lang="ko-KR" altLang="en-US" sz="1200" b="1" dirty="0">
+                          <a:solidFill>
+                            <a:schemeClr val="tx1"/>
+                          </a:solidFill>
+                        </a:rPr>
+                        <a:t>로그인</a:t>
+                      </a:r>
+                    </a:p>
+                  </p:txBody>
+                </p:sp>
+              </p:grpSp>
+              <p:sp>
+                <p:nvSpPr>
+                  <p:cNvPr id="102" name="직사각형 101">
+                    <a:extLst>
+                      <a:ext uri="{FF2B5EF4-FFF2-40B4-BE49-F238E27FC236}">
+                        <a16:creationId xmlns:a16="http://schemas.microsoft.com/office/drawing/2014/main" id="{81179C95-39B8-6C8F-2E56-4D871AC6BD16}"/>
+                      </a:ext>
+                    </a:extLst>
+                  </p:cNvPr>
+                  <p:cNvSpPr/>
+                  <p:nvPr/>
+                </p:nvSpPr>
+                <p:spPr>
+                  <a:xfrm>
+                    <a:off x="4385704" y="3587938"/>
+                    <a:ext cx="1080000" cy="432000"/>
+                  </a:xfrm>
+                  <a:prstGeom prst="rect">
+                    <a:avLst/>
+                  </a:prstGeom>
+                  <a:solidFill>
+                    <a:schemeClr val="tx2">
+                      <a:lumMod val="20000"/>
+                      <a:lumOff val="80000"/>
+                    </a:schemeClr>
+                  </a:solidFill>
+                  <a:ln>
+                    <a:solidFill>
+                      <a:schemeClr val="tx1"/>
+                    </a:solidFill>
+                  </a:ln>
+                </p:spPr>
+                <p:style>
+                  <a:lnRef idx="2">
+                    <a:schemeClr val="accent1">
+                      <a:shade val="50000"/>
+                    </a:schemeClr>
+                  </a:lnRef>
+                  <a:fillRef idx="1">
+                    <a:schemeClr val="accent1"/>
+                  </a:fillRef>
+                  <a:effectRef idx="0">
+                    <a:schemeClr val="accent1"/>
+                  </a:effectRef>
+                  <a:fontRef idx="minor">
+                    <a:schemeClr val="lt1"/>
+                  </a:fontRef>
+                </p:style>
+                <p:txBody>
+                  <a:bodyPr rtlCol="0" anchor="ctr"/>
+                  <a:lstStyle/>
+                  <a:p>
+                    <a:pPr algn="ctr"/>
+                    <a:r>
+                      <a:rPr lang="ko-KR" altLang="en-US" sz="1000" dirty="0">
+                        <a:solidFill>
+                          <a:sysClr val="windowText" lastClr="000000"/>
+                        </a:solidFill>
+                      </a:rPr>
+                      <a:t>사용자 인증</a:t>
+                    </a:r>
+                  </a:p>
+                </p:txBody>
+              </p:sp>
+              <p:sp>
+                <p:nvSpPr>
+                  <p:cNvPr id="108" name="직사각형 107">
+                    <a:extLst>
+                      <a:ext uri="{FF2B5EF4-FFF2-40B4-BE49-F238E27FC236}">
+                        <a16:creationId xmlns:a16="http://schemas.microsoft.com/office/drawing/2014/main" id="{C58397FD-3B7B-4432-5A4A-66C775A77490}"/>
+                      </a:ext>
+                    </a:extLst>
+                  </p:cNvPr>
+                  <p:cNvSpPr/>
+                  <p:nvPr/>
+                </p:nvSpPr>
+                <p:spPr>
+                  <a:xfrm>
+                    <a:off x="4385704" y="4101034"/>
+                    <a:ext cx="1080000" cy="432000"/>
+                  </a:xfrm>
+                  <a:prstGeom prst="rect">
+                    <a:avLst/>
+                  </a:prstGeom>
+                  <a:solidFill>
+                    <a:schemeClr val="tx2">
+                      <a:lumMod val="20000"/>
+                      <a:lumOff val="80000"/>
+                    </a:schemeClr>
+                  </a:solidFill>
+                  <a:ln>
+                    <a:solidFill>
+                      <a:schemeClr val="tx1"/>
+                    </a:solidFill>
+                  </a:ln>
+                </p:spPr>
+                <p:style>
+                  <a:lnRef idx="2">
+                    <a:schemeClr val="accent1">
+                      <a:shade val="50000"/>
+                    </a:schemeClr>
+                  </a:lnRef>
+                  <a:fillRef idx="1">
+                    <a:schemeClr val="accent1"/>
+                  </a:fillRef>
+                  <a:effectRef idx="0">
+                    <a:schemeClr val="accent1"/>
+                  </a:effectRef>
+                  <a:fontRef idx="minor">
+                    <a:schemeClr val="lt1"/>
+                  </a:fontRef>
+                </p:style>
+                <p:txBody>
+                  <a:bodyPr rtlCol="0" anchor="ctr"/>
+                  <a:lstStyle/>
+                  <a:p>
+                    <a:pPr algn="ctr"/>
+                    <a:r>
+                      <a:rPr lang="ko-KR" altLang="en-US" sz="1000" dirty="0">
+                        <a:solidFill>
+                          <a:sysClr val="windowText" lastClr="000000"/>
+                        </a:solidFill>
+                      </a:rPr>
+                      <a:t>회원 가입</a:t>
+                    </a:r>
+                  </a:p>
+                </p:txBody>
+              </p:sp>
+            </p:grpSp>
+          </p:grpSp>
+        </p:grpSp>
+      </p:grpSp>
+      <p:sp>
+        <p:nvSpPr>
+          <p:cNvPr id="148" name="화살표: 위쪽/아래쪽 147">
+            <a:extLst>
+              <a:ext uri="{FF2B5EF4-FFF2-40B4-BE49-F238E27FC236}">
+                <a16:creationId xmlns:a16="http://schemas.microsoft.com/office/drawing/2014/main" id="{AA66F771-CB31-78B9-BA00-5659E3ED2D89}"/>
+              </a:ext>
+            </a:extLst>
+          </p:cNvPr>
+          <p:cNvSpPr/>
+          <p:nvPr/>
+        </p:nvSpPr>
+        <p:spPr>
+          <a:xfrm>
+            <a:off x="6863852" y="4663902"/>
+            <a:ext cx="396659" cy="503052"/>
+          </a:xfrm>
+          <a:prstGeom prst="upDownArrow">
+            <a:avLst/>
+          </a:prstGeom>
+          <a:solidFill>
+            <a:schemeClr val="bg1"/>
+          </a:solidFill>
+          <a:ln>
+            <a:solidFill>
+              <a:schemeClr val="tx1"/>
+            </a:solidFill>
+          </a:ln>
+        </p:spPr>
+        <p:style>
+          <a:lnRef idx="2">
+            <a:schemeClr val="accent1">
+              <a:shade val="50000"/>
+            </a:schemeClr>
+          </a:lnRef>
+          <a:fillRef idx="1">
+            <a:schemeClr val="accent1"/>
+          </a:fillRef>
+          <a:effectRef idx="0">
+            <a:schemeClr val="accent1"/>
+          </a:effectRef>
+          <a:fontRef idx="minor">
+            <a:schemeClr val="lt1"/>
+          </a:fontRef>
+        </p:style>
+        <p:txBody>
+          <a:bodyPr rtlCol="0" anchor="ctr"/>
+          <a:lstStyle/>
+          <a:p>
+            <a:pPr algn="ctr"/>
+            <a:endParaRPr lang="ko-KR" altLang="en-US"/>
+          </a:p>
+        </p:txBody>
+      </p:sp>
+    </p:spTree>
+    <p:extLst>
+      <p:ext uri="{BB962C8B-B14F-4D97-AF65-F5344CB8AC3E}">
+        <p14:creationId xmlns:p14="http://schemas.microsoft.com/office/powerpoint/2010/main" val="2636210168"/>
+      </p:ext>
+    </p:extLst>
+  </p:cSld>
+  <p:clrMapOvr>
+    <a:masterClrMapping/>
+  </p:clrMapOvr>
+</p:sld>
+</file>
+
+<file path=ppt/slides/slide7.xml><?xml version="1.0" encoding="utf-8"?>
 <p:sld xmlns:a="http://schemas.openxmlformats.org/drawingml/2006/main" xmlns:r="http://schemas.openxmlformats.org/officeDocument/2006/relationships" xmlns:p="http://schemas.openxmlformats.org/presentationml/2006/main">
   <p:cSld>
     <p:spTree>
@@ -23085,3823 +28586,6 @@
     <p:extLst>
       <p:ext uri="{BB962C8B-B14F-4D97-AF65-F5344CB8AC3E}">
         <p14:creationId xmlns:p14="http://schemas.microsoft.com/office/powerpoint/2010/main" val="365363247"/>
-      </p:ext>
-    </p:extLst>
-  </p:cSld>
-  <p:clrMapOvr>
-    <a:masterClrMapping/>
-  </p:clrMapOvr>
-</p:sld>
-</file>
-
-<file path=ppt/slides/slide7.xml><?xml version="1.0" encoding="utf-8"?>
-<p:sld xmlns:a="http://schemas.openxmlformats.org/drawingml/2006/main" xmlns:r="http://schemas.openxmlformats.org/officeDocument/2006/relationships" xmlns:p="http://schemas.openxmlformats.org/presentationml/2006/main">
-  <p:cSld>
-    <p:spTree>
-      <p:nvGrpSpPr>
-        <p:cNvPr id="1" name=""/>
-        <p:cNvGrpSpPr/>
-        <p:nvPr/>
-      </p:nvGrpSpPr>
-      <p:grpSpPr>
-        <a:xfrm>
-          <a:off x="0" y="0"/>
-          <a:ext cx="0" cy="0"/>
-          <a:chOff x="0" y="0"/>
-          <a:chExt cx="0" cy="0"/>
-        </a:xfrm>
-      </p:grpSpPr>
-      <p:sp>
-        <p:nvSpPr>
-          <p:cNvPr id="3" name="직사각형 2">
-            <a:extLst>
-              <a:ext uri="{FF2B5EF4-FFF2-40B4-BE49-F238E27FC236}">
-                <a16:creationId xmlns:a16="http://schemas.microsoft.com/office/drawing/2014/main" id="{3D4DD5BF-F61C-3C78-C2D4-AD3397AC0322}"/>
-              </a:ext>
-            </a:extLst>
-          </p:cNvPr>
-          <p:cNvSpPr/>
-          <p:nvPr/>
-        </p:nvSpPr>
-        <p:spPr>
-          <a:xfrm>
-            <a:off x="56562" y="424205"/>
-            <a:ext cx="12078878" cy="6363093"/>
-          </a:xfrm>
-          <a:prstGeom prst="rect">
-            <a:avLst/>
-          </a:prstGeom>
-          <a:solidFill>
-            <a:schemeClr val="bg2"/>
-          </a:solidFill>
-          <a:ln>
-            <a:solidFill>
-              <a:schemeClr val="tx1"/>
-            </a:solidFill>
-          </a:ln>
-        </p:spPr>
-        <p:style>
-          <a:lnRef idx="2">
-            <a:schemeClr val="accent1">
-              <a:shade val="50000"/>
-            </a:schemeClr>
-          </a:lnRef>
-          <a:fillRef idx="1">
-            <a:schemeClr val="accent1"/>
-          </a:fillRef>
-          <a:effectRef idx="0">
-            <a:schemeClr val="accent1"/>
-          </a:effectRef>
-          <a:fontRef idx="minor">
-            <a:schemeClr val="lt1"/>
-          </a:fontRef>
-        </p:style>
-        <p:txBody>
-          <a:bodyPr rtlCol="0" anchor="ctr"/>
-          <a:lstStyle/>
-          <a:p>
-            <a:pPr algn="ctr"/>
-            <a:endParaRPr lang="ko-KR" altLang="en-US"/>
-          </a:p>
-        </p:txBody>
-      </p:sp>
-      <p:sp>
-        <p:nvSpPr>
-          <p:cNvPr id="199" name="직사각형 198">
-            <a:extLst>
-              <a:ext uri="{FF2B5EF4-FFF2-40B4-BE49-F238E27FC236}">
-                <a16:creationId xmlns:a16="http://schemas.microsoft.com/office/drawing/2014/main" id="{A3F5E80E-38C5-C234-F03E-3D0A489D712C}"/>
-              </a:ext>
-            </a:extLst>
-          </p:cNvPr>
-          <p:cNvSpPr/>
-          <p:nvPr/>
-        </p:nvSpPr>
-        <p:spPr>
-          <a:xfrm>
-            <a:off x="2681971" y="424205"/>
-            <a:ext cx="9453467" cy="6363093"/>
-          </a:xfrm>
-          <a:prstGeom prst="rect">
-            <a:avLst/>
-          </a:prstGeom>
-          <a:solidFill>
-            <a:schemeClr val="accent6">
-              <a:lumMod val="20000"/>
-              <a:lumOff val="80000"/>
-            </a:schemeClr>
-          </a:solidFill>
-          <a:ln>
-            <a:solidFill>
-              <a:schemeClr val="tx1"/>
-            </a:solidFill>
-          </a:ln>
-        </p:spPr>
-        <p:style>
-          <a:lnRef idx="2">
-            <a:schemeClr val="accent1">
-              <a:shade val="50000"/>
-            </a:schemeClr>
-          </a:lnRef>
-          <a:fillRef idx="1">
-            <a:schemeClr val="accent1"/>
-          </a:fillRef>
-          <a:effectRef idx="0">
-            <a:schemeClr val="accent1"/>
-          </a:effectRef>
-          <a:fontRef idx="minor">
-            <a:schemeClr val="lt1"/>
-          </a:fontRef>
-        </p:style>
-        <p:txBody>
-          <a:bodyPr rtlCol="0" anchor="ctr"/>
-          <a:lstStyle/>
-          <a:p>
-            <a:pPr algn="ctr"/>
-            <a:endParaRPr lang="ko-KR" altLang="en-US"/>
-          </a:p>
-        </p:txBody>
-      </p:sp>
-      <p:grpSp>
-        <p:nvGrpSpPr>
-          <p:cNvPr id="42" name="그룹 41">
-            <a:extLst>
-              <a:ext uri="{FF2B5EF4-FFF2-40B4-BE49-F238E27FC236}">
-                <a16:creationId xmlns:a16="http://schemas.microsoft.com/office/drawing/2014/main" id="{C21B65D2-5917-3227-1DA6-6F30EDD988D7}"/>
-              </a:ext>
-            </a:extLst>
-          </p:cNvPr>
-          <p:cNvGrpSpPr/>
-          <p:nvPr/>
-        </p:nvGrpSpPr>
-        <p:grpSpPr>
-          <a:xfrm>
-            <a:off x="116225" y="467771"/>
-            <a:ext cx="886943" cy="5922459"/>
-            <a:chOff x="103694" y="297556"/>
-            <a:chExt cx="1743959" cy="5922459"/>
-          </a:xfrm>
-        </p:grpSpPr>
-        <p:sp>
-          <p:nvSpPr>
-            <p:cNvPr id="43" name="직사각형 42">
-              <a:extLst>
-                <a:ext uri="{FF2B5EF4-FFF2-40B4-BE49-F238E27FC236}">
-                  <a16:creationId xmlns:a16="http://schemas.microsoft.com/office/drawing/2014/main" id="{EBF6E563-3EF4-C9BA-8F84-0E6B2E66759B}"/>
-                </a:ext>
-              </a:extLst>
-            </p:cNvPr>
-            <p:cNvSpPr/>
-            <p:nvPr/>
-          </p:nvSpPr>
-          <p:spPr>
-            <a:xfrm>
-              <a:off x="103694" y="575037"/>
-              <a:ext cx="1743959" cy="5644978"/>
-            </a:xfrm>
-            <a:prstGeom prst="rect">
-              <a:avLst/>
-            </a:prstGeom>
-            <a:solidFill>
-              <a:schemeClr val="bg1">
-                <a:lumMod val="95000"/>
-              </a:schemeClr>
-            </a:solidFill>
-            <a:ln>
-              <a:solidFill>
-                <a:schemeClr val="tx1"/>
-              </a:solidFill>
-            </a:ln>
-          </p:spPr>
-          <p:style>
-            <a:lnRef idx="2">
-              <a:schemeClr val="accent1">
-                <a:shade val="50000"/>
-              </a:schemeClr>
-            </a:lnRef>
-            <a:fillRef idx="1">
-              <a:schemeClr val="accent1"/>
-            </a:fillRef>
-            <a:effectRef idx="0">
-              <a:schemeClr val="accent1"/>
-            </a:effectRef>
-            <a:fontRef idx="minor">
-              <a:schemeClr val="lt1"/>
-            </a:fontRef>
-          </p:style>
-          <p:txBody>
-            <a:bodyPr rtlCol="0" anchor="ctr"/>
-            <a:lstStyle/>
-            <a:p>
-              <a:pPr algn="ctr"/>
-              <a:endParaRPr lang="ko-KR" altLang="en-US" dirty="0">
-                <a:solidFill>
-                  <a:schemeClr val="tx1"/>
-                </a:solidFill>
-              </a:endParaRPr>
-            </a:p>
-          </p:txBody>
-        </p:sp>
-        <p:sp>
-          <p:nvSpPr>
-            <p:cNvPr id="44" name="직사각형 43">
-              <a:extLst>
-                <a:ext uri="{FF2B5EF4-FFF2-40B4-BE49-F238E27FC236}">
-                  <a16:creationId xmlns:a16="http://schemas.microsoft.com/office/drawing/2014/main" id="{700BBA79-0A2F-8300-0D84-5B86672F79F2}"/>
-                </a:ext>
-              </a:extLst>
-            </p:cNvPr>
-            <p:cNvSpPr/>
-            <p:nvPr/>
-          </p:nvSpPr>
-          <p:spPr>
-            <a:xfrm>
-              <a:off x="103694" y="297556"/>
-              <a:ext cx="1743959" cy="286905"/>
-            </a:xfrm>
-            <a:prstGeom prst="rect">
-              <a:avLst/>
-            </a:prstGeom>
-            <a:solidFill>
-              <a:schemeClr val="bg1">
-                <a:lumMod val="75000"/>
-              </a:schemeClr>
-            </a:solidFill>
-            <a:ln>
-              <a:solidFill>
-                <a:schemeClr val="tx1"/>
-              </a:solidFill>
-            </a:ln>
-          </p:spPr>
-          <p:style>
-            <a:lnRef idx="2">
-              <a:schemeClr val="accent1">
-                <a:shade val="50000"/>
-              </a:schemeClr>
-            </a:lnRef>
-            <a:fillRef idx="1">
-              <a:schemeClr val="accent1"/>
-            </a:fillRef>
-            <a:effectRef idx="0">
-              <a:schemeClr val="accent1"/>
-            </a:effectRef>
-            <a:fontRef idx="minor">
-              <a:schemeClr val="lt1"/>
-            </a:fontRef>
-          </p:style>
-          <p:txBody>
-            <a:bodyPr rtlCol="0" anchor="ctr"/>
-            <a:lstStyle/>
-            <a:p>
-              <a:pPr algn="ctr"/>
-              <a:r>
-                <a:rPr lang="ko-KR" altLang="en-US" sz="1400" b="1" dirty="0">
-                  <a:solidFill>
-                    <a:schemeClr val="tx1"/>
-                  </a:solidFill>
-                </a:rPr>
-                <a:t>사용자</a:t>
-              </a:r>
-            </a:p>
-          </p:txBody>
-        </p:sp>
-      </p:grpSp>
-      <p:grpSp>
-        <p:nvGrpSpPr>
-          <p:cNvPr id="7" name="그룹 6">
-            <a:extLst>
-              <a:ext uri="{FF2B5EF4-FFF2-40B4-BE49-F238E27FC236}">
-                <a16:creationId xmlns:a16="http://schemas.microsoft.com/office/drawing/2014/main" id="{BB6F975F-DF79-8703-E3A7-5B2B60E929BC}"/>
-              </a:ext>
-            </a:extLst>
-          </p:cNvPr>
-          <p:cNvGrpSpPr/>
-          <p:nvPr/>
-        </p:nvGrpSpPr>
-        <p:grpSpPr>
-          <a:xfrm>
-            <a:off x="198117" y="809589"/>
-            <a:ext cx="721083" cy="1525425"/>
-            <a:chOff x="103694" y="357205"/>
-            <a:chExt cx="1743959" cy="1708735"/>
-          </a:xfrm>
-        </p:grpSpPr>
-        <p:sp>
-          <p:nvSpPr>
-            <p:cNvPr id="8" name="직사각형 7">
-              <a:extLst>
-                <a:ext uri="{FF2B5EF4-FFF2-40B4-BE49-F238E27FC236}">
-                  <a16:creationId xmlns:a16="http://schemas.microsoft.com/office/drawing/2014/main" id="{F2715DA6-4DF6-D1C7-3FE7-7356E25ACC79}"/>
-                </a:ext>
-              </a:extLst>
-            </p:cNvPr>
-            <p:cNvSpPr/>
-            <p:nvPr/>
-          </p:nvSpPr>
-          <p:spPr>
-            <a:xfrm>
-              <a:off x="103694" y="575033"/>
-              <a:ext cx="1743959" cy="1490907"/>
-            </a:xfrm>
-            <a:prstGeom prst="rect">
-              <a:avLst/>
-            </a:prstGeom>
-            <a:solidFill>
-              <a:schemeClr val="bg1">
-                <a:lumMod val="95000"/>
-              </a:schemeClr>
-            </a:solidFill>
-            <a:ln>
-              <a:solidFill>
-                <a:schemeClr val="tx1"/>
-              </a:solidFill>
-            </a:ln>
-          </p:spPr>
-          <p:style>
-            <a:lnRef idx="2">
-              <a:schemeClr val="accent1">
-                <a:shade val="50000"/>
-              </a:schemeClr>
-            </a:lnRef>
-            <a:fillRef idx="1">
-              <a:schemeClr val="accent1"/>
-            </a:fillRef>
-            <a:effectRef idx="0">
-              <a:schemeClr val="accent1"/>
-            </a:effectRef>
-            <a:fontRef idx="minor">
-              <a:schemeClr val="lt1"/>
-            </a:fontRef>
-          </p:style>
-          <p:txBody>
-            <a:bodyPr rtlCol="0" anchor="ctr"/>
-            <a:lstStyle/>
-            <a:p>
-              <a:pPr algn="ctr"/>
-              <a:endParaRPr lang="ko-KR" altLang="en-US" dirty="0">
-                <a:solidFill>
-                  <a:schemeClr val="tx1"/>
-                </a:solidFill>
-              </a:endParaRPr>
-            </a:p>
-          </p:txBody>
-        </p:sp>
-        <p:sp>
-          <p:nvSpPr>
-            <p:cNvPr id="9" name="직사각형 8">
-              <a:extLst>
-                <a:ext uri="{FF2B5EF4-FFF2-40B4-BE49-F238E27FC236}">
-                  <a16:creationId xmlns:a16="http://schemas.microsoft.com/office/drawing/2014/main" id="{42A54146-DE95-FB5F-AD5B-DBED9DEA3813}"/>
-                </a:ext>
-              </a:extLst>
-            </p:cNvPr>
-            <p:cNvSpPr/>
-            <p:nvPr/>
-          </p:nvSpPr>
-          <p:spPr>
-            <a:xfrm>
-              <a:off x="103694" y="357205"/>
-              <a:ext cx="1743959" cy="227257"/>
-            </a:xfrm>
-            <a:prstGeom prst="rect">
-              <a:avLst/>
-            </a:prstGeom>
-            <a:solidFill>
-              <a:schemeClr val="bg1">
-                <a:lumMod val="75000"/>
-              </a:schemeClr>
-            </a:solidFill>
-            <a:ln>
-              <a:solidFill>
-                <a:schemeClr val="tx1"/>
-              </a:solidFill>
-            </a:ln>
-          </p:spPr>
-          <p:style>
-            <a:lnRef idx="2">
-              <a:schemeClr val="accent1">
-                <a:shade val="50000"/>
-              </a:schemeClr>
-            </a:lnRef>
-            <a:fillRef idx="1">
-              <a:schemeClr val="accent1"/>
-            </a:fillRef>
-            <a:effectRef idx="0">
-              <a:schemeClr val="accent1"/>
-            </a:effectRef>
-            <a:fontRef idx="minor">
-              <a:schemeClr val="lt1"/>
-            </a:fontRef>
-          </p:style>
-          <p:txBody>
-            <a:bodyPr rtlCol="0" anchor="ctr"/>
-            <a:lstStyle/>
-            <a:p>
-              <a:pPr algn="ctr"/>
-              <a:r>
-                <a:rPr lang="ko-KR" altLang="en-US" sz="1200" b="1" dirty="0">
-                  <a:solidFill>
-                    <a:schemeClr val="tx1"/>
-                  </a:solidFill>
-                </a:rPr>
-                <a:t>학생</a:t>
-              </a:r>
-            </a:p>
-          </p:txBody>
-        </p:sp>
-      </p:grpSp>
-      <p:grpSp>
-        <p:nvGrpSpPr>
-          <p:cNvPr id="38" name="그룹 37">
-            <a:extLst>
-              <a:ext uri="{FF2B5EF4-FFF2-40B4-BE49-F238E27FC236}">
-                <a16:creationId xmlns:a16="http://schemas.microsoft.com/office/drawing/2014/main" id="{979CBA1C-0386-6A81-CBD0-164E7E1C5BE9}"/>
-              </a:ext>
-            </a:extLst>
-          </p:cNvPr>
-          <p:cNvGrpSpPr/>
-          <p:nvPr/>
-        </p:nvGrpSpPr>
-        <p:grpSpPr>
-          <a:xfrm>
-            <a:off x="271151" y="1048363"/>
-            <a:ext cx="576000" cy="749323"/>
-            <a:chOff x="6348220" y="911495"/>
-            <a:chExt cx="576000" cy="749323"/>
-          </a:xfrm>
-        </p:grpSpPr>
-        <p:pic>
-          <p:nvPicPr>
-            <p:cNvPr id="19" name="그림 18">
-              <a:extLst>
-                <a:ext uri="{FF2B5EF4-FFF2-40B4-BE49-F238E27FC236}">
-                  <a16:creationId xmlns:a16="http://schemas.microsoft.com/office/drawing/2014/main" id="{800A1E5D-643C-965B-8B7C-34424B0031E2}"/>
-                </a:ext>
-              </a:extLst>
-            </p:cNvPr>
-            <p:cNvPicPr>
-              <a:picLocks noChangeAspect="1"/>
-            </p:cNvPicPr>
-            <p:nvPr/>
-          </p:nvPicPr>
-          <p:blipFill>
-            <a:blip r:embed="rId2">
-              <a:extLst>
-                <a:ext uri="{28A0092B-C50C-407E-A947-70E740481C1C}">
-                  <a14:useLocalDpi xmlns:a14="http://schemas.microsoft.com/office/drawing/2010/main" val="0"/>
-                </a:ext>
-              </a:extLst>
-            </a:blip>
-            <a:stretch>
-              <a:fillRect/>
-            </a:stretch>
-          </p:blipFill>
-          <p:spPr>
-            <a:xfrm>
-              <a:off x="6348220" y="911495"/>
-              <a:ext cx="540000" cy="540000"/>
-            </a:xfrm>
-            <a:prstGeom prst="rect">
-              <a:avLst/>
-            </a:prstGeom>
-          </p:spPr>
-        </p:pic>
-        <p:sp>
-          <p:nvSpPr>
-            <p:cNvPr id="29" name="TextBox 28">
-              <a:extLst>
-                <a:ext uri="{FF2B5EF4-FFF2-40B4-BE49-F238E27FC236}">
-                  <a16:creationId xmlns:a16="http://schemas.microsoft.com/office/drawing/2014/main" id="{1BCEAB4F-AF2C-2C95-5840-A74CE4212AEC}"/>
-                </a:ext>
-              </a:extLst>
-            </p:cNvPr>
-            <p:cNvSpPr txBox="1"/>
-            <p:nvPr/>
-          </p:nvSpPr>
-          <p:spPr>
-            <a:xfrm>
-              <a:off x="6348220" y="1414597"/>
-              <a:ext cx="576000" cy="246221"/>
-            </a:xfrm>
-            <a:prstGeom prst="rect">
-              <a:avLst/>
-            </a:prstGeom>
-            <a:noFill/>
-          </p:spPr>
-          <p:txBody>
-            <a:bodyPr wrap="square" rtlCol="0" anchor="ctr">
-              <a:spAutoFit/>
-            </a:bodyPr>
-            <a:lstStyle/>
-            <a:p>
-              <a:pPr algn="ctr"/>
-              <a:r>
-                <a:rPr lang="ko-KR" altLang="en-US" sz="1000" dirty="0"/>
-                <a:t>재학생</a:t>
-              </a:r>
-            </a:p>
-          </p:txBody>
-        </p:sp>
-      </p:grpSp>
-      <p:grpSp>
-        <p:nvGrpSpPr>
-          <p:cNvPr id="40" name="그룹 39">
-            <a:extLst>
-              <a:ext uri="{FF2B5EF4-FFF2-40B4-BE49-F238E27FC236}">
-                <a16:creationId xmlns:a16="http://schemas.microsoft.com/office/drawing/2014/main" id="{DB59FED2-D066-1AF9-0EAD-248E0A7326BB}"/>
-              </a:ext>
-            </a:extLst>
-          </p:cNvPr>
-          <p:cNvGrpSpPr/>
-          <p:nvPr/>
-        </p:nvGrpSpPr>
-        <p:grpSpPr>
-          <a:xfrm>
-            <a:off x="271151" y="1721392"/>
-            <a:ext cx="576000" cy="613622"/>
-            <a:chOff x="9909675" y="3803389"/>
-            <a:chExt cx="576000" cy="613622"/>
-          </a:xfrm>
-        </p:grpSpPr>
-        <p:pic>
-          <p:nvPicPr>
-            <p:cNvPr id="23" name="그림 22">
-              <a:extLst>
-                <a:ext uri="{FF2B5EF4-FFF2-40B4-BE49-F238E27FC236}">
-                  <a16:creationId xmlns:a16="http://schemas.microsoft.com/office/drawing/2014/main" id="{A14C1A7D-31FC-786C-0793-48F6BBAE222D}"/>
-                </a:ext>
-              </a:extLst>
-            </p:cNvPr>
-            <p:cNvPicPr>
-              <a:picLocks noChangeAspect="1"/>
-            </p:cNvPicPr>
-            <p:nvPr/>
-          </p:nvPicPr>
-          <p:blipFill>
-            <a:blip r:embed="rId3">
-              <a:extLst>
-                <a:ext uri="{28A0092B-C50C-407E-A947-70E740481C1C}">
-                  <a14:useLocalDpi xmlns:a14="http://schemas.microsoft.com/office/drawing/2010/main" val="0"/>
-                </a:ext>
-              </a:extLst>
-            </a:blip>
-            <a:stretch>
-              <a:fillRect/>
-            </a:stretch>
-          </p:blipFill>
-          <p:spPr>
-            <a:xfrm>
-              <a:off x="9909675" y="3803389"/>
-              <a:ext cx="540000" cy="540000"/>
-            </a:xfrm>
-            <a:prstGeom prst="rect">
-              <a:avLst/>
-            </a:prstGeom>
-          </p:spPr>
-        </p:pic>
-        <p:sp>
-          <p:nvSpPr>
-            <p:cNvPr id="30" name="TextBox 29">
-              <a:extLst>
-                <a:ext uri="{FF2B5EF4-FFF2-40B4-BE49-F238E27FC236}">
-                  <a16:creationId xmlns:a16="http://schemas.microsoft.com/office/drawing/2014/main" id="{9C69B263-A4C1-EE31-46CD-45C1574842E4}"/>
-                </a:ext>
-              </a:extLst>
-            </p:cNvPr>
-            <p:cNvSpPr txBox="1"/>
-            <p:nvPr/>
-          </p:nvSpPr>
-          <p:spPr>
-            <a:xfrm>
-              <a:off x="9909675" y="4170790"/>
-              <a:ext cx="576000" cy="246221"/>
-            </a:xfrm>
-            <a:prstGeom prst="rect">
-              <a:avLst/>
-            </a:prstGeom>
-            <a:noFill/>
-          </p:spPr>
-          <p:txBody>
-            <a:bodyPr wrap="square" rtlCol="0" anchor="ctr">
-              <a:spAutoFit/>
-            </a:bodyPr>
-            <a:lstStyle/>
-            <a:p>
-              <a:pPr algn="ctr"/>
-              <a:r>
-                <a:rPr lang="ko-KR" altLang="en-US" sz="1000" dirty="0"/>
-                <a:t>졸업생</a:t>
-              </a:r>
-            </a:p>
-          </p:txBody>
-        </p:sp>
-      </p:grpSp>
-      <p:grpSp>
-        <p:nvGrpSpPr>
-          <p:cNvPr id="36" name="그룹 35">
-            <a:extLst>
-              <a:ext uri="{FF2B5EF4-FFF2-40B4-BE49-F238E27FC236}">
-                <a16:creationId xmlns:a16="http://schemas.microsoft.com/office/drawing/2014/main" id="{EF770211-9A56-5769-FD92-75988C17DACA}"/>
-              </a:ext>
-            </a:extLst>
-          </p:cNvPr>
-          <p:cNvGrpSpPr/>
-          <p:nvPr/>
-        </p:nvGrpSpPr>
-        <p:grpSpPr>
-          <a:xfrm>
-            <a:off x="269986" y="2361575"/>
-            <a:ext cx="576000" cy="755791"/>
-            <a:chOff x="3026127" y="2837314"/>
-            <a:chExt cx="576000" cy="755791"/>
-          </a:xfrm>
-        </p:grpSpPr>
-        <p:pic>
-          <p:nvPicPr>
-            <p:cNvPr id="15" name="그림 14">
-              <a:extLst>
-                <a:ext uri="{FF2B5EF4-FFF2-40B4-BE49-F238E27FC236}">
-                  <a16:creationId xmlns:a16="http://schemas.microsoft.com/office/drawing/2014/main" id="{9E2ED9D7-F86D-E3D2-38D8-47A36C89E87B}"/>
-                </a:ext>
-              </a:extLst>
-            </p:cNvPr>
-            <p:cNvPicPr>
-              <a:picLocks noChangeAspect="1"/>
-            </p:cNvPicPr>
-            <p:nvPr/>
-          </p:nvPicPr>
-          <p:blipFill>
-            <a:blip r:embed="rId4">
-              <a:extLst>
-                <a:ext uri="{28A0092B-C50C-407E-A947-70E740481C1C}">
-                  <a14:useLocalDpi xmlns:a14="http://schemas.microsoft.com/office/drawing/2010/main" val="0"/>
-                </a:ext>
-              </a:extLst>
-            </a:blip>
-            <a:stretch>
-              <a:fillRect/>
-            </a:stretch>
-          </p:blipFill>
-          <p:spPr>
-            <a:xfrm>
-              <a:off x="3026128" y="2837314"/>
-              <a:ext cx="540000" cy="540000"/>
-            </a:xfrm>
-            <a:prstGeom prst="rect">
-              <a:avLst/>
-            </a:prstGeom>
-          </p:spPr>
-        </p:pic>
-        <p:sp>
-          <p:nvSpPr>
-            <p:cNvPr id="31" name="TextBox 30">
-              <a:extLst>
-                <a:ext uri="{FF2B5EF4-FFF2-40B4-BE49-F238E27FC236}">
-                  <a16:creationId xmlns:a16="http://schemas.microsoft.com/office/drawing/2014/main" id="{3F012111-DA65-41C5-C031-636B3A705C91}"/>
-                </a:ext>
-              </a:extLst>
-            </p:cNvPr>
-            <p:cNvSpPr txBox="1"/>
-            <p:nvPr/>
-          </p:nvSpPr>
-          <p:spPr>
-            <a:xfrm>
-              <a:off x="3026127" y="3346884"/>
-              <a:ext cx="576000" cy="246221"/>
-            </a:xfrm>
-            <a:prstGeom prst="rect">
-              <a:avLst/>
-            </a:prstGeom>
-            <a:noFill/>
-          </p:spPr>
-          <p:txBody>
-            <a:bodyPr wrap="square" rtlCol="0" anchor="ctr">
-              <a:spAutoFit/>
-            </a:bodyPr>
-            <a:lstStyle/>
-            <a:p>
-              <a:pPr algn="ctr"/>
-              <a:r>
-                <a:rPr lang="ko-KR" altLang="en-US" sz="1000" dirty="0"/>
-                <a:t>교수</a:t>
-              </a:r>
-            </a:p>
-          </p:txBody>
-        </p:sp>
-      </p:grpSp>
-      <p:grpSp>
-        <p:nvGrpSpPr>
-          <p:cNvPr id="39" name="그룹 38">
-            <a:extLst>
-              <a:ext uri="{FF2B5EF4-FFF2-40B4-BE49-F238E27FC236}">
-                <a16:creationId xmlns:a16="http://schemas.microsoft.com/office/drawing/2014/main" id="{90BAF6C1-FD16-0ACB-ACE5-BC6965D706E1}"/>
-              </a:ext>
-            </a:extLst>
-          </p:cNvPr>
-          <p:cNvGrpSpPr/>
-          <p:nvPr/>
-        </p:nvGrpSpPr>
-        <p:grpSpPr>
-          <a:xfrm>
-            <a:off x="269986" y="3115120"/>
-            <a:ext cx="576000" cy="724300"/>
-            <a:chOff x="10344346" y="1502790"/>
-            <a:chExt cx="576000" cy="724300"/>
-          </a:xfrm>
-        </p:grpSpPr>
-        <p:pic>
-          <p:nvPicPr>
-            <p:cNvPr id="21" name="그림 20">
-              <a:extLst>
-                <a:ext uri="{FF2B5EF4-FFF2-40B4-BE49-F238E27FC236}">
-                  <a16:creationId xmlns:a16="http://schemas.microsoft.com/office/drawing/2014/main" id="{5CD2C03E-4440-8C14-449D-3C5214B4B342}"/>
-                </a:ext>
-              </a:extLst>
-            </p:cNvPr>
-            <p:cNvPicPr>
-              <a:picLocks noChangeAspect="1"/>
-            </p:cNvPicPr>
-            <p:nvPr/>
-          </p:nvPicPr>
-          <p:blipFill>
-            <a:blip r:embed="rId5">
-              <a:extLst>
-                <a:ext uri="{28A0092B-C50C-407E-A947-70E740481C1C}">
-                  <a14:useLocalDpi xmlns:a14="http://schemas.microsoft.com/office/drawing/2010/main" val="0"/>
-                </a:ext>
-              </a:extLst>
-            </a:blip>
-            <a:stretch>
-              <a:fillRect/>
-            </a:stretch>
-          </p:blipFill>
-          <p:spPr>
-            <a:xfrm>
-              <a:off x="10344346" y="1502790"/>
-              <a:ext cx="540000" cy="540000"/>
-            </a:xfrm>
-            <a:prstGeom prst="rect">
-              <a:avLst/>
-            </a:prstGeom>
-          </p:spPr>
-        </p:pic>
-        <p:sp>
-          <p:nvSpPr>
-            <p:cNvPr id="33" name="TextBox 32">
-              <a:extLst>
-                <a:ext uri="{FF2B5EF4-FFF2-40B4-BE49-F238E27FC236}">
-                  <a16:creationId xmlns:a16="http://schemas.microsoft.com/office/drawing/2014/main" id="{A96C96BF-41AE-FE5F-FBD0-EC5801B9D8C7}"/>
-                </a:ext>
-              </a:extLst>
-            </p:cNvPr>
-            <p:cNvSpPr txBox="1"/>
-            <p:nvPr/>
-          </p:nvSpPr>
-          <p:spPr>
-            <a:xfrm>
-              <a:off x="10344346" y="1980869"/>
-              <a:ext cx="576000" cy="246221"/>
-            </a:xfrm>
-            <a:prstGeom prst="rect">
-              <a:avLst/>
-            </a:prstGeom>
-            <a:noFill/>
-          </p:spPr>
-          <p:txBody>
-            <a:bodyPr wrap="square" rtlCol="0" anchor="ctr">
-              <a:spAutoFit/>
-            </a:bodyPr>
-            <a:lstStyle/>
-            <a:p>
-              <a:pPr algn="ctr"/>
-              <a:r>
-                <a:rPr lang="ko-KR" altLang="en-US" sz="1000" dirty="0"/>
-                <a:t>조교</a:t>
-              </a:r>
-            </a:p>
-          </p:txBody>
-        </p:sp>
-      </p:grpSp>
-      <p:sp>
-        <p:nvSpPr>
-          <p:cNvPr id="2" name="제목 1">
-            <a:extLst>
-              <a:ext uri="{FF2B5EF4-FFF2-40B4-BE49-F238E27FC236}">
-                <a16:creationId xmlns:a16="http://schemas.microsoft.com/office/drawing/2014/main" id="{6B1CCBDB-D290-437D-990A-552AC4A1EB6F}"/>
-              </a:ext>
-            </a:extLst>
-          </p:cNvPr>
-          <p:cNvSpPr txBox="1">
-            <a:spLocks/>
-          </p:cNvSpPr>
-          <p:nvPr/>
-        </p:nvSpPr>
-        <p:spPr>
-          <a:xfrm>
-            <a:off x="-2" y="0"/>
-            <a:ext cx="12135439" cy="584462"/>
-          </a:xfrm>
-          <a:prstGeom prst="rect">
-            <a:avLst/>
-          </a:prstGeom>
-        </p:spPr>
-        <p:txBody>
-          <a:bodyPr/>
-          <a:lstStyle>
-            <a:lvl1pPr algn="l" defTabSz="914400" rtl="0" eaLnBrk="1" latinLnBrk="1" hangingPunct="1">
-              <a:lnSpc>
-                <a:spcPct val="90000"/>
-              </a:lnSpc>
-              <a:spcBef>
-                <a:spcPct val="0"/>
-              </a:spcBef>
-              <a:buNone/>
-              <a:defRPr sz="4400" kern="1200">
-                <a:solidFill>
-                  <a:schemeClr val="tx1"/>
-                </a:solidFill>
-                <a:latin typeface="+mj-lt"/>
-                <a:ea typeface="+mj-ea"/>
-                <a:cs typeface="+mj-cs"/>
-              </a:defRPr>
-            </a:lvl1pPr>
-          </a:lstStyle>
-          <a:p>
-            <a:r>
-              <a:rPr lang="ko-KR" altLang="en-US" sz="3000" dirty="0"/>
-              <a:t>커뮤니티 웹사이트 시스템 개념도</a:t>
-            </a:r>
-            <a:r>
-              <a:rPr lang="en-US" altLang="ko-KR" sz="3000" dirty="0"/>
-              <a:t>(</a:t>
-            </a:r>
-            <a:r>
-              <a:rPr lang="ko-KR" altLang="en-US" sz="3000" dirty="0"/>
-              <a:t>예비</a:t>
-            </a:r>
-            <a:r>
-              <a:rPr lang="en-US" altLang="ko-KR" sz="3000" dirty="0"/>
-              <a:t>; </a:t>
-            </a:r>
-            <a:r>
-              <a:rPr lang="ko-KR" altLang="en-US" sz="3000" dirty="0"/>
-              <a:t>시스템 구성도라고 평가받음</a:t>
-            </a:r>
-            <a:r>
-              <a:rPr lang="en-US" altLang="ko-KR" sz="3000" dirty="0"/>
-              <a:t>)</a:t>
-            </a:r>
-            <a:endParaRPr lang="ko-KR" altLang="en-US" sz="3000" dirty="0"/>
-          </a:p>
-        </p:txBody>
-      </p:sp>
-      <p:grpSp>
-        <p:nvGrpSpPr>
-          <p:cNvPr id="16" name="그룹 15">
-            <a:extLst>
-              <a:ext uri="{FF2B5EF4-FFF2-40B4-BE49-F238E27FC236}">
-                <a16:creationId xmlns:a16="http://schemas.microsoft.com/office/drawing/2014/main" id="{EAEB276A-EC3F-C8DC-8FCD-00420C8F285B}"/>
-              </a:ext>
-            </a:extLst>
-          </p:cNvPr>
-          <p:cNvGrpSpPr/>
-          <p:nvPr/>
-        </p:nvGrpSpPr>
-        <p:grpSpPr>
-          <a:xfrm>
-            <a:off x="175855" y="3828658"/>
-            <a:ext cx="728619" cy="2531374"/>
-            <a:chOff x="175855" y="3935971"/>
-            <a:chExt cx="728619" cy="2531374"/>
-          </a:xfrm>
-        </p:grpSpPr>
-        <p:grpSp>
-          <p:nvGrpSpPr>
-            <p:cNvPr id="52" name="그룹 51">
-              <a:extLst>
-                <a:ext uri="{FF2B5EF4-FFF2-40B4-BE49-F238E27FC236}">
-                  <a16:creationId xmlns:a16="http://schemas.microsoft.com/office/drawing/2014/main" id="{EC4238C1-EAB1-2C19-7917-3D1ED1BA170B}"/>
-                </a:ext>
-              </a:extLst>
-            </p:cNvPr>
-            <p:cNvGrpSpPr/>
-            <p:nvPr/>
-          </p:nvGrpSpPr>
-          <p:grpSpPr>
-            <a:xfrm>
-              <a:off x="175855" y="3935971"/>
-              <a:ext cx="728619" cy="2497825"/>
-              <a:chOff x="103694" y="377779"/>
-              <a:chExt cx="1743959" cy="2497825"/>
-            </a:xfrm>
-          </p:grpSpPr>
-          <p:sp>
-            <p:nvSpPr>
-              <p:cNvPr id="62" name="직사각형 61">
-                <a:extLst>
-                  <a:ext uri="{FF2B5EF4-FFF2-40B4-BE49-F238E27FC236}">
-                    <a16:creationId xmlns:a16="http://schemas.microsoft.com/office/drawing/2014/main" id="{0ECA5EAF-A3FF-4DB9-FEEB-F49BF83962CF}"/>
-                  </a:ext>
-                </a:extLst>
-              </p:cNvPr>
-              <p:cNvSpPr/>
-              <p:nvPr/>
-            </p:nvSpPr>
-            <p:spPr>
-              <a:xfrm>
-                <a:off x="103694" y="575036"/>
-                <a:ext cx="1743959" cy="2300568"/>
-              </a:xfrm>
-              <a:prstGeom prst="rect">
-                <a:avLst/>
-              </a:prstGeom>
-              <a:solidFill>
-                <a:schemeClr val="bg1">
-                  <a:lumMod val="95000"/>
-                </a:schemeClr>
-              </a:solidFill>
-              <a:ln>
-                <a:solidFill>
-                  <a:schemeClr val="tx1"/>
-                </a:solidFill>
-              </a:ln>
-            </p:spPr>
-            <p:style>
-              <a:lnRef idx="2">
-                <a:schemeClr val="accent1">
-                  <a:shade val="50000"/>
-                </a:schemeClr>
-              </a:lnRef>
-              <a:fillRef idx="1">
-                <a:schemeClr val="accent1"/>
-              </a:fillRef>
-              <a:effectRef idx="0">
-                <a:schemeClr val="accent1"/>
-              </a:effectRef>
-              <a:fontRef idx="minor">
-                <a:schemeClr val="lt1"/>
-              </a:fontRef>
-            </p:style>
-            <p:txBody>
-              <a:bodyPr rtlCol="0" anchor="ctr"/>
-              <a:lstStyle/>
-              <a:p>
-                <a:pPr algn="ctr"/>
-                <a:endParaRPr lang="ko-KR" altLang="en-US">
-                  <a:solidFill>
-                    <a:schemeClr val="tx1"/>
-                  </a:solidFill>
-                </a:endParaRPr>
-              </a:p>
-            </p:txBody>
-          </p:sp>
-          <p:sp>
-            <p:nvSpPr>
-              <p:cNvPr id="63" name="직사각형 62">
-                <a:extLst>
-                  <a:ext uri="{FF2B5EF4-FFF2-40B4-BE49-F238E27FC236}">
-                    <a16:creationId xmlns:a16="http://schemas.microsoft.com/office/drawing/2014/main" id="{B71DED86-8AE6-C9D3-B683-BA3F3237AB99}"/>
-                  </a:ext>
-                </a:extLst>
-              </p:cNvPr>
-              <p:cNvSpPr/>
-              <p:nvPr/>
-            </p:nvSpPr>
-            <p:spPr>
-              <a:xfrm>
-                <a:off x="103694" y="377779"/>
-                <a:ext cx="1743959" cy="206682"/>
-              </a:xfrm>
-              <a:prstGeom prst="rect">
-                <a:avLst/>
-              </a:prstGeom>
-              <a:solidFill>
-                <a:schemeClr val="bg1">
-                  <a:lumMod val="75000"/>
-                </a:schemeClr>
-              </a:solidFill>
-              <a:ln>
-                <a:solidFill>
-                  <a:schemeClr val="tx1"/>
-                </a:solidFill>
-              </a:ln>
-            </p:spPr>
-            <p:style>
-              <a:lnRef idx="2">
-                <a:schemeClr val="accent1">
-                  <a:shade val="50000"/>
-                </a:schemeClr>
-              </a:lnRef>
-              <a:fillRef idx="1">
-                <a:schemeClr val="accent1"/>
-              </a:fillRef>
-              <a:effectRef idx="0">
-                <a:schemeClr val="accent1"/>
-              </a:effectRef>
-              <a:fontRef idx="minor">
-                <a:schemeClr val="lt1"/>
-              </a:fontRef>
-            </p:style>
-            <p:txBody>
-              <a:bodyPr rtlCol="0" anchor="ctr"/>
-              <a:lstStyle/>
-              <a:p>
-                <a:pPr algn="ctr"/>
-                <a:r>
-                  <a:rPr lang="ko-KR" altLang="en-US" sz="1200" b="1" dirty="0">
-                    <a:solidFill>
-                      <a:schemeClr val="tx1"/>
-                    </a:solidFill>
-                  </a:rPr>
-                  <a:t>관리자</a:t>
-                </a:r>
-              </a:p>
-            </p:txBody>
-          </p:sp>
-        </p:grpSp>
-        <p:grpSp>
-          <p:nvGrpSpPr>
-            <p:cNvPr id="53" name="그룹 52">
-              <a:extLst>
-                <a:ext uri="{FF2B5EF4-FFF2-40B4-BE49-F238E27FC236}">
-                  <a16:creationId xmlns:a16="http://schemas.microsoft.com/office/drawing/2014/main" id="{85E34321-82EC-F132-7895-ECDD78A96964}"/>
-                </a:ext>
-              </a:extLst>
-            </p:cNvPr>
-            <p:cNvGrpSpPr/>
-            <p:nvPr/>
-          </p:nvGrpSpPr>
-          <p:grpSpPr>
-            <a:xfrm>
-              <a:off x="256206" y="4142974"/>
-              <a:ext cx="576000" cy="734344"/>
-              <a:chOff x="7291199" y="4352014"/>
-              <a:chExt cx="576000" cy="734344"/>
-            </a:xfrm>
-          </p:grpSpPr>
-          <p:pic>
-            <p:nvPicPr>
-              <p:cNvPr id="60" name="그림 59">
-                <a:extLst>
-                  <a:ext uri="{FF2B5EF4-FFF2-40B4-BE49-F238E27FC236}">
-                    <a16:creationId xmlns:a16="http://schemas.microsoft.com/office/drawing/2014/main" id="{D6BE57CF-916E-17F8-29A2-6A91AF41E129}"/>
-                  </a:ext>
-                </a:extLst>
-              </p:cNvPr>
-              <p:cNvPicPr>
-                <a:picLocks noChangeAspect="1"/>
-              </p:cNvPicPr>
-              <p:nvPr/>
-            </p:nvPicPr>
-            <p:blipFill>
-              <a:blip r:embed="rId6">
-                <a:extLst>
-                  <a:ext uri="{28A0092B-C50C-407E-A947-70E740481C1C}">
-                    <a14:useLocalDpi xmlns:a14="http://schemas.microsoft.com/office/drawing/2010/main" val="0"/>
-                  </a:ext>
-                </a:extLst>
-              </a:blip>
-              <a:stretch>
-                <a:fillRect/>
-              </a:stretch>
-            </p:blipFill>
-            <p:spPr>
-              <a:xfrm>
-                <a:off x="7291199" y="4352014"/>
-                <a:ext cx="540000" cy="540000"/>
-              </a:xfrm>
-              <a:prstGeom prst="rect">
-                <a:avLst/>
-              </a:prstGeom>
-            </p:spPr>
-          </p:pic>
-          <p:sp>
-            <p:nvSpPr>
-              <p:cNvPr id="61" name="TextBox 60">
-                <a:extLst>
-                  <a:ext uri="{FF2B5EF4-FFF2-40B4-BE49-F238E27FC236}">
-                    <a16:creationId xmlns:a16="http://schemas.microsoft.com/office/drawing/2014/main" id="{04254923-9C6E-C962-78E1-700A9F5691B4}"/>
-                  </a:ext>
-                </a:extLst>
-              </p:cNvPr>
-              <p:cNvSpPr txBox="1"/>
-              <p:nvPr/>
-            </p:nvSpPr>
-            <p:spPr>
-              <a:xfrm>
-                <a:off x="7291199" y="4840137"/>
-                <a:ext cx="576000" cy="246221"/>
-              </a:xfrm>
-              <a:prstGeom prst="rect">
-                <a:avLst/>
-              </a:prstGeom>
-              <a:noFill/>
-            </p:spPr>
-            <p:txBody>
-              <a:bodyPr wrap="square" rtlCol="0" anchor="ctr">
-                <a:spAutoFit/>
-              </a:bodyPr>
-              <a:lstStyle/>
-              <a:p>
-                <a:pPr algn="ctr"/>
-                <a:r>
-                  <a:rPr lang="ko-KR" altLang="en-US" sz="1000" dirty="0"/>
-                  <a:t>운영자</a:t>
-                </a:r>
-              </a:p>
-            </p:txBody>
-          </p:sp>
-        </p:grpSp>
-        <p:grpSp>
-          <p:nvGrpSpPr>
-            <p:cNvPr id="54" name="그룹 53">
-              <a:extLst>
-                <a:ext uri="{FF2B5EF4-FFF2-40B4-BE49-F238E27FC236}">
-                  <a16:creationId xmlns:a16="http://schemas.microsoft.com/office/drawing/2014/main" id="{F1666BEA-B85A-EBED-B75B-7E905AF36D2D}"/>
-                </a:ext>
-              </a:extLst>
-            </p:cNvPr>
-            <p:cNvGrpSpPr/>
-            <p:nvPr/>
-          </p:nvGrpSpPr>
-          <p:grpSpPr>
-            <a:xfrm>
-              <a:off x="256206" y="4838998"/>
-              <a:ext cx="576000" cy="737256"/>
-              <a:chOff x="2052266" y="1513985"/>
-              <a:chExt cx="576000" cy="737256"/>
-            </a:xfrm>
-          </p:grpSpPr>
-          <p:pic>
-            <p:nvPicPr>
-              <p:cNvPr id="58" name="그림 57">
-                <a:extLst>
-                  <a:ext uri="{FF2B5EF4-FFF2-40B4-BE49-F238E27FC236}">
-                    <a16:creationId xmlns:a16="http://schemas.microsoft.com/office/drawing/2014/main" id="{F550D927-7B8A-32EC-36A2-9D6606138118}"/>
-                  </a:ext>
-                </a:extLst>
-              </p:cNvPr>
-              <p:cNvPicPr>
-                <a:picLocks noChangeAspect="1"/>
-              </p:cNvPicPr>
-              <p:nvPr/>
-            </p:nvPicPr>
-            <p:blipFill>
-              <a:blip r:embed="rId7">
-                <a:extLst>
-                  <a:ext uri="{28A0092B-C50C-407E-A947-70E740481C1C}">
-                    <a14:useLocalDpi xmlns:a14="http://schemas.microsoft.com/office/drawing/2010/main" val="0"/>
-                  </a:ext>
-                </a:extLst>
-              </a:blip>
-              <a:stretch>
-                <a:fillRect/>
-              </a:stretch>
-            </p:blipFill>
-            <p:spPr>
-              <a:xfrm>
-                <a:off x="2052266" y="1513985"/>
-                <a:ext cx="540000" cy="540000"/>
-              </a:xfrm>
-              <a:prstGeom prst="rect">
-                <a:avLst/>
-              </a:prstGeom>
-            </p:spPr>
-          </p:pic>
-          <p:sp>
-            <p:nvSpPr>
-              <p:cNvPr id="59" name="TextBox 58">
-                <a:extLst>
-                  <a:ext uri="{FF2B5EF4-FFF2-40B4-BE49-F238E27FC236}">
-                    <a16:creationId xmlns:a16="http://schemas.microsoft.com/office/drawing/2014/main" id="{E0848EDC-A800-635C-EB98-A977F634DBF8}"/>
-                  </a:ext>
-                </a:extLst>
-              </p:cNvPr>
-              <p:cNvSpPr txBox="1"/>
-              <p:nvPr/>
-            </p:nvSpPr>
-            <p:spPr>
-              <a:xfrm>
-                <a:off x="2052266" y="2005020"/>
-                <a:ext cx="576000" cy="246221"/>
-              </a:xfrm>
-              <a:prstGeom prst="rect">
-                <a:avLst/>
-              </a:prstGeom>
-              <a:noFill/>
-            </p:spPr>
-            <p:txBody>
-              <a:bodyPr wrap="square" rtlCol="0" anchor="ctr">
-                <a:spAutoFit/>
-              </a:bodyPr>
-              <a:lstStyle/>
-              <a:p>
-                <a:pPr algn="ctr"/>
-                <a:r>
-                  <a:rPr lang="ko-KR" altLang="en-US" sz="1000" dirty="0"/>
-                  <a:t>개발자</a:t>
-                </a:r>
-              </a:p>
-            </p:txBody>
-          </p:sp>
-        </p:grpSp>
-        <p:grpSp>
-          <p:nvGrpSpPr>
-            <p:cNvPr id="55" name="그룹 54">
-              <a:extLst>
-                <a:ext uri="{FF2B5EF4-FFF2-40B4-BE49-F238E27FC236}">
-                  <a16:creationId xmlns:a16="http://schemas.microsoft.com/office/drawing/2014/main" id="{14A39CD8-8AD5-E690-3A71-4A2C50250EF2}"/>
-                </a:ext>
-              </a:extLst>
-            </p:cNvPr>
-            <p:cNvGrpSpPr/>
-            <p:nvPr/>
-          </p:nvGrpSpPr>
-          <p:grpSpPr>
-            <a:xfrm>
-              <a:off x="256206" y="5565052"/>
-              <a:ext cx="576000" cy="902293"/>
-              <a:chOff x="5016000" y="2700608"/>
-              <a:chExt cx="576000" cy="902293"/>
-            </a:xfrm>
-          </p:grpSpPr>
-          <p:pic>
-            <p:nvPicPr>
-              <p:cNvPr id="56" name="그림 55">
-                <a:extLst>
-                  <a:ext uri="{FF2B5EF4-FFF2-40B4-BE49-F238E27FC236}">
-                    <a16:creationId xmlns:a16="http://schemas.microsoft.com/office/drawing/2014/main" id="{69EB5208-5474-6A4B-5611-E7176EA59E35}"/>
-                  </a:ext>
-                </a:extLst>
-              </p:cNvPr>
-              <p:cNvPicPr>
-                <a:picLocks noChangeAspect="1"/>
-              </p:cNvPicPr>
-              <p:nvPr/>
-            </p:nvPicPr>
-            <p:blipFill>
-              <a:blip r:embed="rId8">
-                <a:extLst>
-                  <a:ext uri="{28A0092B-C50C-407E-A947-70E740481C1C}">
-                    <a14:useLocalDpi xmlns:a14="http://schemas.microsoft.com/office/drawing/2010/main" val="0"/>
-                  </a:ext>
-                </a:extLst>
-              </a:blip>
-              <a:stretch>
-                <a:fillRect/>
-              </a:stretch>
-            </p:blipFill>
-            <p:spPr>
-              <a:xfrm>
-                <a:off x="5016000" y="2700608"/>
-                <a:ext cx="540000" cy="540000"/>
-              </a:xfrm>
-              <a:prstGeom prst="rect">
-                <a:avLst/>
-              </a:prstGeom>
-            </p:spPr>
-          </p:pic>
-          <p:sp>
-            <p:nvSpPr>
-              <p:cNvPr id="57" name="TextBox 56">
-                <a:extLst>
-                  <a:ext uri="{FF2B5EF4-FFF2-40B4-BE49-F238E27FC236}">
-                    <a16:creationId xmlns:a16="http://schemas.microsoft.com/office/drawing/2014/main" id="{90DE8963-C91B-95EA-9A18-5393061CDD9D}"/>
-                  </a:ext>
-                </a:extLst>
-              </p:cNvPr>
-              <p:cNvSpPr txBox="1"/>
-              <p:nvPr/>
-            </p:nvSpPr>
-            <p:spPr>
-              <a:xfrm>
-                <a:off x="5016000" y="3202791"/>
-                <a:ext cx="576000" cy="400110"/>
-              </a:xfrm>
-              <a:prstGeom prst="rect">
-                <a:avLst/>
-              </a:prstGeom>
-              <a:noFill/>
-            </p:spPr>
-            <p:txBody>
-              <a:bodyPr wrap="square" rtlCol="0" anchor="ctr">
-                <a:spAutoFit/>
-              </a:bodyPr>
-              <a:lstStyle/>
-              <a:p>
-                <a:pPr algn="ctr"/>
-                <a:r>
-                  <a:rPr lang="ko-KR" altLang="en-US" sz="1000" dirty="0"/>
-                  <a:t>게시판</a:t>
-                </a:r>
-                <a:endParaRPr lang="en-US" altLang="ko-KR" sz="1000" dirty="0"/>
-              </a:p>
-              <a:p>
-                <a:pPr algn="ctr"/>
-                <a:r>
-                  <a:rPr lang="ko-KR" altLang="en-US" sz="1000" dirty="0"/>
-                  <a:t>관리자</a:t>
-                </a:r>
-              </a:p>
-            </p:txBody>
-          </p:sp>
-        </p:grpSp>
-      </p:grpSp>
-      <p:grpSp>
-        <p:nvGrpSpPr>
-          <p:cNvPr id="79" name="그룹 78">
-            <a:extLst>
-              <a:ext uri="{FF2B5EF4-FFF2-40B4-BE49-F238E27FC236}">
-                <a16:creationId xmlns:a16="http://schemas.microsoft.com/office/drawing/2014/main" id="{C80E1390-3CC8-1B52-BA6E-25D39849DDCE}"/>
-              </a:ext>
-            </a:extLst>
-          </p:cNvPr>
-          <p:cNvGrpSpPr/>
-          <p:nvPr/>
-        </p:nvGrpSpPr>
-        <p:grpSpPr>
-          <a:xfrm>
-            <a:off x="3278164" y="852228"/>
-            <a:ext cx="8181911" cy="4740578"/>
-            <a:chOff x="3278164" y="852228"/>
-            <a:chExt cx="8181911" cy="4740578"/>
-          </a:xfrm>
-        </p:grpSpPr>
-        <p:grpSp>
-          <p:nvGrpSpPr>
-            <p:cNvPr id="129" name="그룹 128">
-              <a:extLst>
-                <a:ext uri="{FF2B5EF4-FFF2-40B4-BE49-F238E27FC236}">
-                  <a16:creationId xmlns:a16="http://schemas.microsoft.com/office/drawing/2014/main" id="{0FC5C20E-E546-334A-BC78-DA3EDCFF544A}"/>
-                </a:ext>
-              </a:extLst>
-            </p:cNvPr>
-            <p:cNvGrpSpPr/>
-            <p:nvPr/>
-          </p:nvGrpSpPr>
-          <p:grpSpPr>
-            <a:xfrm>
-              <a:off x="7472796" y="852228"/>
-              <a:ext cx="3987279" cy="2935416"/>
-              <a:chOff x="2321324" y="2172903"/>
-              <a:chExt cx="3987279" cy="2935416"/>
-            </a:xfrm>
-          </p:grpSpPr>
-          <p:grpSp>
-            <p:nvGrpSpPr>
-              <p:cNvPr id="115" name="그룹 114">
-                <a:extLst>
-                  <a:ext uri="{FF2B5EF4-FFF2-40B4-BE49-F238E27FC236}">
-                    <a16:creationId xmlns:a16="http://schemas.microsoft.com/office/drawing/2014/main" id="{E2F82581-4165-9A97-2D03-B80B484947A5}"/>
-                  </a:ext>
-                </a:extLst>
-              </p:cNvPr>
-              <p:cNvGrpSpPr/>
-              <p:nvPr/>
-            </p:nvGrpSpPr>
-            <p:grpSpPr>
-              <a:xfrm>
-                <a:off x="2321324" y="2172903"/>
-                <a:ext cx="3987279" cy="2935416"/>
-                <a:chOff x="103694" y="199330"/>
-                <a:chExt cx="1743959" cy="2935416"/>
-              </a:xfrm>
-            </p:grpSpPr>
-            <p:sp>
-              <p:nvSpPr>
-                <p:cNvPr id="116" name="직사각형 115">
-                  <a:extLst>
-                    <a:ext uri="{FF2B5EF4-FFF2-40B4-BE49-F238E27FC236}">
-                      <a16:creationId xmlns:a16="http://schemas.microsoft.com/office/drawing/2014/main" id="{F3CA33D6-9B35-ABD6-7A9E-4DA8C7C95C87}"/>
-                    </a:ext>
-                  </a:extLst>
-                </p:cNvPr>
-                <p:cNvSpPr/>
-                <p:nvPr/>
-              </p:nvSpPr>
-              <p:spPr>
-                <a:xfrm>
-                  <a:off x="103694" y="575036"/>
-                  <a:ext cx="1743959" cy="2559710"/>
-                </a:xfrm>
-                <a:prstGeom prst="rect">
-                  <a:avLst/>
-                </a:prstGeom>
-                <a:solidFill>
-                  <a:schemeClr val="bg1">
-                    <a:lumMod val="95000"/>
-                  </a:schemeClr>
-                </a:solidFill>
-                <a:ln>
-                  <a:solidFill>
-                    <a:schemeClr val="tx1"/>
-                  </a:solidFill>
-                </a:ln>
-              </p:spPr>
-              <p:style>
-                <a:lnRef idx="2">
-                  <a:schemeClr val="accent1">
-                    <a:shade val="50000"/>
-                  </a:schemeClr>
-                </a:lnRef>
-                <a:fillRef idx="1">
-                  <a:schemeClr val="accent1"/>
-                </a:fillRef>
-                <a:effectRef idx="0">
-                  <a:schemeClr val="accent1"/>
-                </a:effectRef>
-                <a:fontRef idx="minor">
-                  <a:schemeClr val="lt1"/>
-                </a:fontRef>
-              </p:style>
-              <p:txBody>
-                <a:bodyPr rtlCol="0" anchor="ctr"/>
-                <a:lstStyle/>
-                <a:p>
-                  <a:pPr algn="ctr"/>
-                  <a:endParaRPr lang="ko-KR" altLang="en-US">
-                    <a:solidFill>
-                      <a:schemeClr val="tx1"/>
-                    </a:solidFill>
-                  </a:endParaRPr>
-                </a:p>
-              </p:txBody>
-            </p:sp>
-            <p:sp>
-              <p:nvSpPr>
-                <p:cNvPr id="117" name="직사각형 116">
-                  <a:extLst>
-                    <a:ext uri="{FF2B5EF4-FFF2-40B4-BE49-F238E27FC236}">
-                      <a16:creationId xmlns:a16="http://schemas.microsoft.com/office/drawing/2014/main" id="{7E3440BF-9F37-44D6-68B6-3F0D97A104FF}"/>
-                    </a:ext>
-                  </a:extLst>
-                </p:cNvPr>
-                <p:cNvSpPr/>
-                <p:nvPr/>
-              </p:nvSpPr>
-              <p:spPr>
-                <a:xfrm>
-                  <a:off x="103694" y="199330"/>
-                  <a:ext cx="1743959" cy="385131"/>
-                </a:xfrm>
-                <a:prstGeom prst="rect">
-                  <a:avLst/>
-                </a:prstGeom>
-                <a:solidFill>
-                  <a:schemeClr val="bg1">
-                    <a:lumMod val="75000"/>
-                  </a:schemeClr>
-                </a:solidFill>
-                <a:ln>
-                  <a:solidFill>
-                    <a:schemeClr val="tx1"/>
-                  </a:solidFill>
-                </a:ln>
-              </p:spPr>
-              <p:style>
-                <a:lnRef idx="2">
-                  <a:schemeClr val="accent1">
-                    <a:shade val="50000"/>
-                  </a:schemeClr>
-                </a:lnRef>
-                <a:fillRef idx="1">
-                  <a:schemeClr val="accent1"/>
-                </a:fillRef>
-                <a:effectRef idx="0">
-                  <a:schemeClr val="accent1"/>
-                </a:effectRef>
-                <a:fontRef idx="minor">
-                  <a:schemeClr val="lt1"/>
-                </a:fontRef>
-              </p:style>
-              <p:txBody>
-                <a:bodyPr rtlCol="0" anchor="ctr"/>
-                <a:lstStyle/>
-                <a:p>
-                  <a:pPr algn="ctr"/>
-                  <a:r>
-                    <a:rPr lang="ko-KR" altLang="en-US" sz="1200" b="1" dirty="0">
-                      <a:solidFill>
-                        <a:schemeClr val="tx1"/>
-                      </a:solidFill>
-                    </a:rPr>
-                    <a:t>기능</a:t>
-                  </a:r>
-                </a:p>
-              </p:txBody>
-            </p:sp>
-          </p:grpSp>
-          <p:sp>
-            <p:nvSpPr>
-              <p:cNvPr id="82" name="직사각형 81">
-                <a:extLst>
-                  <a:ext uri="{FF2B5EF4-FFF2-40B4-BE49-F238E27FC236}">
-                    <a16:creationId xmlns:a16="http://schemas.microsoft.com/office/drawing/2014/main" id="{6909B94B-56DE-A287-F8DD-01B3FB6AE1D7}"/>
-                  </a:ext>
-                </a:extLst>
-              </p:cNvPr>
-              <p:cNvSpPr/>
-              <p:nvPr/>
-            </p:nvSpPr>
-            <p:spPr>
-              <a:xfrm>
-                <a:off x="5119479" y="2624562"/>
-                <a:ext cx="1147078" cy="508556"/>
-              </a:xfrm>
-              <a:prstGeom prst="rect">
-                <a:avLst/>
-              </a:prstGeom>
-              <a:solidFill>
-                <a:schemeClr val="tx2">
-                  <a:lumMod val="20000"/>
-                  <a:lumOff val="80000"/>
-                </a:schemeClr>
-              </a:solidFill>
-              <a:ln>
-                <a:solidFill>
-                  <a:schemeClr val="tx1"/>
-                </a:solidFill>
-              </a:ln>
-            </p:spPr>
-            <p:style>
-              <a:lnRef idx="2">
-                <a:schemeClr val="accent1">
-                  <a:shade val="50000"/>
-                </a:schemeClr>
-              </a:lnRef>
-              <a:fillRef idx="1">
-                <a:schemeClr val="accent1"/>
-              </a:fillRef>
-              <a:effectRef idx="0">
-                <a:schemeClr val="accent1"/>
-              </a:effectRef>
-              <a:fontRef idx="minor">
-                <a:schemeClr val="lt1"/>
-              </a:fontRef>
-            </p:style>
-            <p:txBody>
-              <a:bodyPr rtlCol="0" anchor="ctr"/>
-              <a:lstStyle/>
-              <a:p>
-                <a:pPr algn="ctr"/>
-                <a:r>
-                  <a:rPr lang="ko-KR" altLang="en-US" sz="1000" dirty="0">
-                    <a:solidFill>
-                      <a:sysClr val="windowText" lastClr="000000"/>
-                    </a:solidFill>
-                  </a:rPr>
-                  <a:t>게시글 검색</a:t>
-                </a:r>
-              </a:p>
-            </p:txBody>
-          </p:sp>
-          <p:sp>
-            <p:nvSpPr>
-              <p:cNvPr id="118" name="직사각형 117">
-                <a:extLst>
-                  <a:ext uri="{FF2B5EF4-FFF2-40B4-BE49-F238E27FC236}">
-                    <a16:creationId xmlns:a16="http://schemas.microsoft.com/office/drawing/2014/main" id="{13312C2D-2499-4B8B-594A-58962D6D2150}"/>
-                  </a:ext>
-                </a:extLst>
-              </p:cNvPr>
-              <p:cNvSpPr/>
-              <p:nvPr/>
-            </p:nvSpPr>
-            <p:spPr>
-              <a:xfrm>
-                <a:off x="5119479" y="3236434"/>
-                <a:ext cx="1147078" cy="508555"/>
-              </a:xfrm>
-              <a:prstGeom prst="rect">
-                <a:avLst/>
-              </a:prstGeom>
-              <a:solidFill>
-                <a:schemeClr val="tx2">
-                  <a:lumMod val="20000"/>
-                  <a:lumOff val="80000"/>
-                </a:schemeClr>
-              </a:solidFill>
-              <a:ln>
-                <a:solidFill>
-                  <a:schemeClr val="tx1"/>
-                </a:solidFill>
-              </a:ln>
-            </p:spPr>
-            <p:style>
-              <a:lnRef idx="2">
-                <a:schemeClr val="accent1">
-                  <a:shade val="50000"/>
-                </a:schemeClr>
-              </a:lnRef>
-              <a:fillRef idx="1">
-                <a:schemeClr val="accent1"/>
-              </a:fillRef>
-              <a:effectRef idx="0">
-                <a:schemeClr val="accent1"/>
-              </a:effectRef>
-              <a:fontRef idx="minor">
-                <a:schemeClr val="lt1"/>
-              </a:fontRef>
-            </p:style>
-            <p:txBody>
-              <a:bodyPr rtlCol="0" anchor="ctr"/>
-              <a:lstStyle/>
-              <a:p>
-                <a:pPr algn="ctr"/>
-                <a:r>
-                  <a:rPr lang="ko-KR" altLang="en-US" sz="1000" dirty="0">
-                    <a:solidFill>
-                      <a:sysClr val="windowText" lastClr="000000"/>
-                    </a:solidFill>
-                  </a:rPr>
-                  <a:t>게시글 분류</a:t>
-                </a:r>
-              </a:p>
-            </p:txBody>
-          </p:sp>
-          <p:sp>
-            <p:nvSpPr>
-              <p:cNvPr id="103" name="직사각형 102">
-                <a:extLst>
-                  <a:ext uri="{FF2B5EF4-FFF2-40B4-BE49-F238E27FC236}">
-                    <a16:creationId xmlns:a16="http://schemas.microsoft.com/office/drawing/2014/main" id="{0A3AA6FC-881E-F052-F658-72AE91D8F2B6}"/>
-                  </a:ext>
-                </a:extLst>
-              </p:cNvPr>
-              <p:cNvSpPr/>
-              <p:nvPr/>
-            </p:nvSpPr>
-            <p:spPr>
-              <a:xfrm>
-                <a:off x="2361677" y="4524067"/>
-                <a:ext cx="1330795" cy="507213"/>
-              </a:xfrm>
-              <a:prstGeom prst="rect">
-                <a:avLst/>
-              </a:prstGeom>
-              <a:solidFill>
-                <a:schemeClr val="tx2">
-                  <a:lumMod val="20000"/>
-                  <a:lumOff val="80000"/>
-                </a:schemeClr>
-              </a:solidFill>
-              <a:ln>
-                <a:solidFill>
-                  <a:schemeClr val="tx1"/>
-                </a:solidFill>
-              </a:ln>
-            </p:spPr>
-            <p:style>
-              <a:lnRef idx="2">
-                <a:schemeClr val="accent1">
-                  <a:shade val="50000"/>
-                </a:schemeClr>
-              </a:lnRef>
-              <a:fillRef idx="1">
-                <a:schemeClr val="accent1"/>
-              </a:fillRef>
-              <a:effectRef idx="0">
-                <a:schemeClr val="accent1"/>
-              </a:effectRef>
-              <a:fontRef idx="minor">
-                <a:schemeClr val="lt1"/>
-              </a:fontRef>
-            </p:style>
-            <p:txBody>
-              <a:bodyPr rtlCol="0" anchor="ctr"/>
-              <a:lstStyle/>
-              <a:p>
-                <a:pPr algn="ctr"/>
-                <a:r>
-                  <a:rPr lang="ko-KR" altLang="en-US" sz="1000" dirty="0">
-                    <a:solidFill>
-                      <a:sysClr val="windowText" lastClr="000000"/>
-                    </a:solidFill>
-                  </a:rPr>
-                  <a:t>게시글 관리</a:t>
-                </a:r>
-                <a:endParaRPr lang="en-US" altLang="ko-KR" sz="1000" dirty="0">
-                  <a:solidFill>
-                    <a:sysClr val="windowText" lastClr="000000"/>
-                  </a:solidFill>
-                </a:endParaRPr>
-              </a:p>
-              <a:p>
-                <a:pPr algn="ctr"/>
-                <a:r>
-                  <a:rPr lang="en-US" altLang="ko-KR" sz="1000" dirty="0">
-                    <a:solidFill>
-                      <a:sysClr val="windowText" lastClr="000000"/>
-                    </a:solidFill>
-                  </a:rPr>
-                  <a:t>CRUD+CRS</a:t>
-                </a:r>
-                <a:endParaRPr lang="ko-KR" altLang="en-US" sz="1000" dirty="0">
-                  <a:solidFill>
-                    <a:sysClr val="windowText" lastClr="000000"/>
-                  </a:solidFill>
-                </a:endParaRPr>
-              </a:p>
-            </p:txBody>
-          </p:sp>
-          <p:sp>
-            <p:nvSpPr>
-              <p:cNvPr id="119" name="직사각형 118">
-                <a:extLst>
-                  <a:ext uri="{FF2B5EF4-FFF2-40B4-BE49-F238E27FC236}">
-                    <a16:creationId xmlns:a16="http://schemas.microsoft.com/office/drawing/2014/main" id="{DC655E4F-67B9-F2CC-83F0-DFE9244E7412}"/>
-                  </a:ext>
-                </a:extLst>
-              </p:cNvPr>
-              <p:cNvSpPr/>
-              <p:nvPr/>
-            </p:nvSpPr>
-            <p:spPr>
-              <a:xfrm>
-                <a:off x="2361677" y="2625234"/>
-                <a:ext cx="1346492" cy="507213"/>
-              </a:xfrm>
-              <a:prstGeom prst="rect">
-                <a:avLst/>
-              </a:prstGeom>
-              <a:solidFill>
-                <a:schemeClr val="tx2">
-                  <a:lumMod val="20000"/>
-                  <a:lumOff val="80000"/>
-                </a:schemeClr>
-              </a:solidFill>
-              <a:ln>
-                <a:solidFill>
-                  <a:schemeClr val="tx1"/>
-                </a:solidFill>
-              </a:ln>
-            </p:spPr>
-            <p:style>
-              <a:lnRef idx="2">
-                <a:schemeClr val="accent1">
-                  <a:shade val="50000"/>
-                </a:schemeClr>
-              </a:lnRef>
-              <a:fillRef idx="1">
-                <a:schemeClr val="accent1"/>
-              </a:fillRef>
-              <a:effectRef idx="0">
-                <a:schemeClr val="accent1"/>
-              </a:effectRef>
-              <a:fontRef idx="minor">
-                <a:schemeClr val="lt1"/>
-              </a:fontRef>
-            </p:style>
-            <p:txBody>
-              <a:bodyPr rtlCol="0" anchor="ctr"/>
-              <a:lstStyle/>
-              <a:p>
-                <a:pPr algn="ctr"/>
-                <a:r>
-                  <a:rPr lang="ko-KR" altLang="en-US" sz="1000" dirty="0">
-                    <a:solidFill>
-                      <a:sysClr val="windowText" lastClr="000000"/>
-                    </a:solidFill>
-                  </a:rPr>
-                  <a:t>게시판 관리</a:t>
-                </a:r>
-                <a:endParaRPr lang="en-US" altLang="ko-KR" sz="1000" dirty="0">
-                  <a:solidFill>
-                    <a:sysClr val="windowText" lastClr="000000"/>
-                  </a:solidFill>
-                </a:endParaRPr>
-              </a:p>
-              <a:p>
-                <a:pPr algn="ctr"/>
-                <a:r>
-                  <a:rPr lang="en-US" altLang="ko-KR" sz="1000" dirty="0">
-                    <a:solidFill>
-                      <a:sysClr val="windowText" lastClr="000000"/>
-                    </a:solidFill>
-                  </a:rPr>
-                  <a:t>CRUD</a:t>
-                </a:r>
-                <a:endParaRPr lang="ko-KR" altLang="en-US" sz="1000" dirty="0">
-                  <a:solidFill>
-                    <a:sysClr val="windowText" lastClr="000000"/>
-                  </a:solidFill>
-                </a:endParaRPr>
-              </a:p>
-            </p:txBody>
-          </p:sp>
-          <p:sp>
-            <p:nvSpPr>
-              <p:cNvPr id="121" name="직사각형 120">
-                <a:extLst>
-                  <a:ext uri="{FF2B5EF4-FFF2-40B4-BE49-F238E27FC236}">
-                    <a16:creationId xmlns:a16="http://schemas.microsoft.com/office/drawing/2014/main" id="{2F0B606F-9B56-4F58-0695-62A4E1F33656}"/>
-                  </a:ext>
-                </a:extLst>
-              </p:cNvPr>
-              <p:cNvSpPr/>
-              <p:nvPr/>
-            </p:nvSpPr>
-            <p:spPr>
-              <a:xfrm>
-                <a:off x="3790062" y="2623761"/>
-                <a:ext cx="1214914" cy="510158"/>
-              </a:xfrm>
-              <a:prstGeom prst="rect">
-                <a:avLst/>
-              </a:prstGeom>
-              <a:solidFill>
-                <a:schemeClr val="tx2">
-                  <a:lumMod val="20000"/>
-                  <a:lumOff val="80000"/>
-                </a:schemeClr>
-              </a:solidFill>
-              <a:ln>
-                <a:solidFill>
-                  <a:schemeClr val="tx1"/>
-                </a:solidFill>
-              </a:ln>
-            </p:spPr>
-            <p:style>
-              <a:lnRef idx="2">
-                <a:schemeClr val="accent1">
-                  <a:shade val="50000"/>
-                </a:schemeClr>
-              </a:lnRef>
-              <a:fillRef idx="1">
-                <a:schemeClr val="accent1"/>
-              </a:fillRef>
-              <a:effectRef idx="0">
-                <a:schemeClr val="accent1"/>
-              </a:effectRef>
-              <a:fontRef idx="minor">
-                <a:schemeClr val="lt1"/>
-              </a:fontRef>
-            </p:style>
-            <p:txBody>
-              <a:bodyPr rtlCol="0" anchor="ctr"/>
-              <a:lstStyle/>
-              <a:p>
-                <a:pPr algn="ctr"/>
-                <a:r>
-                  <a:rPr lang="ko-KR" altLang="en-US" sz="1000" dirty="0" err="1">
-                    <a:solidFill>
-                      <a:sysClr val="windowText" lastClr="000000"/>
-                    </a:solidFill>
-                  </a:rPr>
-                  <a:t>신고글</a:t>
-                </a:r>
-                <a:r>
-                  <a:rPr lang="ko-KR" altLang="en-US" sz="1000" dirty="0">
-                    <a:solidFill>
-                      <a:sysClr val="windowText" lastClr="000000"/>
-                    </a:solidFill>
-                  </a:rPr>
-                  <a:t> 관리</a:t>
-                </a:r>
-                <a:endParaRPr lang="en-US" altLang="ko-KR" sz="1000" dirty="0">
-                  <a:solidFill>
-                    <a:sysClr val="windowText" lastClr="000000"/>
-                  </a:solidFill>
-                </a:endParaRPr>
-              </a:p>
-              <a:p>
-                <a:pPr algn="ctr"/>
-                <a:r>
-                  <a:rPr lang="en-US" altLang="ko-KR" sz="1000" dirty="0">
-                    <a:solidFill>
-                      <a:sysClr val="windowText" lastClr="000000"/>
-                    </a:solidFill>
-                  </a:rPr>
-                  <a:t>CR+P</a:t>
-                </a:r>
-                <a:endParaRPr lang="ko-KR" altLang="en-US" sz="1000" dirty="0">
-                  <a:solidFill>
-                    <a:sysClr val="windowText" lastClr="000000"/>
-                  </a:solidFill>
-                </a:endParaRPr>
-              </a:p>
-            </p:txBody>
-          </p:sp>
-          <p:sp>
-            <p:nvSpPr>
-              <p:cNvPr id="122" name="직사각형 121">
-                <a:extLst>
-                  <a:ext uri="{FF2B5EF4-FFF2-40B4-BE49-F238E27FC236}">
-                    <a16:creationId xmlns:a16="http://schemas.microsoft.com/office/drawing/2014/main" id="{D23C302A-9C90-CADC-0EDF-3324FB689457}"/>
-                  </a:ext>
-                </a:extLst>
-              </p:cNvPr>
-              <p:cNvSpPr/>
-              <p:nvPr/>
-            </p:nvSpPr>
-            <p:spPr>
-              <a:xfrm>
-                <a:off x="2374447" y="3862908"/>
-                <a:ext cx="1318025" cy="507459"/>
-              </a:xfrm>
-              <a:prstGeom prst="rect">
-                <a:avLst/>
-              </a:prstGeom>
-              <a:solidFill>
-                <a:schemeClr val="tx2">
-                  <a:lumMod val="20000"/>
-                  <a:lumOff val="80000"/>
-                </a:schemeClr>
-              </a:solidFill>
-              <a:ln>
-                <a:solidFill>
-                  <a:schemeClr val="tx1"/>
-                </a:solidFill>
-              </a:ln>
-            </p:spPr>
-            <p:style>
-              <a:lnRef idx="2">
-                <a:schemeClr val="accent1">
-                  <a:shade val="50000"/>
-                </a:schemeClr>
-              </a:lnRef>
-              <a:fillRef idx="1">
-                <a:schemeClr val="accent1"/>
-              </a:fillRef>
-              <a:effectRef idx="0">
-                <a:schemeClr val="accent1"/>
-              </a:effectRef>
-              <a:fontRef idx="minor">
-                <a:schemeClr val="lt1"/>
-              </a:fontRef>
-            </p:style>
-            <p:txBody>
-              <a:bodyPr rtlCol="0" anchor="ctr"/>
-              <a:lstStyle/>
-              <a:p>
-                <a:pPr algn="ctr"/>
-                <a:r>
-                  <a:rPr lang="ko-KR" altLang="en-US" sz="1000" dirty="0">
-                    <a:solidFill>
-                      <a:sysClr val="windowText" lastClr="000000"/>
-                    </a:solidFill>
-                  </a:rPr>
-                  <a:t>공지사항 관리</a:t>
-                </a:r>
-                <a:endParaRPr lang="en-US" altLang="ko-KR" sz="1000" dirty="0">
-                  <a:solidFill>
-                    <a:sysClr val="windowText" lastClr="000000"/>
-                  </a:solidFill>
-                </a:endParaRPr>
-              </a:p>
-              <a:p>
-                <a:pPr algn="ctr"/>
-                <a:r>
-                  <a:rPr lang="en-US" altLang="ko-KR" sz="1000" dirty="0">
-                    <a:solidFill>
-                      <a:sysClr val="windowText" lastClr="000000"/>
-                    </a:solidFill>
-                  </a:rPr>
-                  <a:t>CRUD+CS</a:t>
-                </a:r>
-                <a:endParaRPr lang="ko-KR" altLang="en-US" sz="1000" dirty="0">
-                  <a:solidFill>
-                    <a:sysClr val="windowText" lastClr="000000"/>
-                  </a:solidFill>
-                </a:endParaRPr>
-              </a:p>
-            </p:txBody>
-          </p:sp>
-          <p:sp>
-            <p:nvSpPr>
-              <p:cNvPr id="124" name="직사각형 123">
-                <a:extLst>
-                  <a:ext uri="{FF2B5EF4-FFF2-40B4-BE49-F238E27FC236}">
-                    <a16:creationId xmlns:a16="http://schemas.microsoft.com/office/drawing/2014/main" id="{7DC34468-89C4-57F5-BE5B-E46B4143DBB2}"/>
-                  </a:ext>
-                </a:extLst>
-              </p:cNvPr>
-              <p:cNvSpPr/>
-              <p:nvPr/>
-            </p:nvSpPr>
-            <p:spPr>
-              <a:xfrm>
-                <a:off x="3794052" y="3236982"/>
-                <a:ext cx="1214914" cy="507459"/>
-              </a:xfrm>
-              <a:prstGeom prst="rect">
-                <a:avLst/>
-              </a:prstGeom>
-              <a:solidFill>
-                <a:schemeClr val="tx2">
-                  <a:lumMod val="20000"/>
-                  <a:lumOff val="80000"/>
-                </a:schemeClr>
-              </a:solidFill>
-              <a:ln>
-                <a:solidFill>
-                  <a:schemeClr val="tx1"/>
-                </a:solidFill>
-              </a:ln>
-            </p:spPr>
-            <p:style>
-              <a:lnRef idx="2">
-                <a:schemeClr val="accent1">
-                  <a:shade val="50000"/>
-                </a:schemeClr>
-              </a:lnRef>
-              <a:fillRef idx="1">
-                <a:schemeClr val="accent1"/>
-              </a:fillRef>
-              <a:effectRef idx="0">
-                <a:schemeClr val="accent1"/>
-              </a:effectRef>
-              <a:fontRef idx="minor">
-                <a:schemeClr val="lt1"/>
-              </a:fontRef>
-            </p:style>
-            <p:txBody>
-              <a:bodyPr rtlCol="0" anchor="ctr"/>
-              <a:lstStyle/>
-              <a:p>
-                <a:pPr algn="ctr"/>
-                <a:r>
-                  <a:rPr lang="ko-KR" altLang="en-US" sz="1000" dirty="0" err="1">
-                    <a:solidFill>
-                      <a:sysClr val="windowText" lastClr="000000"/>
-                    </a:solidFill>
-                  </a:rPr>
-                  <a:t>건의글</a:t>
-                </a:r>
-                <a:r>
-                  <a:rPr lang="ko-KR" altLang="en-US" sz="1000" dirty="0">
-                    <a:solidFill>
-                      <a:sysClr val="windowText" lastClr="000000"/>
-                    </a:solidFill>
-                  </a:rPr>
-                  <a:t> 관리</a:t>
-                </a:r>
-                <a:endParaRPr lang="en-US" altLang="ko-KR" sz="1000" dirty="0">
-                  <a:solidFill>
-                    <a:sysClr val="windowText" lastClr="000000"/>
-                  </a:solidFill>
-                </a:endParaRPr>
-              </a:p>
-              <a:p>
-                <a:pPr algn="ctr"/>
-                <a:r>
-                  <a:rPr lang="en-US" altLang="ko-KR" sz="1000" dirty="0">
-                    <a:solidFill>
-                      <a:sysClr val="windowText" lastClr="000000"/>
-                    </a:solidFill>
-                  </a:rPr>
-                  <a:t>CRUD+C</a:t>
-                </a:r>
-                <a:endParaRPr lang="ko-KR" altLang="en-US" sz="1000" dirty="0">
-                  <a:solidFill>
-                    <a:sysClr val="windowText" lastClr="000000"/>
-                  </a:solidFill>
-                </a:endParaRPr>
-              </a:p>
-            </p:txBody>
-          </p:sp>
-          <p:sp>
-            <p:nvSpPr>
-              <p:cNvPr id="125" name="직사각형 124">
-                <a:extLst>
-                  <a:ext uri="{FF2B5EF4-FFF2-40B4-BE49-F238E27FC236}">
-                    <a16:creationId xmlns:a16="http://schemas.microsoft.com/office/drawing/2014/main" id="{165A8289-08E3-7F7E-1DFA-1E4DCA9843FB}"/>
-                  </a:ext>
-                </a:extLst>
-              </p:cNvPr>
-              <p:cNvSpPr/>
-              <p:nvPr/>
-            </p:nvSpPr>
-            <p:spPr>
-              <a:xfrm>
-                <a:off x="3803335" y="3852368"/>
-                <a:ext cx="1214914" cy="507459"/>
-              </a:xfrm>
-              <a:prstGeom prst="rect">
-                <a:avLst/>
-              </a:prstGeom>
-              <a:solidFill>
-                <a:schemeClr val="tx2">
-                  <a:lumMod val="20000"/>
-                  <a:lumOff val="80000"/>
-                </a:schemeClr>
-              </a:solidFill>
-              <a:ln>
-                <a:solidFill>
-                  <a:schemeClr val="tx1"/>
-                </a:solidFill>
-              </a:ln>
-            </p:spPr>
-            <p:style>
-              <a:lnRef idx="2">
-                <a:schemeClr val="accent1">
-                  <a:shade val="50000"/>
-                </a:schemeClr>
-              </a:lnRef>
-              <a:fillRef idx="1">
-                <a:schemeClr val="accent1"/>
-              </a:fillRef>
-              <a:effectRef idx="0">
-                <a:schemeClr val="accent1"/>
-              </a:effectRef>
-              <a:fontRef idx="minor">
-                <a:schemeClr val="lt1"/>
-              </a:fontRef>
-            </p:style>
-            <p:txBody>
-              <a:bodyPr rtlCol="0" anchor="ctr"/>
-              <a:lstStyle/>
-              <a:p>
-                <a:pPr algn="ctr"/>
-                <a:r>
-                  <a:rPr lang="ko-KR" altLang="en-US" sz="1000" dirty="0">
-                    <a:solidFill>
-                      <a:sysClr val="windowText" lastClr="000000"/>
-                    </a:solidFill>
-                  </a:rPr>
-                  <a:t>사용자 상세</a:t>
-                </a:r>
-                <a:endParaRPr lang="en-US" altLang="ko-KR" sz="1000" dirty="0">
-                  <a:solidFill>
-                    <a:sysClr val="windowText" lastClr="000000"/>
-                  </a:solidFill>
-                </a:endParaRPr>
-              </a:p>
-              <a:p>
-                <a:pPr algn="ctr"/>
-                <a:r>
-                  <a:rPr lang="en-US" altLang="ko-KR" sz="1000" dirty="0">
-                    <a:solidFill>
-                      <a:sysClr val="windowText" lastClr="000000"/>
-                    </a:solidFill>
-                  </a:rPr>
-                  <a:t>UD+R</a:t>
-                </a:r>
-                <a:endParaRPr lang="ko-KR" altLang="en-US" sz="1000" dirty="0">
-                  <a:solidFill>
-                    <a:sysClr val="windowText" lastClr="000000"/>
-                  </a:solidFill>
-                </a:endParaRPr>
-              </a:p>
-            </p:txBody>
-          </p:sp>
-          <p:sp>
-            <p:nvSpPr>
-              <p:cNvPr id="128" name="직사각형 127">
-                <a:extLst>
-                  <a:ext uri="{FF2B5EF4-FFF2-40B4-BE49-F238E27FC236}">
-                    <a16:creationId xmlns:a16="http://schemas.microsoft.com/office/drawing/2014/main" id="{8F63B773-367C-C71F-782A-36BDE650C459}"/>
-                  </a:ext>
-                </a:extLst>
-              </p:cNvPr>
-              <p:cNvSpPr/>
-              <p:nvPr/>
-            </p:nvSpPr>
-            <p:spPr>
-              <a:xfrm>
-                <a:off x="2365514" y="3236982"/>
-                <a:ext cx="1318025" cy="507459"/>
-              </a:xfrm>
-              <a:prstGeom prst="rect">
-                <a:avLst/>
-              </a:prstGeom>
-              <a:solidFill>
-                <a:schemeClr val="tx2">
-                  <a:lumMod val="20000"/>
-                  <a:lumOff val="80000"/>
-                </a:schemeClr>
-              </a:solidFill>
-              <a:ln>
-                <a:solidFill>
-                  <a:schemeClr val="tx1"/>
-                </a:solidFill>
-              </a:ln>
-            </p:spPr>
-            <p:style>
-              <a:lnRef idx="2">
-                <a:schemeClr val="accent1">
-                  <a:shade val="50000"/>
-                </a:schemeClr>
-              </a:lnRef>
-              <a:fillRef idx="1">
-                <a:schemeClr val="accent1"/>
-              </a:fillRef>
-              <a:effectRef idx="0">
-                <a:schemeClr val="accent1"/>
-              </a:effectRef>
-              <a:fontRef idx="minor">
-                <a:schemeClr val="lt1"/>
-              </a:fontRef>
-            </p:style>
-            <p:txBody>
-              <a:bodyPr rtlCol="0" anchor="ctr"/>
-              <a:lstStyle/>
-              <a:p>
-                <a:pPr algn="ctr"/>
-                <a:r>
-                  <a:rPr lang="ko-KR" altLang="en-US" sz="1000" dirty="0">
-                    <a:solidFill>
-                      <a:sysClr val="windowText" lastClr="000000"/>
-                    </a:solidFill>
-                  </a:rPr>
-                  <a:t>공지사항 </a:t>
-                </a:r>
-                <a:r>
-                  <a:rPr lang="ko-KR" altLang="en-US" sz="1000" dirty="0" err="1">
-                    <a:solidFill>
-                      <a:sysClr val="windowText" lastClr="000000"/>
-                    </a:solidFill>
-                  </a:rPr>
-                  <a:t>푸시</a:t>
-                </a:r>
-                <a:endParaRPr lang="en-US" altLang="ko-KR" sz="1000" dirty="0">
-                  <a:solidFill>
-                    <a:sysClr val="windowText" lastClr="000000"/>
-                  </a:solidFill>
-                </a:endParaRPr>
-              </a:p>
-              <a:p>
-                <a:pPr algn="ctr"/>
-                <a:r>
-                  <a:rPr lang="en-US" altLang="ko-KR" sz="1000" dirty="0">
-                    <a:solidFill>
-                      <a:sysClr val="windowText" lastClr="000000"/>
-                    </a:solidFill>
-                  </a:rPr>
-                  <a:t>CR+D</a:t>
-                </a:r>
-                <a:endParaRPr lang="ko-KR" altLang="en-US" sz="1000" dirty="0">
-                  <a:solidFill>
-                    <a:sysClr val="windowText" lastClr="000000"/>
-                  </a:solidFill>
-                </a:endParaRPr>
-              </a:p>
-            </p:txBody>
-          </p:sp>
-        </p:grpSp>
-        <p:grpSp>
-          <p:nvGrpSpPr>
-            <p:cNvPr id="176" name="그룹 175">
-              <a:extLst>
-                <a:ext uri="{FF2B5EF4-FFF2-40B4-BE49-F238E27FC236}">
-                  <a16:creationId xmlns:a16="http://schemas.microsoft.com/office/drawing/2014/main" id="{2BC53AF0-C9ED-5F44-8222-21EF2E40B118}"/>
-                </a:ext>
-              </a:extLst>
-            </p:cNvPr>
-            <p:cNvGrpSpPr/>
-            <p:nvPr/>
-          </p:nvGrpSpPr>
-          <p:grpSpPr>
-            <a:xfrm>
-              <a:off x="3677035" y="4514170"/>
-              <a:ext cx="7463338" cy="1078636"/>
-              <a:chOff x="1630837" y="2022523"/>
-              <a:chExt cx="7463338" cy="1078636"/>
-            </a:xfrm>
-          </p:grpSpPr>
-          <p:grpSp>
-            <p:nvGrpSpPr>
-              <p:cNvPr id="6" name="그룹 5">
-                <a:extLst>
-                  <a:ext uri="{FF2B5EF4-FFF2-40B4-BE49-F238E27FC236}">
-                    <a16:creationId xmlns:a16="http://schemas.microsoft.com/office/drawing/2014/main" id="{585A9285-669D-72C6-75E2-7701211DE2DB}"/>
-                  </a:ext>
-                </a:extLst>
-              </p:cNvPr>
-              <p:cNvGrpSpPr/>
-              <p:nvPr/>
-            </p:nvGrpSpPr>
-            <p:grpSpPr>
-              <a:xfrm>
-                <a:off x="1630837" y="2022523"/>
-                <a:ext cx="7463338" cy="1078636"/>
-                <a:chOff x="103694" y="199332"/>
-                <a:chExt cx="1743959" cy="1078636"/>
-              </a:xfrm>
-            </p:grpSpPr>
-            <p:sp>
-              <p:nvSpPr>
-                <p:cNvPr id="5" name="직사각형 4">
-                  <a:extLst>
-                    <a:ext uri="{FF2B5EF4-FFF2-40B4-BE49-F238E27FC236}">
-                      <a16:creationId xmlns:a16="http://schemas.microsoft.com/office/drawing/2014/main" id="{26108B12-51FB-0EAE-57B1-9F75BC9328FC}"/>
-                    </a:ext>
-                  </a:extLst>
-                </p:cNvPr>
-                <p:cNvSpPr/>
-                <p:nvPr/>
-              </p:nvSpPr>
-              <p:spPr>
-                <a:xfrm>
-                  <a:off x="103694" y="575036"/>
-                  <a:ext cx="1743959" cy="702932"/>
-                </a:xfrm>
-                <a:prstGeom prst="rect">
-                  <a:avLst/>
-                </a:prstGeom>
-                <a:solidFill>
-                  <a:schemeClr val="bg1">
-                    <a:lumMod val="95000"/>
-                  </a:schemeClr>
-                </a:solidFill>
-                <a:ln>
-                  <a:solidFill>
-                    <a:schemeClr val="tx1"/>
-                  </a:solidFill>
-                </a:ln>
-              </p:spPr>
-              <p:style>
-                <a:lnRef idx="2">
-                  <a:schemeClr val="accent1">
-                    <a:shade val="50000"/>
-                  </a:schemeClr>
-                </a:lnRef>
-                <a:fillRef idx="1">
-                  <a:schemeClr val="accent1"/>
-                </a:fillRef>
-                <a:effectRef idx="0">
-                  <a:schemeClr val="accent1"/>
-                </a:effectRef>
-                <a:fontRef idx="minor">
-                  <a:schemeClr val="lt1"/>
-                </a:fontRef>
-              </p:style>
-              <p:txBody>
-                <a:bodyPr rtlCol="0" anchor="ctr"/>
-                <a:lstStyle/>
-                <a:p>
-                  <a:pPr algn="ctr"/>
-                  <a:endParaRPr lang="ko-KR" altLang="en-US">
-                    <a:solidFill>
-                      <a:schemeClr val="tx1"/>
-                    </a:solidFill>
-                  </a:endParaRPr>
-                </a:p>
-              </p:txBody>
-            </p:sp>
-            <p:sp>
-              <p:nvSpPr>
-                <p:cNvPr id="4" name="직사각형 3">
-                  <a:extLst>
-                    <a:ext uri="{FF2B5EF4-FFF2-40B4-BE49-F238E27FC236}">
-                      <a16:creationId xmlns:a16="http://schemas.microsoft.com/office/drawing/2014/main" id="{6E2388AD-4764-8AFE-8D8D-FE54D7874767}"/>
-                    </a:ext>
-                  </a:extLst>
-                </p:cNvPr>
-                <p:cNvSpPr/>
-                <p:nvPr/>
-              </p:nvSpPr>
-              <p:spPr>
-                <a:xfrm>
-                  <a:off x="103694" y="199332"/>
-                  <a:ext cx="1743959" cy="385130"/>
-                </a:xfrm>
-                <a:prstGeom prst="rect">
-                  <a:avLst/>
-                </a:prstGeom>
-                <a:solidFill>
-                  <a:schemeClr val="bg1">
-                    <a:lumMod val="75000"/>
-                  </a:schemeClr>
-                </a:solidFill>
-                <a:ln>
-                  <a:solidFill>
-                    <a:schemeClr val="tx1"/>
-                  </a:solidFill>
-                </a:ln>
-              </p:spPr>
-              <p:style>
-                <a:lnRef idx="2">
-                  <a:schemeClr val="accent1">
-                    <a:shade val="50000"/>
-                  </a:schemeClr>
-                </a:lnRef>
-                <a:fillRef idx="1">
-                  <a:schemeClr val="accent1"/>
-                </a:fillRef>
-                <a:effectRef idx="0">
-                  <a:schemeClr val="accent1"/>
-                </a:effectRef>
-                <a:fontRef idx="minor">
-                  <a:schemeClr val="lt1"/>
-                </a:fontRef>
-              </p:style>
-              <p:txBody>
-                <a:bodyPr rtlCol="0" anchor="ctr"/>
-                <a:lstStyle/>
-                <a:p>
-                  <a:pPr algn="ctr"/>
-                  <a:r>
-                    <a:rPr lang="en-US" altLang="ko-KR" sz="1200" b="1" dirty="0">
-                      <a:solidFill>
-                        <a:schemeClr val="tx1"/>
-                      </a:solidFill>
-                    </a:rPr>
-                    <a:t>DB</a:t>
-                  </a:r>
-                  <a:endParaRPr lang="ko-KR" altLang="en-US" sz="1200" b="1" dirty="0">
-                    <a:solidFill>
-                      <a:schemeClr val="tx1"/>
-                    </a:solidFill>
-                  </a:endParaRPr>
-                </a:p>
-              </p:txBody>
-            </p:sp>
-          </p:grpSp>
-          <p:sp>
-            <p:nvSpPr>
-              <p:cNvPr id="64" name="직사각형 63">
-                <a:extLst>
-                  <a:ext uri="{FF2B5EF4-FFF2-40B4-BE49-F238E27FC236}">
-                    <a16:creationId xmlns:a16="http://schemas.microsoft.com/office/drawing/2014/main" id="{B3D3340E-2C42-BFC4-0D12-B0939555BCCF}"/>
-                  </a:ext>
-                </a:extLst>
-              </p:cNvPr>
-              <p:cNvSpPr/>
-              <p:nvPr/>
-            </p:nvSpPr>
-            <p:spPr>
-              <a:xfrm>
-                <a:off x="1724524" y="2504321"/>
-                <a:ext cx="1342416" cy="515253"/>
-              </a:xfrm>
-              <a:prstGeom prst="rect">
-                <a:avLst/>
-              </a:prstGeom>
-              <a:solidFill>
-                <a:schemeClr val="tx2">
-                  <a:lumMod val="20000"/>
-                  <a:lumOff val="80000"/>
-                </a:schemeClr>
-              </a:solidFill>
-              <a:ln>
-                <a:solidFill>
-                  <a:schemeClr val="tx1"/>
-                </a:solidFill>
-              </a:ln>
-            </p:spPr>
-            <p:style>
-              <a:lnRef idx="2">
-                <a:schemeClr val="accent1">
-                  <a:shade val="50000"/>
-                </a:schemeClr>
-              </a:lnRef>
-              <a:fillRef idx="1">
-                <a:schemeClr val="accent1"/>
-              </a:fillRef>
-              <a:effectRef idx="0">
-                <a:schemeClr val="accent1"/>
-              </a:effectRef>
-              <a:fontRef idx="minor">
-                <a:schemeClr val="lt1"/>
-              </a:fontRef>
-            </p:style>
-            <p:txBody>
-              <a:bodyPr rtlCol="0" anchor="ctr"/>
-              <a:lstStyle/>
-              <a:p>
-                <a:pPr algn="ctr"/>
-                <a:r>
-                  <a:rPr lang="ko-KR" altLang="en-US" sz="1000" dirty="0">
-                    <a:solidFill>
-                      <a:sysClr val="windowText" lastClr="000000"/>
-                    </a:solidFill>
-                  </a:rPr>
-                  <a:t>사용자 </a:t>
-                </a:r>
-                <a:r>
-                  <a:rPr lang="en-US" altLang="ko-KR" sz="1000" dirty="0">
-                    <a:solidFill>
-                      <a:sysClr val="windowText" lastClr="000000"/>
-                    </a:solidFill>
-                  </a:rPr>
-                  <a:t>DB</a:t>
-                </a:r>
-                <a:endParaRPr lang="ko-KR" altLang="en-US" sz="1000" dirty="0">
-                  <a:solidFill>
-                    <a:sysClr val="windowText" lastClr="000000"/>
-                  </a:solidFill>
-                </a:endParaRPr>
-              </a:p>
-            </p:txBody>
-          </p:sp>
-          <p:sp>
-            <p:nvSpPr>
-              <p:cNvPr id="65" name="직사각형 64">
-                <a:extLst>
-                  <a:ext uri="{FF2B5EF4-FFF2-40B4-BE49-F238E27FC236}">
-                    <a16:creationId xmlns:a16="http://schemas.microsoft.com/office/drawing/2014/main" id="{81E8580A-5C62-F08B-AA81-6DAC72526DD7}"/>
-                  </a:ext>
-                </a:extLst>
-              </p:cNvPr>
-              <p:cNvSpPr/>
-              <p:nvPr/>
-            </p:nvSpPr>
-            <p:spPr>
-              <a:xfrm>
-                <a:off x="4687170" y="2504321"/>
-                <a:ext cx="1342416" cy="515253"/>
-              </a:xfrm>
-              <a:prstGeom prst="rect">
-                <a:avLst/>
-              </a:prstGeom>
-              <a:solidFill>
-                <a:schemeClr val="tx2">
-                  <a:lumMod val="20000"/>
-                  <a:lumOff val="80000"/>
-                </a:schemeClr>
-              </a:solidFill>
-              <a:ln>
-                <a:solidFill>
-                  <a:schemeClr val="tx1"/>
-                </a:solidFill>
-              </a:ln>
-            </p:spPr>
-            <p:style>
-              <a:lnRef idx="2">
-                <a:schemeClr val="accent1">
-                  <a:shade val="50000"/>
-                </a:schemeClr>
-              </a:lnRef>
-              <a:fillRef idx="1">
-                <a:schemeClr val="accent1"/>
-              </a:fillRef>
-              <a:effectRef idx="0">
-                <a:schemeClr val="accent1"/>
-              </a:effectRef>
-              <a:fontRef idx="minor">
-                <a:schemeClr val="lt1"/>
-              </a:fontRef>
-            </p:style>
-            <p:txBody>
-              <a:bodyPr rtlCol="0" anchor="ctr"/>
-              <a:lstStyle/>
-              <a:p>
-                <a:pPr algn="ctr"/>
-                <a:r>
-                  <a:rPr lang="ko-KR" altLang="en-US" sz="1000" dirty="0">
-                    <a:solidFill>
-                      <a:sysClr val="windowText" lastClr="000000"/>
-                    </a:solidFill>
-                  </a:rPr>
-                  <a:t>게시판 </a:t>
-                </a:r>
-                <a:r>
-                  <a:rPr lang="en-US" altLang="ko-KR" sz="1000" dirty="0">
-                    <a:solidFill>
-                      <a:sysClr val="windowText" lastClr="000000"/>
-                    </a:solidFill>
-                  </a:rPr>
-                  <a:t>x N</a:t>
-                </a:r>
-                <a:r>
-                  <a:rPr lang="ko-KR" altLang="en-US" sz="1000" dirty="0">
-                    <a:solidFill>
-                      <a:sysClr val="windowText" lastClr="000000"/>
-                    </a:solidFill>
-                  </a:rPr>
-                  <a:t>개</a:t>
-                </a:r>
-              </a:p>
-            </p:txBody>
-          </p:sp>
-          <p:sp>
-            <p:nvSpPr>
-              <p:cNvPr id="66" name="직사각형 65">
-                <a:extLst>
-                  <a:ext uri="{FF2B5EF4-FFF2-40B4-BE49-F238E27FC236}">
-                    <a16:creationId xmlns:a16="http://schemas.microsoft.com/office/drawing/2014/main" id="{3DFB685F-472E-25F0-0F6D-090CC8B8DA97}"/>
-                  </a:ext>
-                </a:extLst>
-              </p:cNvPr>
-              <p:cNvSpPr/>
-              <p:nvPr/>
-            </p:nvSpPr>
-            <p:spPr>
-              <a:xfrm>
-                <a:off x="6165398" y="2504321"/>
-                <a:ext cx="1342416" cy="515253"/>
-              </a:xfrm>
-              <a:prstGeom prst="rect">
-                <a:avLst/>
-              </a:prstGeom>
-              <a:solidFill>
-                <a:schemeClr val="tx2">
-                  <a:lumMod val="20000"/>
-                  <a:lumOff val="80000"/>
-                </a:schemeClr>
-              </a:solidFill>
-              <a:ln>
-                <a:solidFill>
-                  <a:schemeClr val="tx1"/>
-                </a:solidFill>
-              </a:ln>
-            </p:spPr>
-            <p:style>
-              <a:lnRef idx="2">
-                <a:schemeClr val="accent1">
-                  <a:shade val="50000"/>
-                </a:schemeClr>
-              </a:lnRef>
-              <a:fillRef idx="1">
-                <a:schemeClr val="accent1"/>
-              </a:fillRef>
-              <a:effectRef idx="0">
-                <a:schemeClr val="accent1"/>
-              </a:effectRef>
-              <a:fontRef idx="minor">
-                <a:schemeClr val="lt1"/>
-              </a:fontRef>
-            </p:style>
-            <p:txBody>
-              <a:bodyPr rtlCol="0" anchor="ctr"/>
-              <a:lstStyle/>
-              <a:p>
-                <a:pPr algn="ctr"/>
-                <a:r>
-                  <a:rPr lang="ko-KR" altLang="en-US" sz="1000" dirty="0">
-                    <a:solidFill>
-                      <a:sysClr val="windowText" lastClr="000000"/>
-                    </a:solidFill>
-                  </a:rPr>
-                  <a:t>공지사항</a:t>
-                </a:r>
-              </a:p>
-            </p:txBody>
-          </p:sp>
-          <p:sp>
-            <p:nvSpPr>
-              <p:cNvPr id="72" name="직사각형 71">
-                <a:extLst>
-                  <a:ext uri="{FF2B5EF4-FFF2-40B4-BE49-F238E27FC236}">
-                    <a16:creationId xmlns:a16="http://schemas.microsoft.com/office/drawing/2014/main" id="{F8820559-1EB8-51E1-EDF2-82A3074D8AB0}"/>
-                  </a:ext>
-                </a:extLst>
-              </p:cNvPr>
-              <p:cNvSpPr/>
-              <p:nvPr/>
-            </p:nvSpPr>
-            <p:spPr>
-              <a:xfrm>
-                <a:off x="7643626" y="2504321"/>
-                <a:ext cx="1342416" cy="496631"/>
-              </a:xfrm>
-              <a:prstGeom prst="rect">
-                <a:avLst/>
-              </a:prstGeom>
-              <a:solidFill>
-                <a:schemeClr val="tx2">
-                  <a:lumMod val="20000"/>
-                  <a:lumOff val="80000"/>
-                </a:schemeClr>
-              </a:solidFill>
-              <a:ln>
-                <a:solidFill>
-                  <a:schemeClr val="tx1"/>
-                </a:solidFill>
-              </a:ln>
-            </p:spPr>
-            <p:style>
-              <a:lnRef idx="2">
-                <a:schemeClr val="accent1">
-                  <a:shade val="50000"/>
-                </a:schemeClr>
-              </a:lnRef>
-              <a:fillRef idx="1">
-                <a:schemeClr val="accent1"/>
-              </a:fillRef>
-              <a:effectRef idx="0">
-                <a:schemeClr val="accent1"/>
-              </a:effectRef>
-              <a:fontRef idx="minor">
-                <a:schemeClr val="lt1"/>
-              </a:fontRef>
-            </p:style>
-            <p:txBody>
-              <a:bodyPr rtlCol="0" anchor="ctr"/>
-              <a:lstStyle/>
-              <a:p>
-                <a:pPr algn="ctr"/>
-                <a:r>
-                  <a:rPr lang="ko-KR" altLang="en-US" sz="1000" dirty="0" err="1">
-                    <a:solidFill>
-                      <a:sysClr val="windowText" lastClr="000000"/>
-                    </a:solidFill>
-                  </a:rPr>
-                  <a:t>건의글</a:t>
-                </a:r>
-                <a:endParaRPr lang="ko-KR" altLang="en-US" sz="1000" dirty="0">
-                  <a:solidFill>
-                    <a:sysClr val="windowText" lastClr="000000"/>
-                  </a:solidFill>
-                </a:endParaRPr>
-              </a:p>
-            </p:txBody>
-          </p:sp>
-          <p:sp>
-            <p:nvSpPr>
-              <p:cNvPr id="172" name="직사각형 171">
-                <a:extLst>
-                  <a:ext uri="{FF2B5EF4-FFF2-40B4-BE49-F238E27FC236}">
-                    <a16:creationId xmlns:a16="http://schemas.microsoft.com/office/drawing/2014/main" id="{B678CE3F-46B1-DFC0-FC1F-B79D127AEFDB}"/>
-                  </a:ext>
-                </a:extLst>
-              </p:cNvPr>
-              <p:cNvSpPr/>
-              <p:nvPr/>
-            </p:nvSpPr>
-            <p:spPr>
-              <a:xfrm>
-                <a:off x="3205847" y="2504321"/>
-                <a:ext cx="1342416" cy="515253"/>
-              </a:xfrm>
-              <a:prstGeom prst="rect">
-                <a:avLst/>
-              </a:prstGeom>
-              <a:solidFill>
-                <a:schemeClr val="tx2">
-                  <a:lumMod val="20000"/>
-                  <a:lumOff val="80000"/>
-                </a:schemeClr>
-              </a:solidFill>
-              <a:ln>
-                <a:solidFill>
-                  <a:schemeClr val="tx1"/>
-                </a:solidFill>
-              </a:ln>
-            </p:spPr>
-            <p:style>
-              <a:lnRef idx="2">
-                <a:schemeClr val="accent1">
-                  <a:shade val="50000"/>
-                </a:schemeClr>
-              </a:lnRef>
-              <a:fillRef idx="1">
-                <a:schemeClr val="accent1"/>
-              </a:fillRef>
-              <a:effectRef idx="0">
-                <a:schemeClr val="accent1"/>
-              </a:effectRef>
-              <a:fontRef idx="minor">
-                <a:schemeClr val="lt1"/>
-              </a:fontRef>
-            </p:style>
-            <p:txBody>
-              <a:bodyPr rtlCol="0" anchor="ctr"/>
-              <a:lstStyle/>
-              <a:p>
-                <a:pPr algn="ctr"/>
-                <a:r>
-                  <a:rPr lang="ko-KR" altLang="en-US" sz="1000" dirty="0">
-                    <a:solidFill>
-                      <a:sysClr val="windowText" lastClr="000000"/>
-                    </a:solidFill>
-                  </a:rPr>
-                  <a:t>권한 </a:t>
-                </a:r>
-                <a:r>
-                  <a:rPr lang="en-US" altLang="ko-KR" sz="1000" dirty="0">
-                    <a:solidFill>
-                      <a:sysClr val="windowText" lastClr="000000"/>
-                    </a:solidFill>
-                  </a:rPr>
-                  <a:t>DB</a:t>
-                </a:r>
-              </a:p>
-            </p:txBody>
-          </p:sp>
-        </p:grpSp>
-        <p:grpSp>
-          <p:nvGrpSpPr>
-            <p:cNvPr id="75" name="그룹 74">
-              <a:extLst>
-                <a:ext uri="{FF2B5EF4-FFF2-40B4-BE49-F238E27FC236}">
-                  <a16:creationId xmlns:a16="http://schemas.microsoft.com/office/drawing/2014/main" id="{8BF4694D-6E53-F31D-7893-CEEDDEC581CF}"/>
-                </a:ext>
-              </a:extLst>
-            </p:cNvPr>
-            <p:cNvGrpSpPr/>
-            <p:nvPr/>
-          </p:nvGrpSpPr>
-          <p:grpSpPr>
-            <a:xfrm>
-              <a:off x="3278164" y="852228"/>
-              <a:ext cx="4004933" cy="3437670"/>
-              <a:chOff x="3278164" y="852228"/>
-              <a:chExt cx="4004933" cy="3437670"/>
-            </a:xfrm>
-          </p:grpSpPr>
-          <p:grpSp>
-            <p:nvGrpSpPr>
-              <p:cNvPr id="140" name="그룹 139">
-                <a:extLst>
-                  <a:ext uri="{FF2B5EF4-FFF2-40B4-BE49-F238E27FC236}">
-                    <a16:creationId xmlns:a16="http://schemas.microsoft.com/office/drawing/2014/main" id="{0FB19397-2702-F796-2702-CED9B930BFC3}"/>
-                  </a:ext>
-                </a:extLst>
-              </p:cNvPr>
-              <p:cNvGrpSpPr/>
-              <p:nvPr/>
-            </p:nvGrpSpPr>
-            <p:grpSpPr>
-              <a:xfrm>
-                <a:off x="3278164" y="852228"/>
-                <a:ext cx="4004933" cy="3437670"/>
-                <a:chOff x="4308873" y="3135003"/>
-                <a:chExt cx="4004933" cy="3437670"/>
-              </a:xfrm>
-            </p:grpSpPr>
-            <p:grpSp>
-              <p:nvGrpSpPr>
-                <p:cNvPr id="104" name="그룹 103">
-                  <a:extLst>
-                    <a:ext uri="{FF2B5EF4-FFF2-40B4-BE49-F238E27FC236}">
-                      <a16:creationId xmlns:a16="http://schemas.microsoft.com/office/drawing/2014/main" id="{01E370B5-7646-EB53-9A3B-A2415D039E9E}"/>
-                    </a:ext>
-                  </a:extLst>
-                </p:cNvPr>
-                <p:cNvGrpSpPr/>
-                <p:nvPr/>
-              </p:nvGrpSpPr>
-              <p:grpSpPr>
-                <a:xfrm>
-                  <a:off x="4308873" y="3135003"/>
-                  <a:ext cx="4004933" cy="3437670"/>
-                  <a:chOff x="-1735792" y="194728"/>
-                  <a:chExt cx="5463837" cy="3891703"/>
-                </a:xfrm>
-              </p:grpSpPr>
-              <p:sp>
-                <p:nvSpPr>
-                  <p:cNvPr id="105" name="직사각형 104">
-                    <a:extLst>
-                      <a:ext uri="{FF2B5EF4-FFF2-40B4-BE49-F238E27FC236}">
-                        <a16:creationId xmlns:a16="http://schemas.microsoft.com/office/drawing/2014/main" id="{63D706EB-991B-5D9E-80E2-C8B2ADB60537}"/>
-                      </a:ext>
-                    </a:extLst>
-                  </p:cNvPr>
-                  <p:cNvSpPr/>
-                  <p:nvPr/>
-                </p:nvSpPr>
-                <p:spPr>
-                  <a:xfrm>
-                    <a:off x="-1735792" y="575036"/>
-                    <a:ext cx="5463837" cy="3511395"/>
-                  </a:xfrm>
-                  <a:prstGeom prst="rect">
-                    <a:avLst/>
-                  </a:prstGeom>
-                  <a:solidFill>
-                    <a:schemeClr val="bg1">
-                      <a:lumMod val="95000"/>
-                    </a:schemeClr>
-                  </a:solidFill>
-                  <a:ln>
-                    <a:solidFill>
-                      <a:schemeClr val="tx1"/>
-                    </a:solidFill>
-                  </a:ln>
-                </p:spPr>
-                <p:style>
-                  <a:lnRef idx="2">
-                    <a:schemeClr val="accent1">
-                      <a:shade val="50000"/>
-                    </a:schemeClr>
-                  </a:lnRef>
-                  <a:fillRef idx="1">
-                    <a:schemeClr val="accent1"/>
-                  </a:fillRef>
-                  <a:effectRef idx="0">
-                    <a:schemeClr val="accent1"/>
-                  </a:effectRef>
-                  <a:fontRef idx="minor">
-                    <a:schemeClr val="lt1"/>
-                  </a:fontRef>
-                </p:style>
-                <p:txBody>
-                  <a:bodyPr rtlCol="0" anchor="ctr"/>
-                  <a:lstStyle/>
-                  <a:p>
-                    <a:pPr algn="ctr"/>
-                    <a:endParaRPr lang="ko-KR" altLang="en-US">
-                      <a:solidFill>
-                        <a:schemeClr val="tx1"/>
-                      </a:solidFill>
-                    </a:endParaRPr>
-                  </a:p>
-                </p:txBody>
-              </p:sp>
-              <p:sp>
-                <p:nvSpPr>
-                  <p:cNvPr id="106" name="직사각형 105">
-                    <a:extLst>
-                      <a:ext uri="{FF2B5EF4-FFF2-40B4-BE49-F238E27FC236}">
-                        <a16:creationId xmlns:a16="http://schemas.microsoft.com/office/drawing/2014/main" id="{FDA614DD-6616-DBBF-4390-83A9E192783C}"/>
-                      </a:ext>
-                    </a:extLst>
-                  </p:cNvPr>
-                  <p:cNvSpPr/>
-                  <p:nvPr/>
-                </p:nvSpPr>
-                <p:spPr>
-                  <a:xfrm>
-                    <a:off x="-1735792" y="194728"/>
-                    <a:ext cx="5463837" cy="389734"/>
-                  </a:xfrm>
-                  <a:prstGeom prst="rect">
-                    <a:avLst/>
-                  </a:prstGeom>
-                  <a:solidFill>
-                    <a:schemeClr val="bg1">
-                      <a:lumMod val="75000"/>
-                    </a:schemeClr>
-                  </a:solidFill>
-                  <a:ln>
-                    <a:solidFill>
-                      <a:schemeClr val="tx1"/>
-                    </a:solidFill>
-                  </a:ln>
-                </p:spPr>
-                <p:style>
-                  <a:lnRef idx="2">
-                    <a:schemeClr val="accent1">
-                      <a:shade val="50000"/>
-                    </a:schemeClr>
-                  </a:lnRef>
-                  <a:fillRef idx="1">
-                    <a:schemeClr val="accent1"/>
-                  </a:fillRef>
-                  <a:effectRef idx="0">
-                    <a:schemeClr val="accent1"/>
-                  </a:effectRef>
-                  <a:fontRef idx="minor">
-                    <a:schemeClr val="lt1"/>
-                  </a:fontRef>
-                </p:style>
-                <p:txBody>
-                  <a:bodyPr rtlCol="0" anchor="ctr"/>
-                  <a:lstStyle/>
-                  <a:p>
-                    <a:pPr algn="ctr"/>
-                    <a:r>
-                      <a:rPr lang="ko-KR" altLang="en-US" sz="1200" b="1" dirty="0">
-                        <a:solidFill>
-                          <a:schemeClr val="tx1"/>
-                        </a:solidFill>
-                      </a:rPr>
-                      <a:t>서비스</a:t>
-                    </a:r>
-                  </a:p>
-                </p:txBody>
-              </p:sp>
-            </p:grpSp>
-            <p:sp>
-              <p:nvSpPr>
-                <p:cNvPr id="107" name="직사각형 106">
-                  <a:extLst>
-                    <a:ext uri="{FF2B5EF4-FFF2-40B4-BE49-F238E27FC236}">
-                      <a16:creationId xmlns:a16="http://schemas.microsoft.com/office/drawing/2014/main" id="{9B095DBD-0A40-5814-513F-BCD84C6D1050}"/>
-                    </a:ext>
-                  </a:extLst>
-                </p:cNvPr>
-                <p:cNvSpPr/>
-                <p:nvPr/>
-              </p:nvSpPr>
-              <p:spPr>
-                <a:xfrm>
-                  <a:off x="7167152" y="3587938"/>
-                  <a:ext cx="1054278" cy="490648"/>
-                </a:xfrm>
-                <a:prstGeom prst="rect">
-                  <a:avLst/>
-                </a:prstGeom>
-                <a:solidFill>
-                  <a:schemeClr val="tx2">
-                    <a:lumMod val="20000"/>
-                    <a:lumOff val="80000"/>
-                  </a:schemeClr>
-                </a:solidFill>
-                <a:ln>
-                  <a:solidFill>
-                    <a:schemeClr val="tx1"/>
-                  </a:solidFill>
-                </a:ln>
-              </p:spPr>
-              <p:style>
-                <a:lnRef idx="2">
-                  <a:schemeClr val="accent1">
-                    <a:shade val="50000"/>
-                  </a:schemeClr>
-                </a:lnRef>
-                <a:fillRef idx="1">
-                  <a:schemeClr val="accent1"/>
-                </a:fillRef>
-                <a:effectRef idx="0">
-                  <a:schemeClr val="accent1"/>
-                </a:effectRef>
-                <a:fontRef idx="minor">
-                  <a:schemeClr val="lt1"/>
-                </a:fontRef>
-              </p:style>
-              <p:txBody>
-                <a:bodyPr rtlCol="0" anchor="ctr"/>
-                <a:lstStyle/>
-                <a:p>
-                  <a:pPr algn="ctr"/>
-                  <a:r>
-                    <a:rPr lang="ko-KR" altLang="en-US" sz="1000" dirty="0">
-                      <a:solidFill>
-                        <a:sysClr val="windowText" lastClr="000000"/>
-                      </a:solidFill>
-                    </a:rPr>
-                    <a:t>마이페이지</a:t>
-                  </a:r>
-                </a:p>
-              </p:txBody>
-            </p:sp>
-            <p:sp>
-              <p:nvSpPr>
-                <p:cNvPr id="76" name="직사각형 75">
-                  <a:extLst>
-                    <a:ext uri="{FF2B5EF4-FFF2-40B4-BE49-F238E27FC236}">
-                      <a16:creationId xmlns:a16="http://schemas.microsoft.com/office/drawing/2014/main" id="{0A20B0FF-7E14-B07C-D0F6-2696AAE911DC}"/>
-                    </a:ext>
-                  </a:extLst>
-                </p:cNvPr>
-                <p:cNvSpPr/>
-                <p:nvPr/>
-              </p:nvSpPr>
-              <p:spPr>
-                <a:xfrm>
-                  <a:off x="7167152" y="4168615"/>
-                  <a:ext cx="1054278" cy="490648"/>
-                </a:xfrm>
-                <a:prstGeom prst="rect">
-                  <a:avLst/>
-                </a:prstGeom>
-                <a:solidFill>
-                  <a:schemeClr val="tx2">
-                    <a:lumMod val="20000"/>
-                    <a:lumOff val="80000"/>
-                  </a:schemeClr>
-                </a:solidFill>
-                <a:ln>
-                  <a:solidFill>
-                    <a:schemeClr val="tx1"/>
-                  </a:solidFill>
-                </a:ln>
-              </p:spPr>
-              <p:style>
-                <a:lnRef idx="2">
-                  <a:schemeClr val="accent1">
-                    <a:shade val="50000"/>
-                  </a:schemeClr>
-                </a:lnRef>
-                <a:fillRef idx="1">
-                  <a:schemeClr val="accent1"/>
-                </a:fillRef>
-                <a:effectRef idx="0">
-                  <a:schemeClr val="accent1"/>
-                </a:effectRef>
-                <a:fontRef idx="minor">
-                  <a:schemeClr val="lt1"/>
-                </a:fontRef>
-              </p:style>
-              <p:txBody>
-                <a:bodyPr rtlCol="0" anchor="ctr"/>
-                <a:lstStyle/>
-                <a:p>
-                  <a:pPr algn="ctr"/>
-                  <a:r>
-                    <a:rPr lang="ko-KR" altLang="en-US" sz="1000" dirty="0" err="1">
-                      <a:solidFill>
-                        <a:sysClr val="windowText" lastClr="000000"/>
-                      </a:solidFill>
-                    </a:rPr>
-                    <a:t>메인메뉴</a:t>
-                  </a:r>
-                  <a:endParaRPr lang="ko-KR" altLang="en-US" sz="1000" dirty="0">
-                    <a:solidFill>
-                      <a:sysClr val="windowText" lastClr="000000"/>
-                    </a:solidFill>
-                  </a:endParaRPr>
-                </a:p>
-              </p:txBody>
-            </p:sp>
-          </p:grpSp>
-          <p:grpSp>
-            <p:nvGrpSpPr>
-              <p:cNvPr id="28" name="그룹 27">
-                <a:extLst>
-                  <a:ext uri="{FF2B5EF4-FFF2-40B4-BE49-F238E27FC236}">
-                    <a16:creationId xmlns:a16="http://schemas.microsoft.com/office/drawing/2014/main" id="{CF8F79D4-FABC-14FA-CE9F-2E537CFB1A9A}"/>
-                  </a:ext>
-                </a:extLst>
-              </p:cNvPr>
-              <p:cNvGrpSpPr/>
-              <p:nvPr/>
-            </p:nvGrpSpPr>
-            <p:grpSpPr>
-              <a:xfrm>
-                <a:off x="3375141" y="1299336"/>
-                <a:ext cx="2646280" cy="2896345"/>
-                <a:chOff x="2321324" y="2172903"/>
-                <a:chExt cx="2646280" cy="2896345"/>
-              </a:xfrm>
-            </p:grpSpPr>
-            <p:grpSp>
-              <p:nvGrpSpPr>
-                <p:cNvPr id="32" name="그룹 31">
-                  <a:extLst>
-                    <a:ext uri="{FF2B5EF4-FFF2-40B4-BE49-F238E27FC236}">
-                      <a16:creationId xmlns:a16="http://schemas.microsoft.com/office/drawing/2014/main" id="{066F7B53-5B4B-D855-D4D2-FD440D168EF6}"/>
-                    </a:ext>
-                  </a:extLst>
-                </p:cNvPr>
-                <p:cNvGrpSpPr/>
-                <p:nvPr/>
-              </p:nvGrpSpPr>
-              <p:grpSpPr>
-                <a:xfrm>
-                  <a:off x="2321324" y="2172903"/>
-                  <a:ext cx="2646280" cy="2896345"/>
-                  <a:chOff x="103694" y="199330"/>
-                  <a:chExt cx="1157432" cy="2896345"/>
-                </a:xfrm>
-              </p:grpSpPr>
-              <p:sp>
-                <p:nvSpPr>
-                  <p:cNvPr id="71" name="직사각형 70">
-                    <a:extLst>
-                      <a:ext uri="{FF2B5EF4-FFF2-40B4-BE49-F238E27FC236}">
-                        <a16:creationId xmlns:a16="http://schemas.microsoft.com/office/drawing/2014/main" id="{34BC4F99-5F95-B9A5-0BA4-65073587E41F}"/>
-                      </a:ext>
-                    </a:extLst>
-                  </p:cNvPr>
-                  <p:cNvSpPr/>
-                  <p:nvPr/>
-                </p:nvSpPr>
-                <p:spPr>
-                  <a:xfrm>
-                    <a:off x="103694" y="575036"/>
-                    <a:ext cx="1157432" cy="2520639"/>
-                  </a:xfrm>
-                  <a:prstGeom prst="rect">
-                    <a:avLst/>
-                  </a:prstGeom>
-                  <a:solidFill>
-                    <a:schemeClr val="bg1">
-                      <a:lumMod val="95000"/>
-                    </a:schemeClr>
-                  </a:solidFill>
-                  <a:ln>
-                    <a:solidFill>
-                      <a:schemeClr val="tx1"/>
-                    </a:solidFill>
-                  </a:ln>
-                </p:spPr>
-                <p:style>
-                  <a:lnRef idx="2">
-                    <a:schemeClr val="accent1">
-                      <a:shade val="50000"/>
-                    </a:schemeClr>
-                  </a:lnRef>
-                  <a:fillRef idx="1">
-                    <a:schemeClr val="accent1"/>
-                  </a:fillRef>
-                  <a:effectRef idx="0">
-                    <a:schemeClr val="accent1"/>
-                  </a:effectRef>
-                  <a:fontRef idx="minor">
-                    <a:schemeClr val="lt1"/>
-                  </a:fontRef>
-                </p:style>
-                <p:txBody>
-                  <a:bodyPr rtlCol="0" anchor="ctr"/>
-                  <a:lstStyle/>
-                  <a:p>
-                    <a:pPr algn="ctr"/>
-                    <a:endParaRPr lang="ko-KR" altLang="en-US">
-                      <a:solidFill>
-                        <a:schemeClr val="tx1"/>
-                      </a:solidFill>
-                    </a:endParaRPr>
-                  </a:p>
-                </p:txBody>
-              </p:sp>
-              <p:sp>
-                <p:nvSpPr>
-                  <p:cNvPr id="74" name="직사각형 73">
-                    <a:extLst>
-                      <a:ext uri="{FF2B5EF4-FFF2-40B4-BE49-F238E27FC236}">
-                        <a16:creationId xmlns:a16="http://schemas.microsoft.com/office/drawing/2014/main" id="{9EC0A542-2CE9-A812-526C-3FCFD217A43F}"/>
-                      </a:ext>
-                    </a:extLst>
-                  </p:cNvPr>
-                  <p:cNvSpPr/>
-                  <p:nvPr/>
-                </p:nvSpPr>
-                <p:spPr>
-                  <a:xfrm>
-                    <a:off x="103694" y="199330"/>
-                    <a:ext cx="1157432" cy="385131"/>
-                  </a:xfrm>
-                  <a:prstGeom prst="rect">
-                    <a:avLst/>
-                  </a:prstGeom>
-                  <a:solidFill>
-                    <a:schemeClr val="bg1">
-                      <a:lumMod val="75000"/>
-                    </a:schemeClr>
-                  </a:solidFill>
-                  <a:ln>
-                    <a:solidFill>
-                      <a:schemeClr val="tx1"/>
-                    </a:solidFill>
-                  </a:ln>
-                </p:spPr>
-                <p:style>
-                  <a:lnRef idx="2">
-                    <a:schemeClr val="accent1">
-                      <a:shade val="50000"/>
-                    </a:schemeClr>
-                  </a:lnRef>
-                  <a:fillRef idx="1">
-                    <a:schemeClr val="accent1"/>
-                  </a:fillRef>
-                  <a:effectRef idx="0">
-                    <a:schemeClr val="accent1"/>
-                  </a:effectRef>
-                  <a:fontRef idx="minor">
-                    <a:schemeClr val="lt1"/>
-                  </a:fontRef>
-                </p:style>
-                <p:txBody>
-                  <a:bodyPr rtlCol="0" anchor="ctr"/>
-                  <a:lstStyle/>
-                  <a:p>
-                    <a:pPr algn="ctr"/>
-                    <a:r>
-                      <a:rPr lang="ko-KR" altLang="en-US" sz="1200" b="1" dirty="0">
-                        <a:solidFill>
-                          <a:schemeClr val="tx1"/>
-                        </a:solidFill>
-                      </a:rPr>
-                      <a:t>커뮤니티</a:t>
-                    </a:r>
-                  </a:p>
-                </p:txBody>
-              </p:sp>
-            </p:grpSp>
-            <p:sp>
-              <p:nvSpPr>
-                <p:cNvPr id="37" name="직사각형 36">
-                  <a:extLst>
-                    <a:ext uri="{FF2B5EF4-FFF2-40B4-BE49-F238E27FC236}">
-                      <a16:creationId xmlns:a16="http://schemas.microsoft.com/office/drawing/2014/main" id="{FC8DB35F-B96D-62C0-3596-DC27466CFF13}"/>
-                    </a:ext>
-                  </a:extLst>
-                </p:cNvPr>
-                <p:cNvSpPr/>
-                <p:nvPr/>
-              </p:nvSpPr>
-              <p:spPr>
-                <a:xfrm>
-                  <a:off x="2377700" y="4456319"/>
-                  <a:ext cx="1198850" cy="507213"/>
-                </a:xfrm>
-                <a:prstGeom prst="rect">
-                  <a:avLst/>
-                </a:prstGeom>
-                <a:solidFill>
-                  <a:schemeClr val="tx2">
-                    <a:lumMod val="20000"/>
-                    <a:lumOff val="80000"/>
-                  </a:schemeClr>
-                </a:solidFill>
-                <a:ln>
-                  <a:solidFill>
-                    <a:schemeClr val="tx1"/>
-                  </a:solidFill>
-                </a:ln>
-              </p:spPr>
-              <p:style>
-                <a:lnRef idx="2">
-                  <a:schemeClr val="accent1">
-                    <a:shade val="50000"/>
-                  </a:schemeClr>
-                </a:lnRef>
-                <a:fillRef idx="1">
-                  <a:schemeClr val="accent1"/>
-                </a:fillRef>
-                <a:effectRef idx="0">
-                  <a:schemeClr val="accent1"/>
-                </a:effectRef>
-                <a:fontRef idx="minor">
-                  <a:schemeClr val="lt1"/>
-                </a:fontRef>
-              </p:style>
-              <p:txBody>
-                <a:bodyPr rtlCol="0" anchor="ctr"/>
-                <a:lstStyle/>
-                <a:p>
-                  <a:pPr algn="ctr"/>
-                  <a:r>
-                    <a:rPr lang="ko-KR" altLang="en-US" sz="1000" dirty="0">
-                      <a:solidFill>
-                        <a:sysClr val="windowText" lastClr="000000"/>
-                      </a:solidFill>
-                    </a:rPr>
-                    <a:t>검색결과</a:t>
-                  </a:r>
-                </a:p>
-              </p:txBody>
-            </p:sp>
-            <p:sp>
-              <p:nvSpPr>
-                <p:cNvPr id="41" name="직사각형 40">
-                  <a:extLst>
-                    <a:ext uri="{FF2B5EF4-FFF2-40B4-BE49-F238E27FC236}">
-                      <a16:creationId xmlns:a16="http://schemas.microsoft.com/office/drawing/2014/main" id="{91AB1315-AEAF-DFA5-EA91-AC5414360E75}"/>
-                    </a:ext>
-                  </a:extLst>
-                </p:cNvPr>
-                <p:cNvSpPr/>
-                <p:nvPr/>
-              </p:nvSpPr>
-              <p:spPr>
-                <a:xfrm>
-                  <a:off x="2381577" y="2625234"/>
-                  <a:ext cx="1194971" cy="507213"/>
-                </a:xfrm>
-                <a:prstGeom prst="rect">
-                  <a:avLst/>
-                </a:prstGeom>
-                <a:solidFill>
-                  <a:schemeClr val="tx2">
-                    <a:lumMod val="20000"/>
-                    <a:lumOff val="80000"/>
-                  </a:schemeClr>
-                </a:solidFill>
-                <a:ln>
-                  <a:solidFill>
-                    <a:schemeClr val="tx1"/>
-                  </a:solidFill>
-                </a:ln>
-              </p:spPr>
-              <p:style>
-                <a:lnRef idx="2">
-                  <a:schemeClr val="accent1">
-                    <a:shade val="50000"/>
-                  </a:schemeClr>
-                </a:lnRef>
-                <a:fillRef idx="1">
-                  <a:schemeClr val="accent1"/>
-                </a:fillRef>
-                <a:effectRef idx="0">
-                  <a:schemeClr val="accent1"/>
-                </a:effectRef>
-                <a:fontRef idx="minor">
-                  <a:schemeClr val="lt1"/>
-                </a:fontRef>
-              </p:style>
-              <p:txBody>
-                <a:bodyPr rtlCol="0" anchor="ctr"/>
-                <a:lstStyle/>
-                <a:p>
-                  <a:pPr algn="ctr"/>
-                  <a:r>
-                    <a:rPr lang="ko-KR" altLang="en-US" sz="1000" dirty="0">
-                      <a:solidFill>
-                        <a:sysClr val="windowText" lastClr="000000"/>
-                      </a:solidFill>
-                    </a:rPr>
-                    <a:t>게시판</a:t>
-                  </a:r>
-                </a:p>
-              </p:txBody>
-            </p:sp>
-            <p:sp>
-              <p:nvSpPr>
-                <p:cNvPr id="46" name="직사각형 45">
-                  <a:extLst>
-                    <a:ext uri="{FF2B5EF4-FFF2-40B4-BE49-F238E27FC236}">
-                      <a16:creationId xmlns:a16="http://schemas.microsoft.com/office/drawing/2014/main" id="{74CDE812-C9E2-FB02-0219-E67915AA6729}"/>
-                    </a:ext>
-                  </a:extLst>
-                </p:cNvPr>
-                <p:cNvSpPr/>
-                <p:nvPr/>
-              </p:nvSpPr>
-              <p:spPr>
-                <a:xfrm>
-                  <a:off x="3662262" y="2623761"/>
-                  <a:ext cx="1214914" cy="510158"/>
-                </a:xfrm>
-                <a:prstGeom prst="rect">
-                  <a:avLst/>
-                </a:prstGeom>
-                <a:solidFill>
-                  <a:schemeClr val="tx2">
-                    <a:lumMod val="20000"/>
-                    <a:lumOff val="80000"/>
-                  </a:schemeClr>
-                </a:solidFill>
-                <a:ln>
-                  <a:solidFill>
-                    <a:schemeClr val="tx1"/>
-                  </a:solidFill>
-                </a:ln>
-              </p:spPr>
-              <p:style>
-                <a:lnRef idx="2">
-                  <a:schemeClr val="accent1">
-                    <a:shade val="50000"/>
-                  </a:schemeClr>
-                </a:lnRef>
-                <a:fillRef idx="1">
-                  <a:schemeClr val="accent1"/>
-                </a:fillRef>
-                <a:effectRef idx="0">
-                  <a:schemeClr val="accent1"/>
-                </a:effectRef>
-                <a:fontRef idx="minor">
-                  <a:schemeClr val="lt1"/>
-                </a:fontRef>
-              </p:style>
-              <p:txBody>
-                <a:bodyPr rtlCol="0" anchor="ctr"/>
-                <a:lstStyle/>
-                <a:p>
-                  <a:pPr algn="ctr"/>
-                  <a:r>
-                    <a:rPr lang="ko-KR" altLang="en-US" sz="1000" dirty="0" err="1">
-                      <a:solidFill>
-                        <a:sysClr val="windowText" lastClr="000000"/>
-                      </a:solidFill>
-                    </a:rPr>
-                    <a:t>공지푸시</a:t>
-                  </a:r>
-                  <a:endParaRPr lang="ko-KR" altLang="en-US" sz="1000" dirty="0">
-                    <a:solidFill>
-                      <a:sysClr val="windowText" lastClr="000000"/>
-                    </a:solidFill>
-                  </a:endParaRPr>
-                </a:p>
-              </p:txBody>
-            </p:sp>
-            <p:sp>
-              <p:nvSpPr>
-                <p:cNvPr id="47" name="직사각형 46">
-                  <a:extLst>
-                    <a:ext uri="{FF2B5EF4-FFF2-40B4-BE49-F238E27FC236}">
-                      <a16:creationId xmlns:a16="http://schemas.microsoft.com/office/drawing/2014/main" id="{21DAE7EA-5AB1-FEBF-3049-2181E244F8F1}"/>
-                    </a:ext>
-                  </a:extLst>
-                </p:cNvPr>
-                <p:cNvSpPr/>
-                <p:nvPr/>
-              </p:nvSpPr>
-              <p:spPr>
-                <a:xfrm>
-                  <a:off x="2377699" y="3845876"/>
-                  <a:ext cx="1194971" cy="507459"/>
-                </a:xfrm>
-                <a:prstGeom prst="rect">
-                  <a:avLst/>
-                </a:prstGeom>
-                <a:solidFill>
-                  <a:schemeClr val="tx2">
-                    <a:lumMod val="20000"/>
-                    <a:lumOff val="80000"/>
-                  </a:schemeClr>
-                </a:solidFill>
-                <a:ln>
-                  <a:solidFill>
-                    <a:schemeClr val="tx1"/>
-                  </a:solidFill>
-                </a:ln>
-              </p:spPr>
-              <p:style>
-                <a:lnRef idx="2">
-                  <a:schemeClr val="accent1">
-                    <a:shade val="50000"/>
-                  </a:schemeClr>
-                </a:lnRef>
-                <a:fillRef idx="1">
-                  <a:schemeClr val="accent1"/>
-                </a:fillRef>
-                <a:effectRef idx="0">
-                  <a:schemeClr val="accent1"/>
-                </a:effectRef>
-                <a:fontRef idx="minor">
-                  <a:schemeClr val="lt1"/>
-                </a:fontRef>
-              </p:style>
-              <p:txBody>
-                <a:bodyPr rtlCol="0" anchor="ctr"/>
-                <a:lstStyle/>
-                <a:p>
-                  <a:pPr algn="ctr"/>
-                  <a:r>
-                    <a:rPr lang="ko-KR" altLang="en-US" sz="1000" dirty="0" err="1">
-                      <a:solidFill>
-                        <a:sysClr val="windowText" lastClr="000000"/>
-                      </a:solidFill>
-                    </a:rPr>
-                    <a:t>건의글</a:t>
-                  </a:r>
-                  <a:endParaRPr lang="ko-KR" altLang="en-US" sz="1000" dirty="0">
-                    <a:solidFill>
-                      <a:sysClr val="windowText" lastClr="000000"/>
-                    </a:solidFill>
-                  </a:endParaRPr>
-                </a:p>
-              </p:txBody>
-            </p:sp>
-            <p:sp>
-              <p:nvSpPr>
-                <p:cNvPr id="49" name="직사각형 48">
-                  <a:extLst>
-                    <a:ext uri="{FF2B5EF4-FFF2-40B4-BE49-F238E27FC236}">
-                      <a16:creationId xmlns:a16="http://schemas.microsoft.com/office/drawing/2014/main" id="{0AE6DD21-F55E-ED34-C122-A45622201734}"/>
-                    </a:ext>
-                  </a:extLst>
-                </p:cNvPr>
-                <p:cNvSpPr/>
-                <p:nvPr/>
-              </p:nvSpPr>
-              <p:spPr>
-                <a:xfrm>
-                  <a:off x="3662262" y="3236982"/>
-                  <a:ext cx="1214914" cy="507459"/>
-                </a:xfrm>
-                <a:prstGeom prst="rect">
-                  <a:avLst/>
-                </a:prstGeom>
-                <a:solidFill>
-                  <a:schemeClr val="tx2">
-                    <a:lumMod val="20000"/>
-                    <a:lumOff val="80000"/>
-                  </a:schemeClr>
-                </a:solidFill>
-                <a:ln>
-                  <a:solidFill>
-                    <a:schemeClr val="tx1"/>
-                  </a:solidFill>
-                </a:ln>
-              </p:spPr>
-              <p:style>
-                <a:lnRef idx="2">
-                  <a:schemeClr val="accent1">
-                    <a:shade val="50000"/>
-                  </a:schemeClr>
-                </a:lnRef>
-                <a:fillRef idx="1">
-                  <a:schemeClr val="accent1"/>
-                </a:fillRef>
-                <a:effectRef idx="0">
-                  <a:schemeClr val="accent1"/>
-                </a:effectRef>
-                <a:fontRef idx="minor">
-                  <a:schemeClr val="lt1"/>
-                </a:fontRef>
-              </p:style>
-              <p:txBody>
-                <a:bodyPr rtlCol="0" anchor="ctr"/>
-                <a:lstStyle/>
-                <a:p>
-                  <a:pPr algn="ctr"/>
-                  <a:r>
-                    <a:rPr lang="ko-KR" altLang="en-US" sz="1000" dirty="0">
-                      <a:solidFill>
-                        <a:sysClr val="windowText" lastClr="000000"/>
-                      </a:solidFill>
-                    </a:rPr>
-                    <a:t>공지사항</a:t>
-                  </a:r>
-                </a:p>
-              </p:txBody>
-            </p:sp>
-            <p:sp>
-              <p:nvSpPr>
-                <p:cNvPr id="50" name="직사각형 49">
-                  <a:extLst>
-                    <a:ext uri="{FF2B5EF4-FFF2-40B4-BE49-F238E27FC236}">
-                      <a16:creationId xmlns:a16="http://schemas.microsoft.com/office/drawing/2014/main" id="{6C5AD144-3D05-3763-0759-740A85F8E9F1}"/>
-                    </a:ext>
-                  </a:extLst>
-                </p:cNvPr>
-                <p:cNvSpPr/>
-                <p:nvPr/>
-              </p:nvSpPr>
-              <p:spPr>
-                <a:xfrm>
-                  <a:off x="3662262" y="3854490"/>
-                  <a:ext cx="1214914" cy="507459"/>
-                </a:xfrm>
-                <a:prstGeom prst="rect">
-                  <a:avLst/>
-                </a:prstGeom>
-                <a:solidFill>
-                  <a:schemeClr val="tx2">
-                    <a:lumMod val="20000"/>
-                    <a:lumOff val="80000"/>
-                  </a:schemeClr>
-                </a:solidFill>
-                <a:ln>
-                  <a:solidFill>
-                    <a:schemeClr val="tx1"/>
-                  </a:solidFill>
-                </a:ln>
-              </p:spPr>
-              <p:style>
-                <a:lnRef idx="2">
-                  <a:schemeClr val="accent1">
-                    <a:shade val="50000"/>
-                  </a:schemeClr>
-                </a:lnRef>
-                <a:fillRef idx="1">
-                  <a:schemeClr val="accent1"/>
-                </a:fillRef>
-                <a:effectRef idx="0">
-                  <a:schemeClr val="accent1"/>
-                </a:effectRef>
-                <a:fontRef idx="minor">
-                  <a:schemeClr val="lt1"/>
-                </a:fontRef>
-              </p:style>
-              <p:txBody>
-                <a:bodyPr rtlCol="0" anchor="ctr"/>
-                <a:lstStyle/>
-                <a:p>
-                  <a:pPr algn="ctr"/>
-                  <a:r>
-                    <a:rPr lang="ko-KR" altLang="en-US" sz="1000" dirty="0" err="1">
-                      <a:solidFill>
-                        <a:sysClr val="windowText" lastClr="000000"/>
-                      </a:solidFill>
-                    </a:rPr>
-                    <a:t>신고글</a:t>
-                  </a:r>
-                  <a:endParaRPr lang="ko-KR" altLang="en-US" sz="1000" dirty="0">
-                    <a:solidFill>
-                      <a:sysClr val="windowText" lastClr="000000"/>
-                    </a:solidFill>
-                  </a:endParaRPr>
-                </a:p>
-              </p:txBody>
-            </p:sp>
-            <p:sp>
-              <p:nvSpPr>
-                <p:cNvPr id="70" name="직사각형 69">
-                  <a:extLst>
-                    <a:ext uri="{FF2B5EF4-FFF2-40B4-BE49-F238E27FC236}">
-                      <a16:creationId xmlns:a16="http://schemas.microsoft.com/office/drawing/2014/main" id="{47F65CE5-EE66-1BD3-64F1-B592F73F9760}"/>
-                    </a:ext>
-                  </a:extLst>
-                </p:cNvPr>
-                <p:cNvSpPr/>
-                <p:nvPr/>
-              </p:nvSpPr>
-              <p:spPr>
-                <a:xfrm>
-                  <a:off x="2381577" y="3235432"/>
-                  <a:ext cx="1194972" cy="507459"/>
-                </a:xfrm>
-                <a:prstGeom prst="rect">
-                  <a:avLst/>
-                </a:prstGeom>
-                <a:solidFill>
-                  <a:schemeClr val="tx2">
-                    <a:lumMod val="20000"/>
-                    <a:lumOff val="80000"/>
-                  </a:schemeClr>
-                </a:solidFill>
-                <a:ln>
-                  <a:solidFill>
-                    <a:schemeClr val="tx1"/>
-                  </a:solidFill>
-                </a:ln>
-              </p:spPr>
-              <p:style>
-                <a:lnRef idx="2">
-                  <a:schemeClr val="accent1">
-                    <a:shade val="50000"/>
-                  </a:schemeClr>
-                </a:lnRef>
-                <a:fillRef idx="1">
-                  <a:schemeClr val="accent1"/>
-                </a:fillRef>
-                <a:effectRef idx="0">
-                  <a:schemeClr val="accent1"/>
-                </a:effectRef>
-                <a:fontRef idx="minor">
-                  <a:schemeClr val="lt1"/>
-                </a:fontRef>
-              </p:style>
-              <p:txBody>
-                <a:bodyPr rtlCol="0" anchor="ctr"/>
-                <a:lstStyle/>
-                <a:p>
-                  <a:pPr algn="ctr"/>
-                  <a:r>
-                    <a:rPr lang="ko-KR" altLang="en-US" sz="1000" dirty="0">
-                      <a:solidFill>
-                        <a:sysClr val="windowText" lastClr="000000"/>
-                      </a:solidFill>
-                    </a:rPr>
-                    <a:t>게시글</a:t>
-                  </a:r>
-                </a:p>
-              </p:txBody>
-            </p:sp>
-          </p:grpSp>
-        </p:grpSp>
-      </p:grpSp>
-      <p:sp>
-        <p:nvSpPr>
-          <p:cNvPr id="80" name="직사각형 79">
-            <a:extLst>
-              <a:ext uri="{FF2B5EF4-FFF2-40B4-BE49-F238E27FC236}">
-                <a16:creationId xmlns:a16="http://schemas.microsoft.com/office/drawing/2014/main" id="{44C5E8E9-EDBD-ADD1-EEAD-3DDE407FCF84}"/>
-              </a:ext>
-            </a:extLst>
-          </p:cNvPr>
-          <p:cNvSpPr/>
-          <p:nvPr/>
-        </p:nvSpPr>
-        <p:spPr>
-          <a:xfrm>
-            <a:off x="2681969" y="515605"/>
-            <a:ext cx="319703" cy="6186752"/>
-          </a:xfrm>
-          <a:prstGeom prst="rect">
-            <a:avLst/>
-          </a:prstGeom>
-          <a:solidFill>
-            <a:schemeClr val="bg1">
-              <a:lumMod val="75000"/>
-            </a:schemeClr>
-          </a:solidFill>
-          <a:ln>
-            <a:solidFill>
-              <a:schemeClr val="tx1"/>
-            </a:solidFill>
-          </a:ln>
-        </p:spPr>
-        <p:style>
-          <a:lnRef idx="2">
-            <a:schemeClr val="accent1">
-              <a:shade val="50000"/>
-            </a:schemeClr>
-          </a:lnRef>
-          <a:fillRef idx="1">
-            <a:schemeClr val="accent1"/>
-          </a:fillRef>
-          <a:effectRef idx="0">
-            <a:schemeClr val="accent1"/>
-          </a:effectRef>
-          <a:fontRef idx="minor">
-            <a:schemeClr val="lt1"/>
-          </a:fontRef>
-        </p:style>
-        <p:txBody>
-          <a:bodyPr rtlCol="0" anchor="ctr"/>
-          <a:lstStyle/>
-          <a:p>
-            <a:pPr algn="ctr"/>
-            <a:r>
-              <a:rPr lang="ko-KR" altLang="en-US" dirty="0">
-                <a:solidFill>
-                  <a:sysClr val="windowText" lastClr="000000"/>
-                </a:solidFill>
-              </a:rPr>
-              <a:t>사용자</a:t>
-            </a:r>
-            <a:endParaRPr lang="en-US" altLang="ko-KR" dirty="0">
-              <a:solidFill>
-                <a:sysClr val="windowText" lastClr="000000"/>
-              </a:solidFill>
-            </a:endParaRPr>
-          </a:p>
-          <a:p>
-            <a:pPr algn="ctr"/>
-            <a:r>
-              <a:rPr lang="ko-KR" altLang="en-US" dirty="0">
-                <a:solidFill>
-                  <a:sysClr val="windowText" lastClr="000000"/>
-                </a:solidFill>
-              </a:rPr>
-              <a:t> 인증</a:t>
-            </a:r>
-          </a:p>
-        </p:txBody>
-      </p:sp>
-    </p:spTree>
-    <p:extLst>
-      <p:ext uri="{BB962C8B-B14F-4D97-AF65-F5344CB8AC3E}">
-        <p14:creationId xmlns:p14="http://schemas.microsoft.com/office/powerpoint/2010/main" val="2636210168"/>
       </p:ext>
     </p:extLst>
   </p:cSld>
